--- a/presentations/250508_dps/introslides.pptx
+++ b/presentations/250508_dps/introslides.pptx
@@ -10,11 +10,12 @@
   <p:sldIdLst>
     <p:sldId id="256" r:id="rId5"/>
     <p:sldId id="257" r:id="rId6"/>
-    <p:sldId id="258" r:id="rId7"/>
-    <p:sldId id="259" r:id="rId8"/>
-    <p:sldId id="260" r:id="rId9"/>
-    <p:sldId id="261" r:id="rId10"/>
-    <p:sldId id="262" r:id="rId11"/>
+    <p:sldId id="263" r:id="rId7"/>
+    <p:sldId id="258" r:id="rId8"/>
+    <p:sldId id="259" r:id="rId9"/>
+    <p:sldId id="260" r:id="rId10"/>
+    <p:sldId id="261" r:id="rId11"/>
+    <p:sldId id="262" r:id="rId12"/>
   </p:sldIdLst>
   <p:sldSz cx="10080625" cy="5670550"/>
   <p:notesSz cx="7772400" cy="10058400"/>
@@ -113,6 +114,11 @@
       </a:defRPr>
     </a:lvl9pPr>
   </p:defaultTextStyle>
+  <p:extLst>
+    <p:ext uri="{EFAFB233-063F-42B5-8137-9DF3F51BA10A}">
+      <p15:sldGuideLst xmlns:p15="http://schemas.microsoft.com/office/powerpoint/2012/main"/>
+    </p:ext>
+  </p:extLst>
 </p:presentation>
 </file>
 
@@ -8769,15 +8775,15 @@
               </a:lnSpc>
             </a:pPr>
             <a:r>
-              <a:rPr lang="en-US" sz="2700" b="1" strike="noStrike" spc="-1">
+              <a:rPr lang="en-US" sz="2700" b="1" strike="noStrike" spc="-1" dirty="0">
                 <a:solidFill>
                   <a:srgbClr val="FFFFFF"/>
                 </a:solidFill>
                 <a:latin typeface="Source Sans Pro Black"/>
               </a:rPr>
-              <a:t>What’s going on here?</a:t>
+              <a:t>The Main Points</a:t>
             </a:r>
-            <a:endParaRPr lang="en-US" sz="2700" b="0" strike="noStrike" spc="-1">
+            <a:endParaRPr lang="en-US" sz="2700" b="0" strike="noStrike" spc="-1" dirty="0">
               <a:latin typeface="Arial"/>
             </a:endParaRPr>
           </a:p>
@@ -8786,6 +8792,235 @@
       <p:sp>
         <p:nvSpPr>
           <p:cNvPr id="168" name="Rectangle 167"/>
+          <p:cNvSpPr/>
+          <p:nvPr/>
+        </p:nvSpPr>
+        <p:spPr>
+          <a:xfrm>
+            <a:off x="360000" y="1485000"/>
+            <a:ext cx="9359640" cy="3779640"/>
+          </a:xfrm>
+          <a:prstGeom prst="rect">
+            <a:avLst/>
+          </a:prstGeom>
+          <a:noFill/>
+          <a:ln w="0">
+            <a:noFill/>
+          </a:ln>
+        </p:spPr>
+        <p:style>
+          <a:lnRef idx="0">
+            <a:scrgbClr r="0" g="0" b="0"/>
+          </a:lnRef>
+          <a:fillRef idx="0">
+            <a:scrgbClr r="0" g="0" b="0"/>
+          </a:fillRef>
+          <a:effectRef idx="0">
+            <a:scrgbClr r="0" g="0" b="0"/>
+          </a:effectRef>
+          <a:fontRef idx="minor"/>
+        </p:style>
+        <p:txBody>
+          <a:bodyPr lIns="0" tIns="0" rIns="0" bIns="0">
+            <a:normAutofit/>
+          </a:bodyPr>
+          <a:lstStyle/>
+          <a:p>
+            <a:pPr marL="432000" indent="-323640">
+              <a:lnSpc>
+                <a:spcPct val="100000"/>
+              </a:lnSpc>
+              <a:spcAft>
+                <a:spcPts val="1057"/>
+              </a:spcAft>
+              <a:buClr>
+                <a:srgbClr val="2C3E50"/>
+              </a:buClr>
+              <a:buSzPct val="45000"/>
+              <a:buFont typeface="Wingdings" charset="2"/>
+              <a:buChar char=""/>
+            </a:pPr>
+            <a:r>
+              <a:rPr lang="en-US" sz="2400" spc="-1" dirty="0">
+                <a:latin typeface="Arial"/>
+              </a:rPr>
+              <a:t>Google “Iowa </a:t>
+            </a:r>
+            <a:r>
+              <a:rPr lang="en-US" sz="2400" spc="-1" dirty="0" err="1">
+                <a:latin typeface="Arial"/>
+              </a:rPr>
+              <a:t>Mesonet</a:t>
+            </a:r>
+            <a:r>
+              <a:rPr lang="en-US" sz="2400" spc="-1" dirty="0">
+                <a:latin typeface="Arial"/>
+              </a:rPr>
+              <a:t>” or “IEM ISU” to find my website</a:t>
+            </a:r>
+          </a:p>
+          <a:p>
+            <a:pPr marL="432000" indent="-323640">
+              <a:lnSpc>
+                <a:spcPct val="100000"/>
+              </a:lnSpc>
+              <a:spcAft>
+                <a:spcPts val="1057"/>
+              </a:spcAft>
+              <a:buClr>
+                <a:srgbClr val="2C3E50"/>
+              </a:buClr>
+              <a:buSzPct val="45000"/>
+              <a:buFont typeface="Wingdings" charset="2"/>
+              <a:buChar char=""/>
+            </a:pPr>
+            <a:r>
+              <a:rPr lang="en-US" sz="2400" b="0" strike="noStrike" spc="-1" dirty="0">
+                <a:latin typeface="Arial"/>
+              </a:rPr>
+              <a:t>I rapidly attempt to answer all emails except when giving presentations, so: </a:t>
+            </a:r>
+            <a:r>
+              <a:rPr lang="en-US" sz="2400" b="0" strike="noStrike" spc="-1" dirty="0">
+                <a:latin typeface="Arial"/>
+                <a:hlinkClick r:id="rId2"/>
+              </a:rPr>
+              <a:t>akrherz@iastate.edu</a:t>
+            </a:r>
+            <a:endParaRPr lang="en-US" sz="2400" b="0" strike="noStrike" spc="-1" dirty="0">
+              <a:latin typeface="Arial"/>
+            </a:endParaRPr>
+          </a:p>
+          <a:p>
+            <a:pPr marL="432000" indent="-323640">
+              <a:lnSpc>
+                <a:spcPct val="100000"/>
+              </a:lnSpc>
+              <a:spcAft>
+                <a:spcPts val="1057"/>
+              </a:spcAft>
+              <a:buClr>
+                <a:srgbClr val="2C3E50"/>
+              </a:buClr>
+              <a:buSzPct val="45000"/>
+              <a:buFont typeface="Wingdings" charset="2"/>
+              <a:buChar char=""/>
+            </a:pPr>
+            <a:r>
+              <a:rPr lang="en-US" sz="2400" spc="-1" dirty="0">
+                <a:latin typeface="Arial"/>
+              </a:rPr>
+              <a:t>The altruism and dry wit runs deep with me! This all is “fun”</a:t>
+            </a:r>
+            <a:endParaRPr lang="en-US" sz="2400" b="0" strike="noStrike" spc="-1" dirty="0">
+              <a:latin typeface="Arial"/>
+            </a:endParaRPr>
+          </a:p>
+        </p:txBody>
+      </p:sp>
+    </p:spTree>
+  </p:cSld>
+  <p:clrMapOvr>
+    <a:masterClrMapping/>
+  </p:clrMapOvr>
+</p:sld>
+</file>
+
+<file path=ppt/slides/slide3.xml><?xml version="1.0" encoding="utf-8"?>
+<p:sld xmlns:a="http://schemas.openxmlformats.org/drawingml/2006/main" xmlns:r="http://schemas.openxmlformats.org/officeDocument/2006/relationships" xmlns:p="http://schemas.openxmlformats.org/presentationml/2006/main">
+  <p:cSld>
+    <p:spTree>
+      <p:nvGrpSpPr>
+        <p:cNvPr id="1" name="">
+          <a:extLst>
+            <a:ext uri="{FF2B5EF4-FFF2-40B4-BE49-F238E27FC236}">
+              <a16:creationId xmlns:a16="http://schemas.microsoft.com/office/drawing/2014/main" id="{EAB8D4E6-2819-93E7-6E13-87DDE6B8DDFF}"/>
+            </a:ext>
+          </a:extLst>
+        </p:cNvPr>
+        <p:cNvGrpSpPr/>
+        <p:nvPr/>
+      </p:nvGrpSpPr>
+      <p:grpSpPr>
+        <a:xfrm>
+          <a:off x="0" y="0"/>
+          <a:ext cx="0" cy="0"/>
+          <a:chOff x="0" y="0"/>
+          <a:chExt cx="0" cy="0"/>
+        </a:xfrm>
+      </p:grpSpPr>
+      <p:sp>
+        <p:nvSpPr>
+          <p:cNvPr id="167" name="Rectangle 166">
+            <a:extLst>
+              <a:ext uri="{FF2B5EF4-FFF2-40B4-BE49-F238E27FC236}">
+                <a16:creationId xmlns:a16="http://schemas.microsoft.com/office/drawing/2014/main" id="{6BAC3E60-1BA9-0C84-3E10-33260DBB648A}"/>
+              </a:ext>
+            </a:extLst>
+          </p:cNvPr>
+          <p:cNvSpPr/>
+          <p:nvPr/>
+        </p:nvSpPr>
+        <p:spPr>
+          <a:xfrm>
+            <a:off x="360000" y="225720"/>
+            <a:ext cx="9359640" cy="719640"/>
+          </a:xfrm>
+          <a:prstGeom prst="rect">
+            <a:avLst/>
+          </a:prstGeom>
+          <a:noFill/>
+          <a:ln w="0">
+            <a:noFill/>
+          </a:ln>
+        </p:spPr>
+        <p:style>
+          <a:lnRef idx="0">
+            <a:scrgbClr r="0" g="0" b="0"/>
+          </a:lnRef>
+          <a:fillRef idx="0">
+            <a:scrgbClr r="0" g="0" b="0"/>
+          </a:fillRef>
+          <a:effectRef idx="0">
+            <a:scrgbClr r="0" g="0" b="0"/>
+          </a:effectRef>
+          <a:fontRef idx="minor"/>
+        </p:style>
+        <p:txBody>
+          <a:bodyPr lIns="0" tIns="0" rIns="0" bIns="0" anchor="ctr">
+            <a:noAutofit/>
+          </a:bodyPr>
+          <a:lstStyle/>
+          <a:p>
+            <a:pPr>
+              <a:lnSpc>
+                <a:spcPct val="100000"/>
+              </a:lnSpc>
+            </a:pPr>
+            <a:r>
+              <a:rPr lang="en-US" sz="2700" b="1" strike="noStrike" spc="-1" dirty="0">
+                <a:solidFill>
+                  <a:srgbClr val="FFFFFF"/>
+                </a:solidFill>
+                <a:latin typeface="Source Sans Pro Black"/>
+              </a:rPr>
+              <a:t>Naming things is hard.</a:t>
+            </a:r>
+            <a:endParaRPr lang="en-US" sz="2700" b="0" strike="noStrike" spc="-1" dirty="0">
+              <a:latin typeface="Arial"/>
+            </a:endParaRPr>
+          </a:p>
+        </p:txBody>
+      </p:sp>
+      <p:sp>
+        <p:nvSpPr>
+          <p:cNvPr id="168" name="Rectangle 167">
+            <a:extLst>
+              <a:ext uri="{FF2B5EF4-FFF2-40B4-BE49-F238E27FC236}">
+                <a16:creationId xmlns:a16="http://schemas.microsoft.com/office/drawing/2014/main" id="{746DBACC-8C2B-F474-A180-519B02758163}"/>
+              </a:ext>
+            </a:extLst>
+          </p:cNvPr>
           <p:cNvSpPr/>
           <p:nvPr/>
         </p:nvSpPr>
@@ -9045,259 +9280,11 @@
         </p:txBody>
       </p:sp>
     </p:spTree>
-  </p:cSld>
-  <p:clrMapOvr>
-    <a:masterClrMapping/>
-  </p:clrMapOvr>
-</p:sld>
-</file>
-
-<file path=ppt/slides/slide3.xml><?xml version="1.0" encoding="utf-8"?>
-<p:sld xmlns:a="http://schemas.openxmlformats.org/drawingml/2006/main" xmlns:r="http://schemas.openxmlformats.org/officeDocument/2006/relationships" xmlns:p="http://schemas.openxmlformats.org/presentationml/2006/main">
-  <p:cSld>
-    <p:spTree>
-      <p:nvGrpSpPr>
-        <p:cNvPr id="1" name=""/>
-        <p:cNvGrpSpPr/>
-        <p:nvPr/>
-      </p:nvGrpSpPr>
-      <p:grpSpPr>
-        <a:xfrm>
-          <a:off x="0" y="0"/>
-          <a:ext cx="0" cy="0"/>
-          <a:chOff x="0" y="0"/>
-          <a:chExt cx="0" cy="0"/>
-        </a:xfrm>
-      </p:grpSpPr>
-      <p:sp>
-        <p:nvSpPr>
-          <p:cNvPr id="169" name="Rectangle 168"/>
-          <p:cNvSpPr/>
-          <p:nvPr/>
-        </p:nvSpPr>
-        <p:spPr>
-          <a:xfrm>
-            <a:off x="360000" y="225720"/>
-            <a:ext cx="9359640" cy="718560"/>
-          </a:xfrm>
-          <a:prstGeom prst="rect">
-            <a:avLst/>
-          </a:prstGeom>
-          <a:noFill/>
-          <a:ln w="0">
-            <a:noFill/>
-          </a:ln>
-        </p:spPr>
-        <p:style>
-          <a:lnRef idx="0">
-            <a:scrgbClr r="0" g="0" b="0"/>
-          </a:lnRef>
-          <a:fillRef idx="0">
-            <a:scrgbClr r="0" g="0" b="0"/>
-          </a:fillRef>
-          <a:effectRef idx="0">
-            <a:scrgbClr r="0" g="0" b="0"/>
-          </a:effectRef>
-          <a:fontRef idx="minor"/>
-        </p:style>
-        <p:txBody>
-          <a:bodyPr lIns="0" tIns="0" rIns="0" bIns="0" anchor="ctr">
-            <a:noAutofit/>
-          </a:bodyPr>
-          <a:lstStyle/>
-          <a:p>
-            <a:pPr>
-              <a:lnSpc>
-                <a:spcPct val="100000"/>
-              </a:lnSpc>
-            </a:pPr>
-            <a:r>
-              <a:rPr lang="en-US" sz="2700" b="1" strike="noStrike" spc="-1" dirty="0">
-                <a:solidFill>
-                  <a:srgbClr val="FFFFFF"/>
-                </a:solidFill>
-                <a:latin typeface="Source Sans Pro Black"/>
-              </a:rPr>
-              <a:t>Subversive and Academic Altruistic Goals</a:t>
-            </a:r>
-            <a:br>
-              <a:rPr dirty="0"/>
-            </a:br>
-            <a:r>
-              <a:rPr lang="en-US" sz="2000" b="1" strike="noStrike" spc="-1" dirty="0">
-                <a:solidFill>
-                  <a:srgbClr val="FFFFFF"/>
-                </a:solidFill>
-                <a:latin typeface="Source Sans Pro Black"/>
-              </a:rPr>
-              <a:t>(</a:t>
-            </a:r>
-            <a:r>
-              <a:rPr lang="en-US" sz="2000" b="1" i="1" strike="noStrike" spc="-1" dirty="0">
-                <a:solidFill>
-                  <a:srgbClr val="FFFFFF"/>
-                </a:solidFill>
-                <a:latin typeface="Source Sans Pro Black"/>
-              </a:rPr>
-              <a:t>Summarizing past ~24 years of work)</a:t>
-            </a:r>
-            <a:endParaRPr lang="en-US" sz="2000" b="0" strike="noStrike" spc="-1" dirty="0">
-              <a:latin typeface="Arial"/>
-            </a:endParaRPr>
-          </a:p>
-        </p:txBody>
-      </p:sp>
-      <p:sp>
-        <p:nvSpPr>
-          <p:cNvPr id="170" name="Rectangle 169"/>
-          <p:cNvSpPr/>
-          <p:nvPr/>
-        </p:nvSpPr>
-        <p:spPr>
-          <a:xfrm>
-            <a:off x="360000" y="1485000"/>
-            <a:ext cx="9359640" cy="3779640"/>
-          </a:xfrm>
-          <a:prstGeom prst="rect">
-            <a:avLst/>
-          </a:prstGeom>
-          <a:noFill/>
-          <a:ln w="0">
-            <a:noFill/>
-          </a:ln>
-        </p:spPr>
-        <p:style>
-          <a:lnRef idx="0">
-            <a:scrgbClr r="0" g="0" b="0"/>
-          </a:lnRef>
-          <a:fillRef idx="0">
-            <a:scrgbClr r="0" g="0" b="0"/>
-          </a:fillRef>
-          <a:effectRef idx="0">
-            <a:scrgbClr r="0" g="0" b="0"/>
-          </a:effectRef>
-          <a:fontRef idx="minor"/>
-        </p:style>
-        <p:txBody>
-          <a:bodyPr lIns="0" tIns="0" rIns="0" bIns="0">
-            <a:normAutofit fontScale="99000"/>
-          </a:bodyPr>
-          <a:lstStyle/>
-          <a:p>
-            <a:pPr marL="432000" indent="-323640">
-              <a:lnSpc>
-                <a:spcPct val="100000"/>
-              </a:lnSpc>
-              <a:spcAft>
-                <a:spcPts val="1057"/>
-              </a:spcAft>
-              <a:buClr>
-                <a:srgbClr val="2C3E50"/>
-              </a:buClr>
-              <a:buSzPct val="45000"/>
-              <a:buFont typeface="Wingdings" charset="2"/>
-              <a:buChar char=""/>
-            </a:pPr>
-            <a:r>
-              <a:rPr lang="en-US" sz="2400" b="1" strike="noStrike" spc="-1" dirty="0">
-                <a:solidFill>
-                  <a:srgbClr val="2C3E50"/>
-                </a:solidFill>
-                <a:latin typeface="Source Sans Pro Semibold"/>
-              </a:rPr>
-              <a:t>Realized having just Iowa data was insufficient to support paying grant work on ISU research projects.</a:t>
-            </a:r>
-            <a:endParaRPr lang="en-US" sz="2400" b="0" strike="noStrike" spc="-1" dirty="0">
-              <a:latin typeface="Arial"/>
-            </a:endParaRPr>
-          </a:p>
-          <a:p>
-            <a:pPr marL="432000" indent="-323640">
-              <a:lnSpc>
-                <a:spcPct val="100000"/>
-              </a:lnSpc>
-              <a:spcAft>
-                <a:spcPts val="1057"/>
-              </a:spcAft>
-              <a:buClr>
-                <a:srgbClr val="2C3E50"/>
-              </a:buClr>
-              <a:buSzPct val="45000"/>
-              <a:buFont typeface="Wingdings" charset="2"/>
-              <a:buChar char=""/>
-            </a:pPr>
-            <a:r>
-              <a:rPr lang="en-US" sz="2400" b="1" strike="noStrike" spc="-1" dirty="0">
-                <a:solidFill>
-                  <a:srgbClr val="2C3E50"/>
-                </a:solidFill>
-                <a:latin typeface="Source Sans Pro Semibold"/>
-              </a:rPr>
-              <a:t>Realized NCDC/NCEI website/services was the worst on the Internets. (my website ranks #2 worst)</a:t>
-            </a:r>
-            <a:endParaRPr lang="en-US" sz="2400" b="0" strike="noStrike" spc="-1" dirty="0">
-              <a:latin typeface="Arial"/>
-            </a:endParaRPr>
-          </a:p>
-          <a:p>
-            <a:pPr marL="432000" indent="-323640">
-              <a:lnSpc>
-                <a:spcPct val="100000"/>
-              </a:lnSpc>
-              <a:spcAft>
-                <a:spcPts val="1057"/>
-              </a:spcAft>
-              <a:buClr>
-                <a:srgbClr val="2C3E50"/>
-              </a:buClr>
-              <a:buSzPct val="45000"/>
-              <a:buFont typeface="Wingdings" charset="2"/>
-              <a:buChar char=""/>
-            </a:pPr>
-            <a:r>
-              <a:rPr lang="en-US" sz="2400" b="1" strike="noStrike" spc="-1" dirty="0">
-                <a:solidFill>
-                  <a:srgbClr val="2C3E50"/>
-                </a:solidFill>
-                <a:latin typeface="Source Sans Pro Semibold"/>
-              </a:rPr>
-              <a:t>Realized the best way to stop the daily email deluge is to update my website with each email to prevent it from coming again from another person.</a:t>
-            </a:r>
-            <a:endParaRPr lang="en-US" sz="2400" b="0" strike="noStrike" spc="-1" dirty="0">
-              <a:latin typeface="Arial"/>
-            </a:endParaRPr>
-          </a:p>
-          <a:p>
-            <a:pPr marL="432000" indent="-323640">
-              <a:lnSpc>
-                <a:spcPct val="100000"/>
-              </a:lnSpc>
-              <a:spcAft>
-                <a:spcPts val="1057"/>
-              </a:spcAft>
-              <a:buClr>
-                <a:srgbClr val="2C3E50"/>
-              </a:buClr>
-              <a:buSzPct val="45000"/>
-              <a:buFont typeface="Wingdings" charset="2"/>
-              <a:buChar char=""/>
-            </a:pPr>
-            <a:r>
-              <a:rPr lang="en-US" sz="2400" b="1" strike="noStrike" spc="-1" dirty="0">
-                <a:solidFill>
-                  <a:srgbClr val="2C3E50"/>
-                </a:solidFill>
-                <a:latin typeface="Source Sans Pro Semibold"/>
-              </a:rPr>
-              <a:t>Realized most weather websites are great for real-time, but have no archive capabilities.</a:t>
-            </a:r>
-            <a:endParaRPr lang="en-US" sz="2400" b="0" strike="noStrike" spc="-1" dirty="0">
-              <a:latin typeface="Arial"/>
-            </a:endParaRPr>
-          </a:p>
-        </p:txBody>
-      </p:sp>
-    </p:spTree>
+    <p:extLst>
+      <p:ext uri="{BB962C8B-B14F-4D97-AF65-F5344CB8AC3E}">
+        <p14:creationId xmlns:p14="http://schemas.microsoft.com/office/powerpoint/2010/main" val="1778654528"/>
+      </p:ext>
+    </p:extLst>
   </p:cSld>
   <p:clrMapOvr>
     <a:masterClrMapping/>
@@ -9324,7 +9311,7 @@
       </p:grpSpPr>
       <p:sp>
         <p:nvSpPr>
-          <p:cNvPr id="171" name="Rectangle 170"/>
+          <p:cNvPr id="169" name="Rectangle 168"/>
           <p:cNvSpPr/>
           <p:nvPr/>
         </p:nvSpPr>
@@ -9365,23 +9352,44 @@
               </a:lnSpc>
             </a:pPr>
             <a:r>
-              <a:rPr lang="en-US" sz="2700" b="1" strike="noStrike" spc="-1">
+              <a:rPr lang="en-US" sz="2700" b="1" strike="noStrike" spc="-1" dirty="0">
                 <a:solidFill>
                   <a:srgbClr val="FFFFFF"/>
                 </a:solidFill>
                 <a:latin typeface="Source Sans Pro Black"/>
               </a:rPr>
-              <a:t>So the result of my realizations</a:t>
+              <a:t>Subversive and Academic Altruistic Goals</a:t>
             </a:r>
-            <a:endParaRPr lang="en-US" sz="2700" b="0" strike="noStrike" spc="-1">
-              <a:latin typeface="Arial"/>
-            </a:endParaRPr>
-          </a:p>
-        </p:txBody>
-      </p:sp>
-      <p:sp>
-        <p:nvSpPr>
-          <p:cNvPr id="172" name="Rectangle 171"/>
+            <a:br>
+              <a:rPr dirty="0"/>
+            </a:br>
+            <a:r>
+              <a:rPr lang="en-US" sz="2000" b="1" strike="noStrike" spc="-1" dirty="0">
+                <a:solidFill>
+                  <a:srgbClr val="FFFFFF"/>
+                </a:solidFill>
+                <a:latin typeface="Source Sans Pro Black"/>
+              </a:rPr>
+              <a:t>(</a:t>
+            </a:r>
+            <a:r>
+              <a:rPr lang="en-US" sz="2000" b="1" i="1" strike="noStrike" spc="-1" dirty="0">
+                <a:solidFill>
+                  <a:srgbClr val="FFFFFF"/>
+                </a:solidFill>
+                <a:latin typeface="Source Sans Pro Black"/>
+              </a:rPr>
+              <a:t>Summarizing past ~24 years of work)</a:t>
+            </a:r>
+            <a:endParaRPr lang="en-US" sz="2000" b="0" strike="noStrike" spc="-1" dirty="0">
+              <a:latin typeface="Arial"/>
+            </a:endParaRPr>
+          </a:p>
+        </p:txBody>
+      </p:sp>
+      <p:sp>
+        <p:nvSpPr>
+          <p:cNvPr id="170" name="Rectangle 169"/>
           <p:cNvSpPr/>
           <p:nvPr/>
         </p:nvSpPr>
@@ -9412,7 +9420,7 @@
         </p:style>
         <p:txBody>
           <a:bodyPr lIns="0" tIns="0" rIns="0" bIns="0">
-            <a:normAutofit fontScale="98500"/>
+            <a:normAutofit fontScale="99000"/>
           </a:bodyPr>
           <a:lstStyle/>
           <a:p>
@@ -9437,25 +9445,7 @@
                 </a:solidFill>
                 <a:latin typeface="Source Sans Pro Semibold"/>
               </a:rPr>
-              <a:t>A website with massive number of portals (~150), </a:t>
-            </a:r>
-            <a:r>
-              <a:rPr lang="en-US" sz="2400" b="1" strike="noStrike" spc="-1" dirty="0" err="1">
-                <a:solidFill>
-                  <a:srgbClr val="2C3E50"/>
-                </a:solidFill>
-                <a:latin typeface="Source Sans Pro Semibold"/>
-              </a:rPr>
-              <a:t>api</a:t>
-            </a:r>
-            <a:r>
-              <a:rPr lang="en-US" sz="2400" b="1" strike="noStrike" spc="-1" dirty="0">
-                <a:solidFill>
-                  <a:srgbClr val="2C3E50"/>
-                </a:solidFill>
-                <a:latin typeface="Source Sans Pro Semibold"/>
-              </a:rPr>
-              <a:t> services (~50), auto-plots (260), and spinning disk archives (~350 TB).</a:t>
+              <a:t>Realized having just Iowa data was insufficient to support paying grant work on ISU research projects.</a:t>
             </a:r>
             <a:endParaRPr lang="en-US" sz="2400" b="0" strike="noStrike" spc="-1" dirty="0">
               <a:latin typeface="Arial"/>
@@ -9483,7 +9473,7 @@
                 </a:solidFill>
                 <a:latin typeface="Source Sans Pro Semibold"/>
               </a:rPr>
-              <a:t>A website with intentionally stable URIs and predictable (maybe) interfaces to link against.</a:t>
+              <a:t>Realized NCDC/NCEI website/services was the worst on the Internets. (my website ranks #2 worst)</a:t>
             </a:r>
             <a:endParaRPr lang="en-US" sz="2400" b="0" strike="noStrike" spc="-1" dirty="0">
               <a:latin typeface="Arial"/>
@@ -9511,25 +9501,7 @@
                 </a:solidFill>
                 <a:latin typeface="Source Sans Pro Semibold"/>
               </a:rPr>
-              <a:t>A website with all code on github.com/</a:t>
-            </a:r>
-            <a:r>
-              <a:rPr lang="en-US" sz="2400" b="1" strike="noStrike" spc="-1" dirty="0" err="1">
-                <a:solidFill>
-                  <a:srgbClr val="2C3E50"/>
-                </a:solidFill>
-                <a:latin typeface="Source Sans Pro Semibold"/>
-              </a:rPr>
-              <a:t>akrherz</a:t>
-            </a:r>
-            <a:r>
-              <a:rPr lang="en-US" sz="2400" b="1" strike="noStrike" spc="-1" dirty="0">
-                <a:solidFill>
-                  <a:srgbClr val="2C3E50"/>
-                </a:solidFill>
-                <a:latin typeface="Source Sans Pro Semibold"/>
-              </a:rPr>
-              <a:t> with an open license.</a:t>
+              <a:t>Realized the best way to stop the daily email deluge is to update my website with each email to prevent it from coming again from another person.</a:t>
             </a:r>
             <a:endParaRPr lang="en-US" sz="2400" b="0" strike="noStrike" spc="-1" dirty="0">
               <a:latin typeface="Arial"/>
@@ -9557,7 +9529,7 @@
                 </a:solidFill>
                 <a:latin typeface="Source Sans Pro Semibold"/>
               </a:rPr>
-              <a:t>A website with about ~250k users per day, 99.9% of them have no idea they are using it (via third parties).</a:t>
+              <a:t>Realized most weather websites are great for real-time, but have no archive capabilities.</a:t>
             </a:r>
             <a:endParaRPr lang="en-US" sz="2400" b="0" strike="noStrike" spc="-1" dirty="0">
               <a:latin typeface="Arial"/>
@@ -9592,7 +9564,7 @@
       </p:grpSpPr>
       <p:sp>
         <p:nvSpPr>
-          <p:cNvPr id="173" name="Rectangle 172"/>
+          <p:cNvPr id="171" name="Rectangle 170"/>
           <p:cNvSpPr/>
           <p:nvPr/>
         </p:nvSpPr>
@@ -9633,42 +9605,30 @@
               </a:lnSpc>
             </a:pPr>
             <a:r>
-              <a:rPr lang="en-US" sz="2700" b="1" strike="noStrike" spc="-1" dirty="0">
+              <a:rPr lang="en-US" sz="2700" b="1" strike="noStrike" spc="-1">
                 <a:solidFill>
                   <a:srgbClr val="FFFFFF"/>
                 </a:solidFill>
                 <a:latin typeface="Source Sans Pro Black"/>
               </a:rPr>
-              <a:t>Some of the Datasets Curated</a:t>
+              <a:t>So the result of my realizations</a:t>
             </a:r>
-            <a:br>
-              <a:rPr dirty="0"/>
-            </a:br>
-            <a:r>
-              <a:rPr lang="en-US" sz="2700" b="1" strike="noStrike" spc="-1" dirty="0">
-                <a:solidFill>
-                  <a:srgbClr val="FFFFFF"/>
-                </a:solidFill>
-                <a:latin typeface="Source Sans Pro Black"/>
-              </a:rPr>
-              <a:t>(or how many abbreviations fit on one slide)</a:t>
-            </a:r>
-            <a:endParaRPr lang="en-US" sz="2700" b="0" strike="noStrike" spc="-1" dirty="0">
-              <a:latin typeface="Arial"/>
-            </a:endParaRPr>
-          </a:p>
-        </p:txBody>
-      </p:sp>
-      <p:sp>
-        <p:nvSpPr>
-          <p:cNvPr id="174" name="Rectangle 173"/>
+            <a:endParaRPr lang="en-US" sz="2700" b="0" strike="noStrike" spc="-1">
+              <a:latin typeface="Arial"/>
+            </a:endParaRPr>
+          </a:p>
+        </p:txBody>
+      </p:sp>
+      <p:sp>
+        <p:nvSpPr>
+          <p:cNvPr id="172" name="Rectangle 171"/>
           <p:cNvSpPr/>
           <p:nvPr/>
         </p:nvSpPr>
         <p:spPr>
           <a:xfrm>
             <a:off x="360000" y="1485000"/>
-            <a:ext cx="2929300" cy="3779640"/>
+            <a:ext cx="9359640" cy="3779640"/>
           </a:xfrm>
           <a:prstGeom prst="rect">
             <a:avLst/>
@@ -9692,7 +9652,7 @@
         </p:style>
         <p:txBody>
           <a:bodyPr lIns="0" tIns="0" rIns="0" bIns="0">
-            <a:normAutofit fontScale="66000" lnSpcReduction="20000"/>
+            <a:normAutofit fontScale="98500"/>
           </a:bodyPr>
           <a:lstStyle/>
           <a:p>
@@ -9717,7 +9677,25 @@
                 </a:solidFill>
                 <a:latin typeface="Source Sans Pro Semibold"/>
               </a:rPr>
-              <a:t>ASOS 1 Minute Data</a:t>
+              <a:t>A website with massive number of portals (~150), </a:t>
+            </a:r>
+            <a:r>
+              <a:rPr lang="en-US" sz="2400" b="1" strike="noStrike" spc="-1" dirty="0" err="1">
+                <a:solidFill>
+                  <a:srgbClr val="2C3E50"/>
+                </a:solidFill>
+                <a:latin typeface="Source Sans Pro Semibold"/>
+              </a:rPr>
+              <a:t>api</a:t>
+            </a:r>
+            <a:r>
+              <a:rPr lang="en-US" sz="2400" b="1" strike="noStrike" spc="-1" dirty="0">
+                <a:solidFill>
+                  <a:srgbClr val="2C3E50"/>
+                </a:solidFill>
+                <a:latin typeface="Source Sans Pro Semibold"/>
+              </a:rPr>
+              <a:t> services (~50), auto-plots (260), and spinning disk archives (~350 TB).</a:t>
             </a:r>
             <a:endParaRPr lang="en-US" sz="2400" b="0" strike="noStrike" spc="-1" dirty="0">
               <a:latin typeface="Arial"/>
@@ -9745,44 +9723,7 @@
                 </a:solidFill>
                 <a:latin typeface="Source Sans Pro Semibold"/>
               </a:rPr>
-              <a:t>AWC / CWSU products and web products</a:t>
-            </a:r>
-            <a:endParaRPr lang="en-US" sz="2400" b="0" strike="noStrike" spc="-1" dirty="0">
-              <a:latin typeface="Arial"/>
-            </a:endParaRPr>
-          </a:p>
-          <a:p>
-            <a:pPr marL="432000" indent="-323640">
-              <a:lnSpc>
-                <a:spcPct val="100000"/>
-              </a:lnSpc>
-              <a:spcAft>
-                <a:spcPts val="1057"/>
-              </a:spcAft>
-              <a:buClr>
-                <a:srgbClr val="2C3E50"/>
-              </a:buClr>
-              <a:buSzPct val="45000"/>
-              <a:buFont typeface="Wingdings" charset="2"/>
-              <a:buChar char=""/>
-            </a:pPr>
-            <a:r>
-              <a:rPr lang="en-US" sz="2400" b="1" strike="noStrike" spc="-1" dirty="0" err="1">
-                <a:solidFill>
-                  <a:srgbClr val="2C3E50"/>
-                </a:solidFill>
-                <a:latin typeface="Source Sans Pro Semibold"/>
-              </a:rPr>
-              <a:t>Bukfit</a:t>
-            </a:r>
-            <a:r>
-              <a:rPr lang="en-US" sz="2400" b="1" strike="noStrike" spc="-1" dirty="0">
-                <a:solidFill>
-                  <a:srgbClr val="2C3E50"/>
-                </a:solidFill>
-                <a:latin typeface="Source Sans Pro Semibold"/>
-              </a:rPr>
-              <a:t> Profiles</a:t>
+              <a:t>A website with intentionally stable URIs and predictable (maybe) interfaces to link against.</a:t>
             </a:r>
             <a:endParaRPr lang="en-US" sz="2400" b="0" strike="noStrike" spc="-1" dirty="0">
               <a:latin typeface="Arial"/>
@@ -9810,7 +9751,25 @@
                 </a:solidFill>
                 <a:latin typeface="Source Sans Pro Semibold"/>
               </a:rPr>
-              <a:t>CLI Data</a:t>
+              <a:t>A website with all code on github.com/</a:t>
+            </a:r>
+            <a:r>
+              <a:rPr lang="en-US" sz="2400" b="1" strike="noStrike" spc="-1" dirty="0" err="1">
+                <a:solidFill>
+                  <a:srgbClr val="2C3E50"/>
+                </a:solidFill>
+                <a:latin typeface="Source Sans Pro Semibold"/>
+              </a:rPr>
+              <a:t>akrherz</a:t>
+            </a:r>
+            <a:r>
+              <a:rPr lang="en-US" sz="2400" b="1" strike="noStrike" spc="-1" dirty="0">
+                <a:solidFill>
+                  <a:srgbClr val="2C3E50"/>
+                </a:solidFill>
+                <a:latin typeface="Source Sans Pro Semibold"/>
+              </a:rPr>
+              <a:t> with an open license.</a:t>
             </a:r>
             <a:endParaRPr lang="en-US" sz="2400" b="0" strike="noStrike" spc="-1" dirty="0">
               <a:latin typeface="Arial"/>
@@ -9838,825 +9797,8 @@
                 </a:solidFill>
                 <a:latin typeface="Source Sans Pro Semibold"/>
               </a:rPr>
-              <a:t>Global METAR</a:t>
+              <a:t>A website with about ~250k users per day, 99.9% of them have no idea they are using it (via third parties).</a:t>
             </a:r>
-            <a:endParaRPr lang="en-US" sz="2400" b="0" strike="noStrike" spc="-1" dirty="0">
-              <a:latin typeface="Arial"/>
-            </a:endParaRPr>
-          </a:p>
-          <a:p>
-            <a:pPr marL="432000" indent="-323640">
-              <a:lnSpc>
-                <a:spcPct val="100000"/>
-              </a:lnSpc>
-              <a:spcAft>
-                <a:spcPts val="1057"/>
-              </a:spcAft>
-              <a:buClr>
-                <a:srgbClr val="2C3E50"/>
-              </a:buClr>
-              <a:buSzPct val="45000"/>
-              <a:buFont typeface="Wingdings" charset="2"/>
-              <a:buChar char=""/>
-            </a:pPr>
-            <a:r>
-              <a:rPr lang="en-US" sz="2400" b="1" strike="noStrike" spc="-1" dirty="0">
-                <a:solidFill>
-                  <a:srgbClr val="2C3E50"/>
-                </a:solidFill>
-                <a:latin typeface="Source Sans Pro Semibold"/>
-              </a:rPr>
-              <a:t>HML (River Stage Forecasts)</a:t>
-            </a:r>
-            <a:endParaRPr lang="en-US" sz="2400" b="0" strike="noStrike" spc="-1" dirty="0">
-              <a:latin typeface="Arial"/>
-            </a:endParaRPr>
-          </a:p>
-          <a:p>
-            <a:pPr marL="432000" indent="-323640">
-              <a:lnSpc>
-                <a:spcPct val="100000"/>
-              </a:lnSpc>
-              <a:spcAft>
-                <a:spcPts val="1057"/>
-              </a:spcAft>
-              <a:buClr>
-                <a:srgbClr val="2C3E50"/>
-              </a:buClr>
-              <a:buSzPct val="45000"/>
-              <a:buFont typeface="Wingdings" charset="2"/>
-              <a:buChar char=""/>
-            </a:pPr>
-            <a:r>
-              <a:rPr lang="en-US" sz="2400" b="1" strike="noStrike" spc="-1" dirty="0">
-                <a:solidFill>
-                  <a:srgbClr val="2C3E50"/>
-                </a:solidFill>
-                <a:latin typeface="Source Sans Pro Semibold"/>
-              </a:rPr>
-              <a:t>Iowa+ Webcams</a:t>
-            </a:r>
-          </a:p>
-          <a:p>
-            <a:pPr marL="432000" indent="-323640">
-              <a:lnSpc>
-                <a:spcPct val="100000"/>
-              </a:lnSpc>
-              <a:spcAft>
-                <a:spcPts val="1057"/>
-              </a:spcAft>
-              <a:buClr>
-                <a:srgbClr val="2C3E50"/>
-              </a:buClr>
-              <a:buSzPct val="45000"/>
-              <a:buFont typeface="Wingdings" charset="2"/>
-              <a:buChar char=""/>
-            </a:pPr>
-            <a:r>
-              <a:rPr lang="en-US" sz="2400" b="0" strike="noStrike" spc="-1" dirty="0">
-                <a:latin typeface="Arial"/>
-              </a:rPr>
-              <a:t>Iowa Track-A-Plow</a:t>
-            </a:r>
-          </a:p>
-          <a:p>
-            <a:pPr marL="432000" indent="-323640">
-              <a:lnSpc>
-                <a:spcPct val="100000"/>
-              </a:lnSpc>
-              <a:spcAft>
-                <a:spcPts val="1057"/>
-              </a:spcAft>
-              <a:buClr>
-                <a:srgbClr val="2C3E50"/>
-              </a:buClr>
-              <a:buSzPct val="45000"/>
-              <a:buFont typeface="Wingdings" charset="2"/>
-              <a:buChar char=""/>
-            </a:pPr>
-            <a:r>
-              <a:rPr lang="en-US" sz="2400" b="1" strike="noStrike" spc="-1" dirty="0">
-                <a:solidFill>
-                  <a:srgbClr val="2C3E50"/>
-                </a:solidFill>
-                <a:latin typeface="Source Sans Pro Semibold"/>
-              </a:rPr>
-              <a:t>Local Storm Reports</a:t>
-            </a:r>
-            <a:endParaRPr lang="en-US" sz="2400" b="0" strike="noStrike" spc="-1" dirty="0">
-              <a:latin typeface="Arial"/>
-            </a:endParaRPr>
-          </a:p>
-          <a:p>
-            <a:pPr marL="432000" indent="-323640">
-              <a:lnSpc>
-                <a:spcPct val="100000"/>
-              </a:lnSpc>
-              <a:spcAft>
-                <a:spcPts val="1057"/>
-              </a:spcAft>
-              <a:buClr>
-                <a:srgbClr val="2C3E50"/>
-              </a:buClr>
-              <a:buSzPct val="45000"/>
-              <a:buFont typeface="Wingdings" charset="2"/>
-              <a:buChar char=""/>
-            </a:pPr>
-            <a:r>
-              <a:rPr lang="en-US" sz="2400" b="1" strike="noStrike" spc="-1" dirty="0">
-                <a:solidFill>
-                  <a:srgbClr val="2C3E50"/>
-                </a:solidFill>
-                <a:latin typeface="Source Sans Pro Semibold"/>
-              </a:rPr>
-              <a:t>MADIS / HFMETAR</a:t>
-            </a:r>
-            <a:endParaRPr lang="en-US" sz="2400" b="0" strike="noStrike" spc="-1" dirty="0">
-              <a:latin typeface="Arial"/>
-            </a:endParaRPr>
-          </a:p>
-        </p:txBody>
-      </p:sp>
-      <p:sp>
-        <p:nvSpPr>
-          <p:cNvPr id="175" name="Rectangle 174"/>
-          <p:cNvSpPr/>
-          <p:nvPr/>
-        </p:nvSpPr>
-        <p:spPr>
-          <a:xfrm>
-            <a:off x="3352800" y="1485000"/>
-            <a:ext cx="3314700" cy="3779640"/>
-          </a:xfrm>
-          <a:prstGeom prst="rect">
-            <a:avLst/>
-          </a:prstGeom>
-          <a:noFill/>
-          <a:ln w="0">
-            <a:noFill/>
-          </a:ln>
-        </p:spPr>
-        <p:style>
-          <a:lnRef idx="0">
-            <a:scrgbClr r="0" g="0" b="0"/>
-          </a:lnRef>
-          <a:fillRef idx="0">
-            <a:scrgbClr r="0" g="0" b="0"/>
-          </a:fillRef>
-          <a:effectRef idx="0">
-            <a:scrgbClr r="0" g="0" b="0"/>
-          </a:effectRef>
-          <a:fontRef idx="minor"/>
-        </p:style>
-        <p:txBody>
-          <a:bodyPr lIns="0" tIns="0" rIns="0" bIns="0">
-            <a:normAutofit fontScale="71500" lnSpcReduction="20000"/>
-          </a:bodyPr>
-          <a:lstStyle/>
-          <a:p>
-            <a:pPr marL="432000" indent="-323640">
-              <a:lnSpc>
-                <a:spcPct val="100000"/>
-              </a:lnSpc>
-              <a:spcAft>
-                <a:spcPts val="1057"/>
-              </a:spcAft>
-              <a:buClr>
-                <a:srgbClr val="2C3E50"/>
-              </a:buClr>
-              <a:buSzPct val="45000"/>
-              <a:buFont typeface="Wingdings" charset="2"/>
-              <a:buChar char=""/>
-            </a:pPr>
-            <a:r>
-              <a:rPr lang="en-US" sz="2400" b="1" strike="noStrike" spc="-1" dirty="0">
-                <a:solidFill>
-                  <a:srgbClr val="2C3E50"/>
-                </a:solidFill>
-                <a:latin typeface="Source Sans Pro Semibold"/>
-              </a:rPr>
-              <a:t>MRMS</a:t>
-            </a:r>
-            <a:endParaRPr lang="en-US" sz="2400" b="0" strike="noStrike" spc="-1" dirty="0">
-              <a:latin typeface="Arial"/>
-            </a:endParaRPr>
-          </a:p>
-          <a:p>
-            <a:pPr marL="432000" indent="-323640">
-              <a:lnSpc>
-                <a:spcPct val="100000"/>
-              </a:lnSpc>
-              <a:spcAft>
-                <a:spcPts val="1057"/>
-              </a:spcAft>
-              <a:buClr>
-                <a:srgbClr val="2C3E50"/>
-              </a:buClr>
-              <a:buSzPct val="45000"/>
-              <a:buFont typeface="Wingdings" charset="2"/>
-              <a:buChar char=""/>
-            </a:pPr>
-            <a:r>
-              <a:rPr lang="en-US" sz="2400" b="1" strike="noStrike" spc="-1" dirty="0">
-                <a:solidFill>
-                  <a:srgbClr val="2C3E50"/>
-                </a:solidFill>
-                <a:latin typeface="Source Sans Pro Semibold"/>
-              </a:rPr>
-              <a:t>NCEP F000 Models</a:t>
-            </a:r>
-            <a:endParaRPr lang="en-US" sz="2400" b="0" strike="noStrike" spc="-1" dirty="0">
-              <a:latin typeface="Arial"/>
-            </a:endParaRPr>
-          </a:p>
-          <a:p>
-            <a:pPr marL="432000" indent="-323640">
-              <a:lnSpc>
-                <a:spcPct val="100000"/>
-              </a:lnSpc>
-              <a:spcAft>
-                <a:spcPts val="1057"/>
-              </a:spcAft>
-              <a:buClr>
-                <a:srgbClr val="2C3E50"/>
-              </a:buClr>
-              <a:buSzPct val="45000"/>
-              <a:buFont typeface="Wingdings" charset="2"/>
-              <a:buChar char=""/>
-            </a:pPr>
-            <a:r>
-              <a:rPr lang="en-US" sz="2400" b="1" strike="noStrike" spc="-1" dirty="0">
-                <a:solidFill>
-                  <a:srgbClr val="2C3E50"/>
-                </a:solidFill>
-                <a:latin typeface="Source Sans Pro Semibold"/>
-              </a:rPr>
-              <a:t>NEXRAD Attributes</a:t>
-            </a:r>
-            <a:endParaRPr lang="en-US" sz="2400" b="0" strike="noStrike" spc="-1" dirty="0">
-              <a:latin typeface="Arial"/>
-            </a:endParaRPr>
-          </a:p>
-          <a:p>
-            <a:pPr marL="432000" indent="-323640">
-              <a:lnSpc>
-                <a:spcPct val="100000"/>
-              </a:lnSpc>
-              <a:spcAft>
-                <a:spcPts val="1057"/>
-              </a:spcAft>
-              <a:buClr>
-                <a:srgbClr val="2C3E50"/>
-              </a:buClr>
-              <a:buSzPct val="45000"/>
-              <a:buFont typeface="Wingdings" charset="2"/>
-              <a:buChar char=""/>
-            </a:pPr>
-            <a:r>
-              <a:rPr lang="en-US" sz="2400" b="1" strike="noStrike" spc="-1" dirty="0">
-                <a:solidFill>
-                  <a:srgbClr val="2C3E50"/>
-                </a:solidFill>
-                <a:latin typeface="Source Sans Pro Semibold"/>
-              </a:rPr>
-              <a:t>NEXRAD Level II Live Data</a:t>
-            </a:r>
-          </a:p>
-          <a:p>
-            <a:pPr marL="432000" indent="-323640">
-              <a:lnSpc>
-                <a:spcPct val="100000"/>
-              </a:lnSpc>
-              <a:spcAft>
-                <a:spcPts val="1057"/>
-              </a:spcAft>
-              <a:buClr>
-                <a:srgbClr val="2C3E50"/>
-              </a:buClr>
-              <a:buSzPct val="45000"/>
-              <a:buFont typeface="Wingdings" charset="2"/>
-              <a:buChar char=""/>
-            </a:pPr>
-            <a:r>
-              <a:rPr lang="en-US" sz="2400" b="1" strike="noStrike" spc="-1" dirty="0">
-                <a:solidFill>
-                  <a:srgbClr val="2C3E50"/>
-                </a:solidFill>
-                <a:latin typeface="Source Sans Pro Semibold"/>
-              </a:rPr>
-              <a:t>NRCS SCAN</a:t>
-            </a:r>
-            <a:endParaRPr lang="en-US" sz="2400" b="0" strike="noStrike" spc="-1" dirty="0">
-              <a:latin typeface="Arial"/>
-            </a:endParaRPr>
-          </a:p>
-          <a:p>
-            <a:pPr marL="432000" indent="-323640">
-              <a:lnSpc>
-                <a:spcPct val="100000"/>
-              </a:lnSpc>
-              <a:spcAft>
-                <a:spcPts val="1057"/>
-              </a:spcAft>
-              <a:buClr>
-                <a:srgbClr val="2C3E50"/>
-              </a:buClr>
-              <a:buSzPct val="45000"/>
-              <a:buFont typeface="Wingdings" charset="2"/>
-              <a:buChar char=""/>
-            </a:pPr>
-            <a:r>
-              <a:rPr lang="en-US" sz="2400" b="1" strike="noStrike" spc="-1" dirty="0">
-                <a:solidFill>
-                  <a:srgbClr val="2C3E50"/>
-                </a:solidFill>
-                <a:latin typeface="Source Sans Pro Semibold"/>
-              </a:rPr>
-              <a:t>NWS Text Archive</a:t>
-            </a:r>
-            <a:endParaRPr lang="en-US" sz="2400" b="0" strike="noStrike" spc="-1" dirty="0">
-              <a:latin typeface="Arial"/>
-            </a:endParaRPr>
-          </a:p>
-          <a:p>
-            <a:pPr marL="432000" indent="-323640">
-              <a:lnSpc>
-                <a:spcPct val="100000"/>
-              </a:lnSpc>
-              <a:spcAft>
-                <a:spcPts val="1057"/>
-              </a:spcAft>
-              <a:buClr>
-                <a:srgbClr val="2C3E50"/>
-              </a:buClr>
-              <a:buSzPct val="45000"/>
-              <a:buFont typeface="Wingdings" charset="2"/>
-              <a:buChar char=""/>
-            </a:pPr>
-            <a:r>
-              <a:rPr lang="en-US" sz="2400" b="1" strike="noStrike" spc="-1" dirty="0">
-                <a:solidFill>
-                  <a:srgbClr val="2C3E50"/>
-                </a:solidFill>
-                <a:latin typeface="Source Sans Pro Semibold"/>
-              </a:rPr>
-              <a:t>NWS </a:t>
-            </a:r>
-            <a:r>
-              <a:rPr lang="en-US" sz="2400" b="1" strike="noStrike" spc="-1" dirty="0" err="1">
-                <a:solidFill>
-                  <a:srgbClr val="2C3E50"/>
-                </a:solidFill>
-                <a:latin typeface="Source Sans Pro Semibold"/>
-              </a:rPr>
-              <a:t>WaWA</a:t>
-            </a:r>
-            <a:r>
-              <a:rPr lang="en-US" sz="2400" b="1" strike="noStrike" spc="-1" dirty="0">
-                <a:solidFill>
-                  <a:srgbClr val="2C3E50"/>
-                </a:solidFill>
-                <a:latin typeface="Source Sans Pro Semibold"/>
-              </a:rPr>
-              <a:t> Map</a:t>
-            </a:r>
-            <a:endParaRPr lang="en-US" sz="2400" b="0" strike="noStrike" spc="-1" dirty="0">
-              <a:latin typeface="Arial"/>
-            </a:endParaRPr>
-          </a:p>
-          <a:p>
-            <a:pPr marL="432000" indent="-323640">
-              <a:lnSpc>
-                <a:spcPct val="100000"/>
-              </a:lnSpc>
-              <a:spcAft>
-                <a:spcPts val="1057"/>
-              </a:spcAft>
-              <a:buClr>
-                <a:srgbClr val="2C3E50"/>
-              </a:buClr>
-              <a:buSzPct val="45000"/>
-              <a:buFont typeface="Wingdings" charset="2"/>
-              <a:buChar char=""/>
-            </a:pPr>
-            <a:r>
-              <a:rPr lang="en-US" sz="2400" b="1" strike="noStrike" spc="-1" dirty="0">
-                <a:solidFill>
-                  <a:srgbClr val="2C3E50"/>
-                </a:solidFill>
-                <a:latin typeface="Source Sans Pro Semibold"/>
-              </a:rPr>
-              <a:t>PIREPs</a:t>
-            </a:r>
-            <a:endParaRPr lang="en-US" sz="2400" b="0" strike="noStrike" spc="-1" dirty="0">
-              <a:latin typeface="Arial"/>
-            </a:endParaRPr>
-          </a:p>
-          <a:p>
-            <a:pPr marL="432000" indent="-323640">
-              <a:lnSpc>
-                <a:spcPct val="100000"/>
-              </a:lnSpc>
-              <a:spcAft>
-                <a:spcPts val="1057"/>
-              </a:spcAft>
-              <a:buClr>
-                <a:srgbClr val="2C3E50"/>
-              </a:buClr>
-              <a:buSzPct val="45000"/>
-              <a:buFont typeface="Wingdings" charset="2"/>
-              <a:buChar char=""/>
-            </a:pPr>
-            <a:r>
-              <a:rPr lang="en-US" sz="2400" b="1" strike="noStrike" spc="-1" dirty="0">
-                <a:solidFill>
-                  <a:srgbClr val="2C3E50"/>
-                </a:solidFill>
-                <a:latin typeface="Source Sans Pro Semibold"/>
-              </a:rPr>
-              <a:t>Public RWIS Networks</a:t>
-            </a:r>
-            <a:endParaRPr lang="en-US" sz="2400" b="0" strike="noStrike" spc="-1" dirty="0">
-              <a:latin typeface="Arial"/>
-            </a:endParaRPr>
-          </a:p>
-          <a:p>
-            <a:pPr marL="432000" indent="-323640">
-              <a:lnSpc>
-                <a:spcPct val="100000"/>
-              </a:lnSpc>
-              <a:spcAft>
-                <a:spcPts val="1057"/>
-              </a:spcAft>
-              <a:buClr>
-                <a:srgbClr val="2C3E50"/>
-              </a:buClr>
-              <a:buSzPct val="45000"/>
-              <a:buFont typeface="Wingdings" charset="2"/>
-              <a:buChar char=""/>
-            </a:pPr>
-            <a:r>
-              <a:rPr lang="en-US" sz="2400" b="1" strike="noStrike" spc="-1" dirty="0">
-                <a:solidFill>
-                  <a:srgbClr val="2C3E50"/>
-                </a:solidFill>
-                <a:latin typeface="Source Sans Pro Semibold"/>
-              </a:rPr>
-              <a:t>RADAR Products (Single/Mosaic)</a:t>
-            </a:r>
-            <a:endParaRPr lang="en-US" sz="2400" b="0" strike="noStrike" spc="-1" dirty="0">
-              <a:latin typeface="Arial"/>
-            </a:endParaRPr>
-          </a:p>
-          <a:p>
-            <a:pPr>
-              <a:lnSpc>
-                <a:spcPct val="100000"/>
-              </a:lnSpc>
-              <a:spcAft>
-                <a:spcPts val="1057"/>
-              </a:spcAft>
-            </a:pPr>
-            <a:endParaRPr lang="en-US" sz="2400" b="0" strike="noStrike" spc="-1" dirty="0">
-              <a:latin typeface="Arial"/>
-            </a:endParaRPr>
-          </a:p>
-        </p:txBody>
-      </p:sp>
-      <p:sp>
-        <p:nvSpPr>
-          <p:cNvPr id="2" name="Rectangle 1">
-            <a:extLst>
-              <a:ext uri="{FF2B5EF4-FFF2-40B4-BE49-F238E27FC236}">
-                <a16:creationId xmlns:a16="http://schemas.microsoft.com/office/drawing/2014/main" id="{0A5A1FC8-E032-47CE-9EF3-7150096F9BC4}"/>
-              </a:ext>
-            </a:extLst>
-          </p:cNvPr>
-          <p:cNvSpPr/>
-          <p:nvPr/>
-        </p:nvSpPr>
-        <p:spPr>
-          <a:xfrm>
-            <a:off x="6218600" y="1485000"/>
-            <a:ext cx="3314700" cy="3779640"/>
-          </a:xfrm>
-          <a:prstGeom prst="rect">
-            <a:avLst/>
-          </a:prstGeom>
-          <a:noFill/>
-          <a:ln w="0">
-            <a:noFill/>
-          </a:ln>
-        </p:spPr>
-        <p:style>
-          <a:lnRef idx="0">
-            <a:scrgbClr r="0" g="0" b="0"/>
-          </a:lnRef>
-          <a:fillRef idx="0">
-            <a:scrgbClr r="0" g="0" b="0"/>
-          </a:fillRef>
-          <a:effectRef idx="0">
-            <a:scrgbClr r="0" g="0" b="0"/>
-          </a:effectRef>
-          <a:fontRef idx="minor"/>
-        </p:style>
-        <p:txBody>
-          <a:bodyPr lIns="0" tIns="0" rIns="0" bIns="0">
-            <a:normAutofit fontScale="71500" lnSpcReduction="20000"/>
-          </a:bodyPr>
-          <a:lstStyle/>
-          <a:p>
-            <a:pPr marL="432000" indent="-323640">
-              <a:lnSpc>
-                <a:spcPct val="100000"/>
-              </a:lnSpc>
-              <a:spcAft>
-                <a:spcPts val="1057"/>
-              </a:spcAft>
-              <a:buClr>
-                <a:srgbClr val="2C3E50"/>
-              </a:buClr>
-              <a:buSzPct val="45000"/>
-              <a:buFont typeface="Wingdings" charset="2"/>
-              <a:buChar char=""/>
-            </a:pPr>
-            <a:r>
-              <a:rPr lang="en-US" sz="2400" b="1" strike="noStrike" spc="-1" dirty="0">
-                <a:solidFill>
-                  <a:srgbClr val="2C3E50"/>
-                </a:solidFill>
-                <a:latin typeface="Source Sans Pro Semibold"/>
-              </a:rPr>
-              <a:t>RTMA</a:t>
-            </a:r>
-          </a:p>
-          <a:p>
-            <a:pPr marL="432000" indent="-323640">
-              <a:lnSpc>
-                <a:spcPct val="100000"/>
-              </a:lnSpc>
-              <a:spcAft>
-                <a:spcPts val="1057"/>
-              </a:spcAft>
-              <a:buClr>
-                <a:srgbClr val="2C3E50"/>
-              </a:buClr>
-              <a:buSzPct val="45000"/>
-              <a:buFont typeface="Wingdings" charset="2"/>
-              <a:buChar char=""/>
-            </a:pPr>
-            <a:r>
-              <a:rPr lang="en-US" sz="2400" b="0" strike="noStrike" spc="-1" dirty="0">
-                <a:latin typeface="Arial"/>
-              </a:rPr>
-              <a:t>RWIS</a:t>
-            </a:r>
-          </a:p>
-          <a:p>
-            <a:pPr marL="432000" indent="-323640">
-              <a:lnSpc>
-                <a:spcPct val="100000"/>
-              </a:lnSpc>
-              <a:spcAft>
-                <a:spcPts val="1057"/>
-              </a:spcAft>
-              <a:buClr>
-                <a:srgbClr val="2C3E50"/>
-              </a:buClr>
-              <a:buSzPct val="45000"/>
-              <a:buFont typeface="Wingdings" charset="2"/>
-              <a:buChar char=""/>
-            </a:pPr>
-            <a:r>
-              <a:rPr lang="en-US" sz="2400" b="1" strike="noStrike" spc="-1" dirty="0">
-                <a:solidFill>
-                  <a:srgbClr val="2C3E50"/>
-                </a:solidFill>
-                <a:latin typeface="Source Sans Pro Semibold"/>
-              </a:rPr>
-              <a:t>SHEF HADS/DCP/COOP</a:t>
-            </a:r>
-            <a:endParaRPr lang="en-US" sz="2400" b="0" strike="noStrike" spc="-1" dirty="0">
-              <a:latin typeface="Arial"/>
-            </a:endParaRPr>
-          </a:p>
-          <a:p>
-            <a:pPr marL="432000" indent="-323640">
-              <a:lnSpc>
-                <a:spcPct val="100000"/>
-              </a:lnSpc>
-              <a:spcAft>
-                <a:spcPts val="1057"/>
-              </a:spcAft>
-              <a:buClr>
-                <a:srgbClr val="2C3E50"/>
-              </a:buClr>
-              <a:buSzPct val="45000"/>
-              <a:buFont typeface="Wingdings" charset="2"/>
-              <a:buChar char=""/>
-            </a:pPr>
-            <a:r>
-              <a:rPr lang="en-US" sz="2400" b="1" strike="noStrike" spc="-1" dirty="0">
-                <a:solidFill>
-                  <a:srgbClr val="2C3E50"/>
-                </a:solidFill>
-                <a:latin typeface="Source Sans Pro Semibold"/>
-              </a:rPr>
-              <a:t>SIGMETs</a:t>
-            </a:r>
-            <a:endParaRPr lang="en-US" sz="2400" b="0" strike="noStrike" spc="-1" dirty="0">
-              <a:latin typeface="Arial"/>
-            </a:endParaRPr>
-          </a:p>
-          <a:p>
-            <a:pPr marL="432000" indent="-323640">
-              <a:lnSpc>
-                <a:spcPct val="100000"/>
-              </a:lnSpc>
-              <a:spcAft>
-                <a:spcPts val="1057"/>
-              </a:spcAft>
-              <a:buClr>
-                <a:srgbClr val="2C3E50"/>
-              </a:buClr>
-              <a:buSzPct val="45000"/>
-              <a:buFont typeface="Wingdings" charset="2"/>
-              <a:buChar char=""/>
-            </a:pPr>
-            <a:r>
-              <a:rPr lang="en-US" sz="2400" b="1" strike="noStrike" spc="-1" dirty="0">
-                <a:solidFill>
-                  <a:srgbClr val="2C3E50"/>
-                </a:solidFill>
-                <a:latin typeface="Source Sans Pro Semibold"/>
-              </a:rPr>
-              <a:t>SPC MCD/Watches/Outlooks</a:t>
-            </a:r>
-            <a:endParaRPr lang="en-US" sz="2400" b="0" strike="noStrike" spc="-1" dirty="0">
-              <a:latin typeface="Arial"/>
-            </a:endParaRPr>
-          </a:p>
-          <a:p>
-            <a:pPr marL="432000" indent="-323640">
-              <a:lnSpc>
-                <a:spcPct val="100000"/>
-              </a:lnSpc>
-              <a:spcAft>
-                <a:spcPts val="1057"/>
-              </a:spcAft>
-              <a:buClr>
-                <a:srgbClr val="2C3E50"/>
-              </a:buClr>
-              <a:buSzPct val="45000"/>
-              <a:buFont typeface="Wingdings" charset="2"/>
-              <a:buChar char=""/>
-            </a:pPr>
-            <a:r>
-              <a:rPr lang="en-US" sz="2400" b="1" strike="noStrike" spc="-1" dirty="0">
-                <a:solidFill>
-                  <a:srgbClr val="2C3E50"/>
-                </a:solidFill>
-                <a:latin typeface="Source Sans Pro Semibold"/>
-              </a:rPr>
-              <a:t>SMOS Satellite</a:t>
-            </a:r>
-            <a:endParaRPr lang="en-US" sz="2400" b="0" strike="noStrike" spc="-1" dirty="0">
-              <a:latin typeface="Arial"/>
-            </a:endParaRPr>
-          </a:p>
-          <a:p>
-            <a:pPr marL="432000" indent="-323640">
-              <a:lnSpc>
-                <a:spcPct val="100000"/>
-              </a:lnSpc>
-              <a:spcAft>
-                <a:spcPts val="1057"/>
-              </a:spcAft>
-              <a:buClr>
-                <a:srgbClr val="2C3E50"/>
-              </a:buClr>
-              <a:buSzPct val="45000"/>
-              <a:buFont typeface="Wingdings" charset="2"/>
-              <a:buChar char=""/>
-            </a:pPr>
-            <a:r>
-              <a:rPr lang="en-US" sz="2400" b="1" strike="noStrike" spc="-1" dirty="0">
-                <a:solidFill>
-                  <a:srgbClr val="2C3E50"/>
-                </a:solidFill>
-                <a:latin typeface="Source Sans Pro Semibold"/>
-              </a:rPr>
-              <a:t>Soundings</a:t>
-            </a:r>
-            <a:endParaRPr lang="en-US" sz="2400" b="0" strike="noStrike" spc="-1" dirty="0">
-              <a:latin typeface="Arial"/>
-            </a:endParaRPr>
-          </a:p>
-          <a:p>
-            <a:pPr marL="432000" indent="-323640">
-              <a:lnSpc>
-                <a:spcPct val="100000"/>
-              </a:lnSpc>
-              <a:spcAft>
-                <a:spcPts val="1057"/>
-              </a:spcAft>
-              <a:buClr>
-                <a:srgbClr val="2C3E50"/>
-              </a:buClr>
-              <a:buSzPct val="45000"/>
-              <a:buFont typeface="Wingdings" charset="2"/>
-              <a:buChar char=""/>
-            </a:pPr>
-            <a:r>
-              <a:rPr lang="en-US" sz="2400" b="1" strike="noStrike" spc="-1" dirty="0">
-                <a:solidFill>
-                  <a:srgbClr val="2C3E50"/>
-                </a:solidFill>
-                <a:latin typeface="Source Sans Pro Semibold"/>
-              </a:rPr>
-              <a:t>Text MOS</a:t>
-            </a:r>
-            <a:endParaRPr lang="en-US" sz="2400" b="0" strike="noStrike" spc="-1" dirty="0">
-              <a:latin typeface="Arial"/>
-            </a:endParaRPr>
-          </a:p>
-          <a:p>
-            <a:pPr marL="432000" indent="-323640">
-              <a:lnSpc>
-                <a:spcPct val="100000"/>
-              </a:lnSpc>
-              <a:spcAft>
-                <a:spcPts val="1057"/>
-              </a:spcAft>
-              <a:buClr>
-                <a:srgbClr val="2C3E50"/>
-              </a:buClr>
-              <a:buSzPct val="45000"/>
-              <a:buFont typeface="Wingdings" charset="2"/>
-              <a:buChar char=""/>
-            </a:pPr>
-            <a:r>
-              <a:rPr lang="en-US" sz="2400" b="1" strike="noStrike" spc="-1" dirty="0">
-                <a:solidFill>
-                  <a:srgbClr val="2C3E50"/>
-                </a:solidFill>
-                <a:latin typeface="Source Sans Pro Semibold"/>
-              </a:rPr>
-              <a:t>VTEC </a:t>
-            </a:r>
-            <a:r>
-              <a:rPr lang="en-US" sz="2400" b="1" strike="noStrike" spc="-1" dirty="0" err="1">
-                <a:solidFill>
-                  <a:srgbClr val="2C3E50"/>
-                </a:solidFill>
-                <a:latin typeface="Source Sans Pro Semibold"/>
-              </a:rPr>
-              <a:t>WaWA</a:t>
-            </a:r>
-            <a:endParaRPr lang="en-US" sz="2400" b="1" strike="noStrike" spc="-1" dirty="0">
-              <a:solidFill>
-                <a:srgbClr val="2C3E50"/>
-              </a:solidFill>
-              <a:latin typeface="Source Sans Pro Semibold"/>
-            </a:endParaRPr>
-          </a:p>
-          <a:p>
-            <a:pPr marL="432000" indent="-323640">
-              <a:lnSpc>
-                <a:spcPct val="100000"/>
-              </a:lnSpc>
-              <a:spcAft>
-                <a:spcPts val="1057"/>
-              </a:spcAft>
-              <a:buClr>
-                <a:srgbClr val="2C3E50"/>
-              </a:buClr>
-              <a:buSzPct val="45000"/>
-              <a:buFont typeface="Wingdings" charset="2"/>
-              <a:buChar char=""/>
-            </a:pPr>
-            <a:r>
-              <a:rPr lang="en-US" sz="2400" b="1" spc="-1" dirty="0">
-                <a:solidFill>
-                  <a:srgbClr val="2C3E50"/>
-                </a:solidFill>
-                <a:latin typeface="Source Sans Pro Semibold"/>
-              </a:rPr>
-              <a:t>Winter Road Conditions (Iowa)</a:t>
-            </a:r>
-            <a:endParaRPr lang="en-US" sz="2400" b="0" strike="noStrike" spc="-1" dirty="0">
-              <a:latin typeface="Arial"/>
-            </a:endParaRPr>
-          </a:p>
-          <a:p>
-            <a:pPr>
-              <a:lnSpc>
-                <a:spcPct val="100000"/>
-              </a:lnSpc>
-              <a:spcAft>
-                <a:spcPts val="1057"/>
-              </a:spcAft>
-            </a:pPr>
             <a:endParaRPr lang="en-US" sz="2400" b="0" strike="noStrike" spc="-1" dirty="0">
               <a:latin typeface="Arial"/>
             </a:endParaRPr>
@@ -10690,7 +9832,7 @@
       </p:grpSpPr>
       <p:sp>
         <p:nvSpPr>
-          <p:cNvPr id="176" name="Rectangle 175"/>
+          <p:cNvPr id="173" name="Rectangle 172"/>
           <p:cNvSpPr/>
           <p:nvPr/>
         </p:nvSpPr>
@@ -10731,30 +9873,42 @@
               </a:lnSpc>
             </a:pPr>
             <a:r>
-              <a:rPr lang="en-US" sz="2700" b="1" strike="noStrike" spc="-1">
+              <a:rPr lang="en-US" sz="2700" b="1" strike="noStrike" spc="-1" dirty="0">
                 <a:solidFill>
                   <a:srgbClr val="FFFFFF"/>
                 </a:solidFill>
                 <a:latin typeface="Source Sans Pro Black"/>
               </a:rPr>
-              <a:t>The moral of today’s talk:</a:t>
+              <a:t>Some of the Datasets Curated</a:t>
             </a:r>
-            <a:endParaRPr lang="en-US" sz="2700" b="0" strike="noStrike" spc="-1">
-              <a:latin typeface="Arial"/>
-            </a:endParaRPr>
-          </a:p>
-        </p:txBody>
-      </p:sp>
-      <p:sp>
-        <p:nvSpPr>
-          <p:cNvPr id="177" name="Rectangle 176"/>
+            <a:br>
+              <a:rPr dirty="0"/>
+            </a:br>
+            <a:r>
+              <a:rPr lang="en-US" sz="2700" b="1" strike="noStrike" spc="-1" dirty="0">
+                <a:solidFill>
+                  <a:srgbClr val="FFFFFF"/>
+                </a:solidFill>
+                <a:latin typeface="Source Sans Pro Black"/>
+              </a:rPr>
+              <a:t>(or how many abbreviations fit on one slide)</a:t>
+            </a:r>
+            <a:endParaRPr lang="en-US" sz="2700" b="0" strike="noStrike" spc="-1" dirty="0">
+              <a:latin typeface="Arial"/>
+            </a:endParaRPr>
+          </a:p>
+        </p:txBody>
+      </p:sp>
+      <p:sp>
+        <p:nvSpPr>
+          <p:cNvPr id="174" name="Rectangle 173"/>
           <p:cNvSpPr/>
           <p:nvPr/>
         </p:nvSpPr>
         <p:spPr>
           <a:xfrm>
             <a:off x="360000" y="1485000"/>
-            <a:ext cx="9359640" cy="3779640"/>
+            <a:ext cx="2929300" cy="3779640"/>
           </a:xfrm>
           <a:prstGeom prst="rect">
             <a:avLst/>
@@ -10778,7 +9932,7 @@
         </p:style>
         <p:txBody>
           <a:bodyPr lIns="0" tIns="0" rIns="0" bIns="0">
-            <a:normAutofit fontScale="99500"/>
+            <a:normAutofit fontScale="66000" lnSpcReduction="20000"/>
           </a:bodyPr>
           <a:lstStyle/>
           <a:p>
@@ -10803,8 +9957,11 @@
                 </a:solidFill>
                 <a:latin typeface="Source Sans Pro Semibold"/>
               </a:rPr>
-              <a:t>My website is neither official nor provides certified data, but is hopefully helpful as a screening tool with high fidelity archives. </a:t>
+              <a:t>ASOS 1 Minute Data</a:t>
             </a:r>
+            <a:endParaRPr lang="en-US" sz="2400" b="0" strike="noStrike" spc="-1" dirty="0">
+              <a:latin typeface="Arial"/>
+            </a:endParaRPr>
           </a:p>
           <a:p>
             <a:pPr marL="432000" indent="-323640">
@@ -10828,6 +9985,1089 @@
                 </a:solidFill>
                 <a:latin typeface="Source Sans Pro Semibold"/>
               </a:rPr>
+              <a:t>AWC / CWSU products and web products</a:t>
+            </a:r>
+            <a:endParaRPr lang="en-US" sz="2400" b="0" strike="noStrike" spc="-1" dirty="0">
+              <a:latin typeface="Arial"/>
+            </a:endParaRPr>
+          </a:p>
+          <a:p>
+            <a:pPr marL="432000" indent="-323640">
+              <a:lnSpc>
+                <a:spcPct val="100000"/>
+              </a:lnSpc>
+              <a:spcAft>
+                <a:spcPts val="1057"/>
+              </a:spcAft>
+              <a:buClr>
+                <a:srgbClr val="2C3E50"/>
+              </a:buClr>
+              <a:buSzPct val="45000"/>
+              <a:buFont typeface="Wingdings" charset="2"/>
+              <a:buChar char=""/>
+            </a:pPr>
+            <a:r>
+              <a:rPr lang="en-US" sz="2400" b="1" strike="noStrike" spc="-1" dirty="0" err="1">
+                <a:solidFill>
+                  <a:srgbClr val="2C3E50"/>
+                </a:solidFill>
+                <a:latin typeface="Source Sans Pro Semibold"/>
+              </a:rPr>
+              <a:t>Bukfit</a:t>
+            </a:r>
+            <a:r>
+              <a:rPr lang="en-US" sz="2400" b="1" strike="noStrike" spc="-1" dirty="0">
+                <a:solidFill>
+                  <a:srgbClr val="2C3E50"/>
+                </a:solidFill>
+                <a:latin typeface="Source Sans Pro Semibold"/>
+              </a:rPr>
+              <a:t> Profiles</a:t>
+            </a:r>
+            <a:endParaRPr lang="en-US" sz="2400" b="0" strike="noStrike" spc="-1" dirty="0">
+              <a:latin typeface="Arial"/>
+            </a:endParaRPr>
+          </a:p>
+          <a:p>
+            <a:pPr marL="432000" indent="-323640">
+              <a:lnSpc>
+                <a:spcPct val="100000"/>
+              </a:lnSpc>
+              <a:spcAft>
+                <a:spcPts val="1057"/>
+              </a:spcAft>
+              <a:buClr>
+                <a:srgbClr val="2C3E50"/>
+              </a:buClr>
+              <a:buSzPct val="45000"/>
+              <a:buFont typeface="Wingdings" charset="2"/>
+              <a:buChar char=""/>
+            </a:pPr>
+            <a:r>
+              <a:rPr lang="en-US" sz="2400" b="1" strike="noStrike" spc="-1" dirty="0">
+                <a:solidFill>
+                  <a:srgbClr val="2C3E50"/>
+                </a:solidFill>
+                <a:latin typeface="Source Sans Pro Semibold"/>
+              </a:rPr>
+              <a:t>CLI Data</a:t>
+            </a:r>
+            <a:endParaRPr lang="en-US" sz="2400" b="0" strike="noStrike" spc="-1" dirty="0">
+              <a:latin typeface="Arial"/>
+            </a:endParaRPr>
+          </a:p>
+          <a:p>
+            <a:pPr marL="432000" indent="-323640">
+              <a:lnSpc>
+                <a:spcPct val="100000"/>
+              </a:lnSpc>
+              <a:spcAft>
+                <a:spcPts val="1057"/>
+              </a:spcAft>
+              <a:buClr>
+                <a:srgbClr val="2C3E50"/>
+              </a:buClr>
+              <a:buSzPct val="45000"/>
+              <a:buFont typeface="Wingdings" charset="2"/>
+              <a:buChar char=""/>
+            </a:pPr>
+            <a:r>
+              <a:rPr lang="en-US" sz="2400" b="1" strike="noStrike" spc="-1" dirty="0">
+                <a:solidFill>
+                  <a:srgbClr val="2C3E50"/>
+                </a:solidFill>
+                <a:latin typeface="Source Sans Pro Semibold"/>
+              </a:rPr>
+              <a:t>Global METAR</a:t>
+            </a:r>
+            <a:endParaRPr lang="en-US" sz="2400" b="0" strike="noStrike" spc="-1" dirty="0">
+              <a:latin typeface="Arial"/>
+            </a:endParaRPr>
+          </a:p>
+          <a:p>
+            <a:pPr marL="432000" indent="-323640">
+              <a:lnSpc>
+                <a:spcPct val="100000"/>
+              </a:lnSpc>
+              <a:spcAft>
+                <a:spcPts val="1057"/>
+              </a:spcAft>
+              <a:buClr>
+                <a:srgbClr val="2C3E50"/>
+              </a:buClr>
+              <a:buSzPct val="45000"/>
+              <a:buFont typeface="Wingdings" charset="2"/>
+              <a:buChar char=""/>
+            </a:pPr>
+            <a:r>
+              <a:rPr lang="en-US" sz="2400" b="1" strike="noStrike" spc="-1" dirty="0">
+                <a:solidFill>
+                  <a:srgbClr val="2C3E50"/>
+                </a:solidFill>
+                <a:latin typeface="Source Sans Pro Semibold"/>
+              </a:rPr>
+              <a:t>HML (River Stage Forecasts)</a:t>
+            </a:r>
+            <a:endParaRPr lang="en-US" sz="2400" b="0" strike="noStrike" spc="-1" dirty="0">
+              <a:latin typeface="Arial"/>
+            </a:endParaRPr>
+          </a:p>
+          <a:p>
+            <a:pPr marL="432000" indent="-323640">
+              <a:lnSpc>
+                <a:spcPct val="100000"/>
+              </a:lnSpc>
+              <a:spcAft>
+                <a:spcPts val="1057"/>
+              </a:spcAft>
+              <a:buClr>
+                <a:srgbClr val="2C3E50"/>
+              </a:buClr>
+              <a:buSzPct val="45000"/>
+              <a:buFont typeface="Wingdings" charset="2"/>
+              <a:buChar char=""/>
+            </a:pPr>
+            <a:r>
+              <a:rPr lang="en-US" sz="2400" b="1" strike="noStrike" spc="-1" dirty="0">
+                <a:solidFill>
+                  <a:srgbClr val="2C3E50"/>
+                </a:solidFill>
+                <a:latin typeface="Source Sans Pro Semibold"/>
+              </a:rPr>
+              <a:t>Iowa+ Webcams</a:t>
+            </a:r>
+          </a:p>
+          <a:p>
+            <a:pPr marL="432000" indent="-323640">
+              <a:lnSpc>
+                <a:spcPct val="100000"/>
+              </a:lnSpc>
+              <a:spcAft>
+                <a:spcPts val="1057"/>
+              </a:spcAft>
+              <a:buClr>
+                <a:srgbClr val="2C3E50"/>
+              </a:buClr>
+              <a:buSzPct val="45000"/>
+              <a:buFont typeface="Wingdings" charset="2"/>
+              <a:buChar char=""/>
+            </a:pPr>
+            <a:r>
+              <a:rPr lang="en-US" sz="2400" b="0" strike="noStrike" spc="-1" dirty="0">
+                <a:latin typeface="Arial"/>
+              </a:rPr>
+              <a:t>Iowa Track-A-Plow</a:t>
+            </a:r>
+          </a:p>
+          <a:p>
+            <a:pPr marL="432000" indent="-323640">
+              <a:lnSpc>
+                <a:spcPct val="100000"/>
+              </a:lnSpc>
+              <a:spcAft>
+                <a:spcPts val="1057"/>
+              </a:spcAft>
+              <a:buClr>
+                <a:srgbClr val="2C3E50"/>
+              </a:buClr>
+              <a:buSzPct val="45000"/>
+              <a:buFont typeface="Wingdings" charset="2"/>
+              <a:buChar char=""/>
+            </a:pPr>
+            <a:r>
+              <a:rPr lang="en-US" sz="2400" b="1" strike="noStrike" spc="-1" dirty="0">
+                <a:solidFill>
+                  <a:srgbClr val="2C3E50"/>
+                </a:solidFill>
+                <a:latin typeface="Source Sans Pro Semibold"/>
+              </a:rPr>
+              <a:t>Local Storm Reports</a:t>
+            </a:r>
+            <a:endParaRPr lang="en-US" sz="2400" b="0" strike="noStrike" spc="-1" dirty="0">
+              <a:latin typeface="Arial"/>
+            </a:endParaRPr>
+          </a:p>
+          <a:p>
+            <a:pPr marL="432000" indent="-323640">
+              <a:lnSpc>
+                <a:spcPct val="100000"/>
+              </a:lnSpc>
+              <a:spcAft>
+                <a:spcPts val="1057"/>
+              </a:spcAft>
+              <a:buClr>
+                <a:srgbClr val="2C3E50"/>
+              </a:buClr>
+              <a:buSzPct val="45000"/>
+              <a:buFont typeface="Wingdings" charset="2"/>
+              <a:buChar char=""/>
+            </a:pPr>
+            <a:r>
+              <a:rPr lang="en-US" sz="2400" b="1" strike="noStrike" spc="-1" dirty="0">
+                <a:solidFill>
+                  <a:srgbClr val="2C3E50"/>
+                </a:solidFill>
+                <a:latin typeface="Source Sans Pro Semibold"/>
+              </a:rPr>
+              <a:t>MADIS / HFMETAR</a:t>
+            </a:r>
+            <a:endParaRPr lang="en-US" sz="2400" b="0" strike="noStrike" spc="-1" dirty="0">
+              <a:latin typeface="Arial"/>
+            </a:endParaRPr>
+          </a:p>
+        </p:txBody>
+      </p:sp>
+      <p:sp>
+        <p:nvSpPr>
+          <p:cNvPr id="175" name="Rectangle 174"/>
+          <p:cNvSpPr/>
+          <p:nvPr/>
+        </p:nvSpPr>
+        <p:spPr>
+          <a:xfrm>
+            <a:off x="3352800" y="1485000"/>
+            <a:ext cx="3314700" cy="3779640"/>
+          </a:xfrm>
+          <a:prstGeom prst="rect">
+            <a:avLst/>
+          </a:prstGeom>
+          <a:noFill/>
+          <a:ln w="0">
+            <a:noFill/>
+          </a:ln>
+        </p:spPr>
+        <p:style>
+          <a:lnRef idx="0">
+            <a:scrgbClr r="0" g="0" b="0"/>
+          </a:lnRef>
+          <a:fillRef idx="0">
+            <a:scrgbClr r="0" g="0" b="0"/>
+          </a:fillRef>
+          <a:effectRef idx="0">
+            <a:scrgbClr r="0" g="0" b="0"/>
+          </a:effectRef>
+          <a:fontRef idx="minor"/>
+        </p:style>
+        <p:txBody>
+          <a:bodyPr lIns="0" tIns="0" rIns="0" bIns="0">
+            <a:normAutofit fontScale="71500" lnSpcReduction="20000"/>
+          </a:bodyPr>
+          <a:lstStyle/>
+          <a:p>
+            <a:pPr marL="432000" indent="-323640">
+              <a:lnSpc>
+                <a:spcPct val="100000"/>
+              </a:lnSpc>
+              <a:spcAft>
+                <a:spcPts val="1057"/>
+              </a:spcAft>
+              <a:buClr>
+                <a:srgbClr val="2C3E50"/>
+              </a:buClr>
+              <a:buSzPct val="45000"/>
+              <a:buFont typeface="Wingdings" charset="2"/>
+              <a:buChar char=""/>
+            </a:pPr>
+            <a:r>
+              <a:rPr lang="en-US" sz="2400" b="1" strike="noStrike" spc="-1" dirty="0">
+                <a:solidFill>
+                  <a:srgbClr val="2C3E50"/>
+                </a:solidFill>
+                <a:latin typeface="Source Sans Pro Semibold"/>
+              </a:rPr>
+              <a:t>MRMS</a:t>
+            </a:r>
+            <a:endParaRPr lang="en-US" sz="2400" b="0" strike="noStrike" spc="-1" dirty="0">
+              <a:latin typeface="Arial"/>
+            </a:endParaRPr>
+          </a:p>
+          <a:p>
+            <a:pPr marL="432000" indent="-323640">
+              <a:lnSpc>
+                <a:spcPct val="100000"/>
+              </a:lnSpc>
+              <a:spcAft>
+                <a:spcPts val="1057"/>
+              </a:spcAft>
+              <a:buClr>
+                <a:srgbClr val="2C3E50"/>
+              </a:buClr>
+              <a:buSzPct val="45000"/>
+              <a:buFont typeface="Wingdings" charset="2"/>
+              <a:buChar char=""/>
+            </a:pPr>
+            <a:r>
+              <a:rPr lang="en-US" sz="2400" b="1" strike="noStrike" spc="-1" dirty="0">
+                <a:solidFill>
+                  <a:srgbClr val="2C3E50"/>
+                </a:solidFill>
+                <a:latin typeface="Source Sans Pro Semibold"/>
+              </a:rPr>
+              <a:t>NCEP F000 Models</a:t>
+            </a:r>
+            <a:endParaRPr lang="en-US" sz="2400" b="0" strike="noStrike" spc="-1" dirty="0">
+              <a:latin typeface="Arial"/>
+            </a:endParaRPr>
+          </a:p>
+          <a:p>
+            <a:pPr marL="432000" indent="-323640">
+              <a:lnSpc>
+                <a:spcPct val="100000"/>
+              </a:lnSpc>
+              <a:spcAft>
+                <a:spcPts val="1057"/>
+              </a:spcAft>
+              <a:buClr>
+                <a:srgbClr val="2C3E50"/>
+              </a:buClr>
+              <a:buSzPct val="45000"/>
+              <a:buFont typeface="Wingdings" charset="2"/>
+              <a:buChar char=""/>
+            </a:pPr>
+            <a:r>
+              <a:rPr lang="en-US" sz="2400" b="1" strike="noStrike" spc="-1" dirty="0">
+                <a:solidFill>
+                  <a:srgbClr val="2C3E50"/>
+                </a:solidFill>
+                <a:latin typeface="Source Sans Pro Semibold"/>
+              </a:rPr>
+              <a:t>NEXRAD Attributes</a:t>
+            </a:r>
+            <a:endParaRPr lang="en-US" sz="2400" b="0" strike="noStrike" spc="-1" dirty="0">
+              <a:latin typeface="Arial"/>
+            </a:endParaRPr>
+          </a:p>
+          <a:p>
+            <a:pPr marL="432000" indent="-323640">
+              <a:lnSpc>
+                <a:spcPct val="100000"/>
+              </a:lnSpc>
+              <a:spcAft>
+                <a:spcPts val="1057"/>
+              </a:spcAft>
+              <a:buClr>
+                <a:srgbClr val="2C3E50"/>
+              </a:buClr>
+              <a:buSzPct val="45000"/>
+              <a:buFont typeface="Wingdings" charset="2"/>
+              <a:buChar char=""/>
+            </a:pPr>
+            <a:r>
+              <a:rPr lang="en-US" sz="2400" b="1" strike="noStrike" spc="-1" dirty="0">
+                <a:solidFill>
+                  <a:srgbClr val="2C3E50"/>
+                </a:solidFill>
+                <a:latin typeface="Source Sans Pro Semibold"/>
+              </a:rPr>
+              <a:t>NEXRAD Level II Live Data</a:t>
+            </a:r>
+          </a:p>
+          <a:p>
+            <a:pPr marL="432000" indent="-323640">
+              <a:lnSpc>
+                <a:spcPct val="100000"/>
+              </a:lnSpc>
+              <a:spcAft>
+                <a:spcPts val="1057"/>
+              </a:spcAft>
+              <a:buClr>
+                <a:srgbClr val="2C3E50"/>
+              </a:buClr>
+              <a:buSzPct val="45000"/>
+              <a:buFont typeface="Wingdings" charset="2"/>
+              <a:buChar char=""/>
+            </a:pPr>
+            <a:r>
+              <a:rPr lang="en-US" sz="2400" b="1" strike="noStrike" spc="-1" dirty="0">
+                <a:solidFill>
+                  <a:srgbClr val="2C3E50"/>
+                </a:solidFill>
+                <a:latin typeface="Source Sans Pro Semibold"/>
+              </a:rPr>
+              <a:t>NRCS SCAN</a:t>
+            </a:r>
+            <a:endParaRPr lang="en-US" sz="2400" b="0" strike="noStrike" spc="-1" dirty="0">
+              <a:latin typeface="Arial"/>
+            </a:endParaRPr>
+          </a:p>
+          <a:p>
+            <a:pPr marL="432000" indent="-323640">
+              <a:lnSpc>
+                <a:spcPct val="100000"/>
+              </a:lnSpc>
+              <a:spcAft>
+                <a:spcPts val="1057"/>
+              </a:spcAft>
+              <a:buClr>
+                <a:srgbClr val="2C3E50"/>
+              </a:buClr>
+              <a:buSzPct val="45000"/>
+              <a:buFont typeface="Wingdings" charset="2"/>
+              <a:buChar char=""/>
+            </a:pPr>
+            <a:r>
+              <a:rPr lang="en-US" sz="2400" b="1" strike="noStrike" spc="-1" dirty="0">
+                <a:solidFill>
+                  <a:srgbClr val="2C3E50"/>
+                </a:solidFill>
+                <a:latin typeface="Source Sans Pro Semibold"/>
+              </a:rPr>
+              <a:t>NWS Text Archive</a:t>
+            </a:r>
+            <a:endParaRPr lang="en-US" sz="2400" b="0" strike="noStrike" spc="-1" dirty="0">
+              <a:latin typeface="Arial"/>
+            </a:endParaRPr>
+          </a:p>
+          <a:p>
+            <a:pPr marL="432000" indent="-323640">
+              <a:lnSpc>
+                <a:spcPct val="100000"/>
+              </a:lnSpc>
+              <a:spcAft>
+                <a:spcPts val="1057"/>
+              </a:spcAft>
+              <a:buClr>
+                <a:srgbClr val="2C3E50"/>
+              </a:buClr>
+              <a:buSzPct val="45000"/>
+              <a:buFont typeface="Wingdings" charset="2"/>
+              <a:buChar char=""/>
+            </a:pPr>
+            <a:r>
+              <a:rPr lang="en-US" sz="2400" b="1" strike="noStrike" spc="-1" dirty="0">
+                <a:solidFill>
+                  <a:srgbClr val="2C3E50"/>
+                </a:solidFill>
+                <a:latin typeface="Source Sans Pro Semibold"/>
+              </a:rPr>
+              <a:t>NWS </a:t>
+            </a:r>
+            <a:r>
+              <a:rPr lang="en-US" sz="2400" b="1" strike="noStrike" spc="-1" dirty="0" err="1">
+                <a:solidFill>
+                  <a:srgbClr val="2C3E50"/>
+                </a:solidFill>
+                <a:latin typeface="Source Sans Pro Semibold"/>
+              </a:rPr>
+              <a:t>WaWA</a:t>
+            </a:r>
+            <a:r>
+              <a:rPr lang="en-US" sz="2400" b="1" strike="noStrike" spc="-1" dirty="0">
+                <a:solidFill>
+                  <a:srgbClr val="2C3E50"/>
+                </a:solidFill>
+                <a:latin typeface="Source Sans Pro Semibold"/>
+              </a:rPr>
+              <a:t> Map</a:t>
+            </a:r>
+            <a:endParaRPr lang="en-US" sz="2400" b="0" strike="noStrike" spc="-1" dirty="0">
+              <a:latin typeface="Arial"/>
+            </a:endParaRPr>
+          </a:p>
+          <a:p>
+            <a:pPr marL="432000" indent="-323640">
+              <a:lnSpc>
+                <a:spcPct val="100000"/>
+              </a:lnSpc>
+              <a:spcAft>
+                <a:spcPts val="1057"/>
+              </a:spcAft>
+              <a:buClr>
+                <a:srgbClr val="2C3E50"/>
+              </a:buClr>
+              <a:buSzPct val="45000"/>
+              <a:buFont typeface="Wingdings" charset="2"/>
+              <a:buChar char=""/>
+            </a:pPr>
+            <a:r>
+              <a:rPr lang="en-US" sz="2400" b="1" strike="noStrike" spc="-1" dirty="0">
+                <a:solidFill>
+                  <a:srgbClr val="2C3E50"/>
+                </a:solidFill>
+                <a:latin typeface="Source Sans Pro Semibold"/>
+              </a:rPr>
+              <a:t>PIREPs</a:t>
+            </a:r>
+            <a:endParaRPr lang="en-US" sz="2400" b="0" strike="noStrike" spc="-1" dirty="0">
+              <a:latin typeface="Arial"/>
+            </a:endParaRPr>
+          </a:p>
+          <a:p>
+            <a:pPr marL="432000" indent="-323640">
+              <a:lnSpc>
+                <a:spcPct val="100000"/>
+              </a:lnSpc>
+              <a:spcAft>
+                <a:spcPts val="1057"/>
+              </a:spcAft>
+              <a:buClr>
+                <a:srgbClr val="2C3E50"/>
+              </a:buClr>
+              <a:buSzPct val="45000"/>
+              <a:buFont typeface="Wingdings" charset="2"/>
+              <a:buChar char=""/>
+            </a:pPr>
+            <a:r>
+              <a:rPr lang="en-US" sz="2400" b="1" strike="noStrike" spc="-1" dirty="0">
+                <a:solidFill>
+                  <a:srgbClr val="2C3E50"/>
+                </a:solidFill>
+                <a:latin typeface="Source Sans Pro Semibold"/>
+              </a:rPr>
+              <a:t>Public RWIS Networks</a:t>
+            </a:r>
+            <a:endParaRPr lang="en-US" sz="2400" b="0" strike="noStrike" spc="-1" dirty="0">
+              <a:latin typeface="Arial"/>
+            </a:endParaRPr>
+          </a:p>
+          <a:p>
+            <a:pPr marL="432000" indent="-323640">
+              <a:lnSpc>
+                <a:spcPct val="100000"/>
+              </a:lnSpc>
+              <a:spcAft>
+                <a:spcPts val="1057"/>
+              </a:spcAft>
+              <a:buClr>
+                <a:srgbClr val="2C3E50"/>
+              </a:buClr>
+              <a:buSzPct val="45000"/>
+              <a:buFont typeface="Wingdings" charset="2"/>
+              <a:buChar char=""/>
+            </a:pPr>
+            <a:r>
+              <a:rPr lang="en-US" sz="2400" b="1" strike="noStrike" spc="-1" dirty="0">
+                <a:solidFill>
+                  <a:srgbClr val="2C3E50"/>
+                </a:solidFill>
+                <a:latin typeface="Source Sans Pro Semibold"/>
+              </a:rPr>
+              <a:t>RADAR Products (Single/Mosaic)</a:t>
+            </a:r>
+            <a:endParaRPr lang="en-US" sz="2400" b="0" strike="noStrike" spc="-1" dirty="0">
+              <a:latin typeface="Arial"/>
+            </a:endParaRPr>
+          </a:p>
+          <a:p>
+            <a:pPr>
+              <a:lnSpc>
+                <a:spcPct val="100000"/>
+              </a:lnSpc>
+              <a:spcAft>
+                <a:spcPts val="1057"/>
+              </a:spcAft>
+            </a:pPr>
+            <a:endParaRPr lang="en-US" sz="2400" b="0" strike="noStrike" spc="-1" dirty="0">
+              <a:latin typeface="Arial"/>
+            </a:endParaRPr>
+          </a:p>
+        </p:txBody>
+      </p:sp>
+      <p:sp>
+        <p:nvSpPr>
+          <p:cNvPr id="2" name="Rectangle 1">
+            <a:extLst>
+              <a:ext uri="{FF2B5EF4-FFF2-40B4-BE49-F238E27FC236}">
+                <a16:creationId xmlns:a16="http://schemas.microsoft.com/office/drawing/2014/main" id="{0A5A1FC8-E032-47CE-9EF3-7150096F9BC4}"/>
+              </a:ext>
+            </a:extLst>
+          </p:cNvPr>
+          <p:cNvSpPr/>
+          <p:nvPr/>
+        </p:nvSpPr>
+        <p:spPr>
+          <a:xfrm>
+            <a:off x="6218600" y="1485000"/>
+            <a:ext cx="3314700" cy="3779640"/>
+          </a:xfrm>
+          <a:prstGeom prst="rect">
+            <a:avLst/>
+          </a:prstGeom>
+          <a:noFill/>
+          <a:ln w="0">
+            <a:noFill/>
+          </a:ln>
+        </p:spPr>
+        <p:style>
+          <a:lnRef idx="0">
+            <a:scrgbClr r="0" g="0" b="0"/>
+          </a:lnRef>
+          <a:fillRef idx="0">
+            <a:scrgbClr r="0" g="0" b="0"/>
+          </a:fillRef>
+          <a:effectRef idx="0">
+            <a:scrgbClr r="0" g="0" b="0"/>
+          </a:effectRef>
+          <a:fontRef idx="minor"/>
+        </p:style>
+        <p:txBody>
+          <a:bodyPr lIns="0" tIns="0" rIns="0" bIns="0">
+            <a:normAutofit fontScale="71500" lnSpcReduction="20000"/>
+          </a:bodyPr>
+          <a:lstStyle/>
+          <a:p>
+            <a:pPr marL="432000" indent="-323640">
+              <a:lnSpc>
+                <a:spcPct val="100000"/>
+              </a:lnSpc>
+              <a:spcAft>
+                <a:spcPts val="1057"/>
+              </a:spcAft>
+              <a:buClr>
+                <a:srgbClr val="2C3E50"/>
+              </a:buClr>
+              <a:buSzPct val="45000"/>
+              <a:buFont typeface="Wingdings" charset="2"/>
+              <a:buChar char=""/>
+            </a:pPr>
+            <a:r>
+              <a:rPr lang="en-US" sz="2400" b="1" strike="noStrike" spc="-1" dirty="0">
+                <a:solidFill>
+                  <a:srgbClr val="2C3E50"/>
+                </a:solidFill>
+                <a:latin typeface="Source Sans Pro Semibold"/>
+              </a:rPr>
+              <a:t>RTMA</a:t>
+            </a:r>
+          </a:p>
+          <a:p>
+            <a:pPr marL="432000" indent="-323640">
+              <a:lnSpc>
+                <a:spcPct val="100000"/>
+              </a:lnSpc>
+              <a:spcAft>
+                <a:spcPts val="1057"/>
+              </a:spcAft>
+              <a:buClr>
+                <a:srgbClr val="2C3E50"/>
+              </a:buClr>
+              <a:buSzPct val="45000"/>
+              <a:buFont typeface="Wingdings" charset="2"/>
+              <a:buChar char=""/>
+            </a:pPr>
+            <a:r>
+              <a:rPr lang="en-US" sz="2400" b="0" strike="noStrike" spc="-1" dirty="0">
+                <a:latin typeface="Arial"/>
+              </a:rPr>
+              <a:t>RWIS</a:t>
+            </a:r>
+          </a:p>
+          <a:p>
+            <a:pPr marL="432000" indent="-323640">
+              <a:lnSpc>
+                <a:spcPct val="100000"/>
+              </a:lnSpc>
+              <a:spcAft>
+                <a:spcPts val="1057"/>
+              </a:spcAft>
+              <a:buClr>
+                <a:srgbClr val="2C3E50"/>
+              </a:buClr>
+              <a:buSzPct val="45000"/>
+              <a:buFont typeface="Wingdings" charset="2"/>
+              <a:buChar char=""/>
+            </a:pPr>
+            <a:r>
+              <a:rPr lang="en-US" sz="2400" b="1" strike="noStrike" spc="-1" dirty="0">
+                <a:solidFill>
+                  <a:srgbClr val="2C3E50"/>
+                </a:solidFill>
+                <a:latin typeface="Source Sans Pro Semibold"/>
+              </a:rPr>
+              <a:t>SHEF HADS/DCP/COOP</a:t>
+            </a:r>
+            <a:endParaRPr lang="en-US" sz="2400" b="0" strike="noStrike" spc="-1" dirty="0">
+              <a:latin typeface="Arial"/>
+            </a:endParaRPr>
+          </a:p>
+          <a:p>
+            <a:pPr marL="432000" indent="-323640">
+              <a:lnSpc>
+                <a:spcPct val="100000"/>
+              </a:lnSpc>
+              <a:spcAft>
+                <a:spcPts val="1057"/>
+              </a:spcAft>
+              <a:buClr>
+                <a:srgbClr val="2C3E50"/>
+              </a:buClr>
+              <a:buSzPct val="45000"/>
+              <a:buFont typeface="Wingdings" charset="2"/>
+              <a:buChar char=""/>
+            </a:pPr>
+            <a:r>
+              <a:rPr lang="en-US" sz="2400" b="1" strike="noStrike" spc="-1" dirty="0">
+                <a:solidFill>
+                  <a:srgbClr val="2C3E50"/>
+                </a:solidFill>
+                <a:latin typeface="Source Sans Pro Semibold"/>
+              </a:rPr>
+              <a:t>SIGMETs</a:t>
+            </a:r>
+            <a:endParaRPr lang="en-US" sz="2400" b="0" strike="noStrike" spc="-1" dirty="0">
+              <a:latin typeface="Arial"/>
+            </a:endParaRPr>
+          </a:p>
+          <a:p>
+            <a:pPr marL="432000" indent="-323640">
+              <a:lnSpc>
+                <a:spcPct val="100000"/>
+              </a:lnSpc>
+              <a:spcAft>
+                <a:spcPts val="1057"/>
+              </a:spcAft>
+              <a:buClr>
+                <a:srgbClr val="2C3E50"/>
+              </a:buClr>
+              <a:buSzPct val="45000"/>
+              <a:buFont typeface="Wingdings" charset="2"/>
+              <a:buChar char=""/>
+            </a:pPr>
+            <a:r>
+              <a:rPr lang="en-US" sz="2400" b="1" strike="noStrike" spc="-1" dirty="0">
+                <a:solidFill>
+                  <a:srgbClr val="2C3E50"/>
+                </a:solidFill>
+                <a:latin typeface="Source Sans Pro Semibold"/>
+              </a:rPr>
+              <a:t>SPC MCD/Watches/Outlooks</a:t>
+            </a:r>
+            <a:endParaRPr lang="en-US" sz="2400" b="0" strike="noStrike" spc="-1" dirty="0">
+              <a:latin typeface="Arial"/>
+            </a:endParaRPr>
+          </a:p>
+          <a:p>
+            <a:pPr marL="432000" indent="-323640">
+              <a:lnSpc>
+                <a:spcPct val="100000"/>
+              </a:lnSpc>
+              <a:spcAft>
+                <a:spcPts val="1057"/>
+              </a:spcAft>
+              <a:buClr>
+                <a:srgbClr val="2C3E50"/>
+              </a:buClr>
+              <a:buSzPct val="45000"/>
+              <a:buFont typeface="Wingdings" charset="2"/>
+              <a:buChar char=""/>
+            </a:pPr>
+            <a:r>
+              <a:rPr lang="en-US" sz="2400" b="1" strike="noStrike" spc="-1" dirty="0">
+                <a:solidFill>
+                  <a:srgbClr val="2C3E50"/>
+                </a:solidFill>
+                <a:latin typeface="Source Sans Pro Semibold"/>
+              </a:rPr>
+              <a:t>SMOS Satellite</a:t>
+            </a:r>
+            <a:endParaRPr lang="en-US" sz="2400" b="0" strike="noStrike" spc="-1" dirty="0">
+              <a:latin typeface="Arial"/>
+            </a:endParaRPr>
+          </a:p>
+          <a:p>
+            <a:pPr marL="432000" indent="-323640">
+              <a:lnSpc>
+                <a:spcPct val="100000"/>
+              </a:lnSpc>
+              <a:spcAft>
+                <a:spcPts val="1057"/>
+              </a:spcAft>
+              <a:buClr>
+                <a:srgbClr val="2C3E50"/>
+              </a:buClr>
+              <a:buSzPct val="45000"/>
+              <a:buFont typeface="Wingdings" charset="2"/>
+              <a:buChar char=""/>
+            </a:pPr>
+            <a:r>
+              <a:rPr lang="en-US" sz="2400" b="1" strike="noStrike" spc="-1" dirty="0">
+                <a:solidFill>
+                  <a:srgbClr val="2C3E50"/>
+                </a:solidFill>
+                <a:latin typeface="Source Sans Pro Semibold"/>
+              </a:rPr>
+              <a:t>Soundings</a:t>
+            </a:r>
+            <a:endParaRPr lang="en-US" sz="2400" b="0" strike="noStrike" spc="-1" dirty="0">
+              <a:latin typeface="Arial"/>
+            </a:endParaRPr>
+          </a:p>
+          <a:p>
+            <a:pPr marL="432000" indent="-323640">
+              <a:lnSpc>
+                <a:spcPct val="100000"/>
+              </a:lnSpc>
+              <a:spcAft>
+                <a:spcPts val="1057"/>
+              </a:spcAft>
+              <a:buClr>
+                <a:srgbClr val="2C3E50"/>
+              </a:buClr>
+              <a:buSzPct val="45000"/>
+              <a:buFont typeface="Wingdings" charset="2"/>
+              <a:buChar char=""/>
+            </a:pPr>
+            <a:r>
+              <a:rPr lang="en-US" sz="2400" b="1" strike="noStrike" spc="-1" dirty="0">
+                <a:solidFill>
+                  <a:srgbClr val="2C3E50"/>
+                </a:solidFill>
+                <a:latin typeface="Source Sans Pro Semibold"/>
+              </a:rPr>
+              <a:t>Text MOS</a:t>
+            </a:r>
+            <a:endParaRPr lang="en-US" sz="2400" b="0" strike="noStrike" spc="-1" dirty="0">
+              <a:latin typeface="Arial"/>
+            </a:endParaRPr>
+          </a:p>
+          <a:p>
+            <a:pPr marL="432000" indent="-323640">
+              <a:lnSpc>
+                <a:spcPct val="100000"/>
+              </a:lnSpc>
+              <a:spcAft>
+                <a:spcPts val="1057"/>
+              </a:spcAft>
+              <a:buClr>
+                <a:srgbClr val="2C3E50"/>
+              </a:buClr>
+              <a:buSzPct val="45000"/>
+              <a:buFont typeface="Wingdings" charset="2"/>
+              <a:buChar char=""/>
+            </a:pPr>
+            <a:r>
+              <a:rPr lang="en-US" sz="2400" b="1" strike="noStrike" spc="-1" dirty="0">
+                <a:solidFill>
+                  <a:srgbClr val="2C3E50"/>
+                </a:solidFill>
+                <a:latin typeface="Source Sans Pro Semibold"/>
+              </a:rPr>
+              <a:t>VTEC </a:t>
+            </a:r>
+            <a:r>
+              <a:rPr lang="en-US" sz="2400" b="1" strike="noStrike" spc="-1" dirty="0" err="1">
+                <a:solidFill>
+                  <a:srgbClr val="2C3E50"/>
+                </a:solidFill>
+                <a:latin typeface="Source Sans Pro Semibold"/>
+              </a:rPr>
+              <a:t>WaWA</a:t>
+            </a:r>
+            <a:endParaRPr lang="en-US" sz="2400" b="1" strike="noStrike" spc="-1" dirty="0">
+              <a:solidFill>
+                <a:srgbClr val="2C3E50"/>
+              </a:solidFill>
+              <a:latin typeface="Source Sans Pro Semibold"/>
+            </a:endParaRPr>
+          </a:p>
+          <a:p>
+            <a:pPr marL="432000" indent="-323640">
+              <a:lnSpc>
+                <a:spcPct val="100000"/>
+              </a:lnSpc>
+              <a:spcAft>
+                <a:spcPts val="1057"/>
+              </a:spcAft>
+              <a:buClr>
+                <a:srgbClr val="2C3E50"/>
+              </a:buClr>
+              <a:buSzPct val="45000"/>
+              <a:buFont typeface="Wingdings" charset="2"/>
+              <a:buChar char=""/>
+            </a:pPr>
+            <a:r>
+              <a:rPr lang="en-US" sz="2400" b="1" spc="-1" dirty="0">
+                <a:solidFill>
+                  <a:srgbClr val="2C3E50"/>
+                </a:solidFill>
+                <a:latin typeface="Source Sans Pro Semibold"/>
+              </a:rPr>
+              <a:t>Winter Road Conditions (Iowa)</a:t>
+            </a:r>
+            <a:endParaRPr lang="en-US" sz="2400" b="0" strike="noStrike" spc="-1" dirty="0">
+              <a:latin typeface="Arial"/>
+            </a:endParaRPr>
+          </a:p>
+          <a:p>
+            <a:pPr>
+              <a:lnSpc>
+                <a:spcPct val="100000"/>
+              </a:lnSpc>
+              <a:spcAft>
+                <a:spcPts val="1057"/>
+              </a:spcAft>
+            </a:pPr>
+            <a:endParaRPr lang="en-US" sz="2400" b="0" strike="noStrike" spc="-1" dirty="0">
+              <a:latin typeface="Arial"/>
+            </a:endParaRPr>
+          </a:p>
+        </p:txBody>
+      </p:sp>
+    </p:spTree>
+  </p:cSld>
+  <p:clrMapOvr>
+    <a:masterClrMapping/>
+  </p:clrMapOvr>
+</p:sld>
+</file>
+
+<file path=ppt/slides/slide7.xml><?xml version="1.0" encoding="utf-8"?>
+<p:sld xmlns:a="http://schemas.openxmlformats.org/drawingml/2006/main" xmlns:r="http://schemas.openxmlformats.org/officeDocument/2006/relationships" xmlns:p="http://schemas.openxmlformats.org/presentationml/2006/main">
+  <p:cSld>
+    <p:spTree>
+      <p:nvGrpSpPr>
+        <p:cNvPr id="1" name=""/>
+        <p:cNvGrpSpPr/>
+        <p:nvPr/>
+      </p:nvGrpSpPr>
+      <p:grpSpPr>
+        <a:xfrm>
+          <a:off x="0" y="0"/>
+          <a:ext cx="0" cy="0"/>
+          <a:chOff x="0" y="0"/>
+          <a:chExt cx="0" cy="0"/>
+        </a:xfrm>
+      </p:grpSpPr>
+      <p:sp>
+        <p:nvSpPr>
+          <p:cNvPr id="176" name="Rectangle 175"/>
+          <p:cNvSpPr/>
+          <p:nvPr/>
+        </p:nvSpPr>
+        <p:spPr>
+          <a:xfrm>
+            <a:off x="360000" y="225720"/>
+            <a:ext cx="9359640" cy="718560"/>
+          </a:xfrm>
+          <a:prstGeom prst="rect">
+            <a:avLst/>
+          </a:prstGeom>
+          <a:noFill/>
+          <a:ln w="0">
+            <a:noFill/>
+          </a:ln>
+        </p:spPr>
+        <p:style>
+          <a:lnRef idx="0">
+            <a:scrgbClr r="0" g="0" b="0"/>
+          </a:lnRef>
+          <a:fillRef idx="0">
+            <a:scrgbClr r="0" g="0" b="0"/>
+          </a:fillRef>
+          <a:effectRef idx="0">
+            <a:scrgbClr r="0" g="0" b="0"/>
+          </a:effectRef>
+          <a:fontRef idx="minor"/>
+        </p:style>
+        <p:txBody>
+          <a:bodyPr lIns="0" tIns="0" rIns="0" bIns="0" anchor="ctr">
+            <a:noAutofit/>
+          </a:bodyPr>
+          <a:lstStyle/>
+          <a:p>
+            <a:pPr>
+              <a:lnSpc>
+                <a:spcPct val="100000"/>
+              </a:lnSpc>
+            </a:pPr>
+            <a:r>
+              <a:rPr lang="en-US" sz="2700" b="1" strike="noStrike" spc="-1">
+                <a:solidFill>
+                  <a:srgbClr val="FFFFFF"/>
+                </a:solidFill>
+                <a:latin typeface="Source Sans Pro Black"/>
+              </a:rPr>
+              <a:t>The moral of today’s talk:</a:t>
+            </a:r>
+            <a:endParaRPr lang="en-US" sz="2700" b="0" strike="noStrike" spc="-1">
+              <a:latin typeface="Arial"/>
+            </a:endParaRPr>
+          </a:p>
+        </p:txBody>
+      </p:sp>
+      <p:sp>
+        <p:nvSpPr>
+          <p:cNvPr id="177" name="Rectangle 176"/>
+          <p:cNvSpPr/>
+          <p:nvPr/>
+        </p:nvSpPr>
+        <p:spPr>
+          <a:xfrm>
+            <a:off x="360000" y="1485000"/>
+            <a:ext cx="9359640" cy="3779640"/>
+          </a:xfrm>
+          <a:prstGeom prst="rect">
+            <a:avLst/>
+          </a:prstGeom>
+          <a:noFill/>
+          <a:ln w="0">
+            <a:noFill/>
+          </a:ln>
+        </p:spPr>
+        <p:style>
+          <a:lnRef idx="0">
+            <a:scrgbClr r="0" g="0" b="0"/>
+          </a:lnRef>
+          <a:fillRef idx="0">
+            <a:scrgbClr r="0" g="0" b="0"/>
+          </a:fillRef>
+          <a:effectRef idx="0">
+            <a:scrgbClr r="0" g="0" b="0"/>
+          </a:effectRef>
+          <a:fontRef idx="minor"/>
+        </p:style>
+        <p:txBody>
+          <a:bodyPr lIns="0" tIns="0" rIns="0" bIns="0">
+            <a:normAutofit fontScale="99500"/>
+          </a:bodyPr>
+          <a:lstStyle/>
+          <a:p>
+            <a:pPr marL="432000" indent="-323640">
+              <a:lnSpc>
+                <a:spcPct val="100000"/>
+              </a:lnSpc>
+              <a:spcAft>
+                <a:spcPts val="1057"/>
+              </a:spcAft>
+              <a:buClr>
+                <a:srgbClr val="2C3E50"/>
+              </a:buClr>
+              <a:buSzPct val="45000"/>
+              <a:buFont typeface="Wingdings" charset="2"/>
+              <a:buChar char=""/>
+            </a:pPr>
+            <a:r>
+              <a:rPr lang="en-US" sz="2400" b="1" strike="noStrike" spc="-1" dirty="0">
+                <a:solidFill>
+                  <a:srgbClr val="2C3E50"/>
+                </a:solidFill>
+                <a:latin typeface="Source Sans Pro Semibold"/>
+              </a:rPr>
+              <a:t>My website is neither official nor provides certified data, but is hopefully helpful as a screening tool with high fidelity archives. </a:t>
+            </a:r>
+          </a:p>
+          <a:p>
+            <a:pPr marL="432000" indent="-323640">
+              <a:lnSpc>
+                <a:spcPct val="100000"/>
+              </a:lnSpc>
+              <a:spcAft>
+                <a:spcPts val="1057"/>
+              </a:spcAft>
+              <a:buClr>
+                <a:srgbClr val="2C3E50"/>
+              </a:buClr>
+              <a:buSzPct val="45000"/>
+              <a:buFont typeface="Wingdings" charset="2"/>
+              <a:buChar char=""/>
+            </a:pPr>
+            <a:r>
+              <a:rPr lang="en-US" sz="2400" b="1" strike="noStrike" spc="-1" dirty="0">
+                <a:solidFill>
+                  <a:srgbClr val="2C3E50"/>
+                </a:solidFill>
+                <a:latin typeface="Source Sans Pro Semibold"/>
+              </a:rPr>
               <a:t>If you visit my website and fail to locate some archive within 5 minutes</a:t>
             </a:r>
             <a:r>
@@ -10873,7 +11113,7 @@
 </p:sld>
 </file>
 
-<file path=ppt/slides/slide7.xml><?xml version="1.0" encoding="utf-8"?>
+<file path=ppt/slides/slide8.xml><?xml version="1.0" encoding="utf-8"?>
 <p:sld xmlns:a="http://schemas.openxmlformats.org/drawingml/2006/main" xmlns:r="http://schemas.openxmlformats.org/officeDocument/2006/relationships" xmlns:p="http://schemas.openxmlformats.org/presentationml/2006/main">
   <p:cSld>
     <p:spTree>

--- a/presentations/250508_dps/introslides.pptx
+++ b/presentations/250508_dps/introslides.pptx
@@ -10,12 +10,13 @@
   <p:sldIdLst>
     <p:sldId id="256" r:id="rId5"/>
     <p:sldId id="257" r:id="rId6"/>
-    <p:sldId id="263" r:id="rId7"/>
-    <p:sldId id="258" r:id="rId8"/>
-    <p:sldId id="259" r:id="rId9"/>
-    <p:sldId id="260" r:id="rId10"/>
-    <p:sldId id="261" r:id="rId11"/>
-    <p:sldId id="262" r:id="rId12"/>
+    <p:sldId id="264" r:id="rId7"/>
+    <p:sldId id="263" r:id="rId8"/>
+    <p:sldId id="258" r:id="rId9"/>
+    <p:sldId id="259" r:id="rId10"/>
+    <p:sldId id="260" r:id="rId11"/>
+    <p:sldId id="261" r:id="rId12"/>
+    <p:sldId id="262" r:id="rId13"/>
   </p:sldIdLst>
   <p:sldSz cx="10080625" cy="5670550"/>
   <p:notesSz cx="7772400" cy="10058400"/>
@@ -8781,6 +8782,171 @@
                 </a:solidFill>
                 <a:latin typeface="Source Sans Pro Black"/>
               </a:rPr>
+              <a:t>So, who has seen this logo before?</a:t>
+            </a:r>
+            <a:endParaRPr lang="en-US" sz="2700" b="0" strike="noStrike" spc="-1" dirty="0">
+              <a:latin typeface="Arial"/>
+            </a:endParaRPr>
+          </a:p>
+        </p:txBody>
+      </p:sp>
+      <p:pic>
+        <p:nvPicPr>
+          <p:cNvPr id="3" name="Picture 2" descr="A logo of an airplane&#10;&#10;AI-generated content may be incorrect.">
+            <a:extLst>
+              <a:ext uri="{FF2B5EF4-FFF2-40B4-BE49-F238E27FC236}">
+                <a16:creationId xmlns:a16="http://schemas.microsoft.com/office/drawing/2014/main" id="{A13DDCF4-920D-E596-83CE-D65136FB4601}"/>
+              </a:ext>
+            </a:extLst>
+          </p:cNvPr>
+          <p:cNvPicPr>
+            <a:picLocks noChangeAspect="1"/>
+          </p:cNvPicPr>
+          <p:nvPr/>
+        </p:nvPicPr>
+        <p:blipFill>
+          <a:blip r:embed="rId2">
+            <a:extLst>
+              <a:ext uri="{28A0092B-C50C-407E-A947-70E740481C1C}">
+                <a14:useLocalDpi xmlns:a14="http://schemas.microsoft.com/office/drawing/2010/main" val="0"/>
+              </a:ext>
+            </a:extLst>
+          </a:blip>
+          <a:stretch>
+            <a:fillRect/>
+          </a:stretch>
+        </p:blipFill>
+        <p:spPr>
+          <a:xfrm>
+            <a:off x="3027778" y="1703170"/>
+            <a:ext cx="3284122" cy="2506880"/>
+          </a:xfrm>
+          <a:prstGeom prst="rect">
+            <a:avLst/>
+          </a:prstGeom>
+        </p:spPr>
+      </p:pic>
+      <p:sp>
+        <p:nvSpPr>
+          <p:cNvPr id="4" name="TextBox 3">
+            <a:extLst>
+              <a:ext uri="{FF2B5EF4-FFF2-40B4-BE49-F238E27FC236}">
+                <a16:creationId xmlns:a16="http://schemas.microsoft.com/office/drawing/2014/main" id="{74702C9A-78EF-86B7-8BE0-4551F1A73E33}"/>
+              </a:ext>
+            </a:extLst>
+          </p:cNvPr>
+          <p:cNvSpPr txBox="1"/>
+          <p:nvPr/>
+        </p:nvSpPr>
+        <p:spPr>
+          <a:xfrm>
+            <a:off x="3977694" y="4495800"/>
+            <a:ext cx="1384290" cy="584775"/>
+          </a:xfrm>
+          <a:prstGeom prst="rect">
+            <a:avLst/>
+          </a:prstGeom>
+          <a:noFill/>
+        </p:spPr>
+        <p:txBody>
+          <a:bodyPr wrap="none" rtlCol="0">
+            <a:spAutoFit/>
+          </a:bodyPr>
+          <a:lstStyle/>
+          <a:p>
+            <a:r>
+              <a:rPr lang="en-US" sz="3200" dirty="0"/>
+              <a:t>IT ME!</a:t>
+            </a:r>
+          </a:p>
+        </p:txBody>
+      </p:sp>
+    </p:spTree>
+  </p:cSld>
+  <p:clrMapOvr>
+    <a:masterClrMapping/>
+  </p:clrMapOvr>
+</p:sld>
+</file>
+
+<file path=ppt/slides/slide3.xml><?xml version="1.0" encoding="utf-8"?>
+<p:sld xmlns:a="http://schemas.openxmlformats.org/drawingml/2006/main" xmlns:r="http://schemas.openxmlformats.org/officeDocument/2006/relationships" xmlns:p="http://schemas.openxmlformats.org/presentationml/2006/main">
+  <p:cSld>
+    <p:spTree>
+      <p:nvGrpSpPr>
+        <p:cNvPr id="1" name="">
+          <a:extLst>
+            <a:ext uri="{FF2B5EF4-FFF2-40B4-BE49-F238E27FC236}">
+              <a16:creationId xmlns:a16="http://schemas.microsoft.com/office/drawing/2014/main" id="{2B02510B-76D9-8269-138A-91B13839493F}"/>
+            </a:ext>
+          </a:extLst>
+        </p:cNvPr>
+        <p:cNvGrpSpPr/>
+        <p:nvPr/>
+      </p:nvGrpSpPr>
+      <p:grpSpPr>
+        <a:xfrm>
+          <a:off x="0" y="0"/>
+          <a:ext cx="0" cy="0"/>
+          <a:chOff x="0" y="0"/>
+          <a:chExt cx="0" cy="0"/>
+        </a:xfrm>
+      </p:grpSpPr>
+      <p:sp>
+        <p:nvSpPr>
+          <p:cNvPr id="167" name="Rectangle 166">
+            <a:extLst>
+              <a:ext uri="{FF2B5EF4-FFF2-40B4-BE49-F238E27FC236}">
+                <a16:creationId xmlns:a16="http://schemas.microsoft.com/office/drawing/2014/main" id="{DBDFAA47-3852-D5B3-E0C1-E46FEC3D8083}"/>
+              </a:ext>
+            </a:extLst>
+          </p:cNvPr>
+          <p:cNvSpPr/>
+          <p:nvPr/>
+        </p:nvSpPr>
+        <p:spPr>
+          <a:xfrm>
+            <a:off x="360000" y="225720"/>
+            <a:ext cx="9359640" cy="719640"/>
+          </a:xfrm>
+          <a:prstGeom prst="rect">
+            <a:avLst/>
+          </a:prstGeom>
+          <a:noFill/>
+          <a:ln w="0">
+            <a:noFill/>
+          </a:ln>
+        </p:spPr>
+        <p:style>
+          <a:lnRef idx="0">
+            <a:scrgbClr r="0" g="0" b="0"/>
+          </a:lnRef>
+          <a:fillRef idx="0">
+            <a:scrgbClr r="0" g="0" b="0"/>
+          </a:fillRef>
+          <a:effectRef idx="0">
+            <a:scrgbClr r="0" g="0" b="0"/>
+          </a:effectRef>
+          <a:fontRef idx="minor"/>
+        </p:style>
+        <p:txBody>
+          <a:bodyPr lIns="0" tIns="0" rIns="0" bIns="0" anchor="ctr">
+            <a:noAutofit/>
+          </a:bodyPr>
+          <a:lstStyle/>
+          <a:p>
+            <a:pPr>
+              <a:lnSpc>
+                <a:spcPct val="100000"/>
+              </a:lnSpc>
+            </a:pPr>
+            <a:r>
+              <a:rPr lang="en-US" sz="2700" b="1" strike="noStrike" spc="-1" dirty="0">
+                <a:solidFill>
+                  <a:srgbClr val="FFFFFF"/>
+                </a:solidFill>
+                <a:latin typeface="Source Sans Pro Black"/>
+              </a:rPr>
               <a:t>The Main Points</a:t>
             </a:r>
             <a:endParaRPr lang="en-US" sz="2700" b="0" strike="noStrike" spc="-1" dirty="0">
@@ -8791,7 +8957,13 @@
       </p:sp>
       <p:sp>
         <p:nvSpPr>
-          <p:cNvPr id="168" name="Rectangle 167"/>
+          <p:cNvPr id="168" name="Rectangle 167">
+            <a:extLst>
+              <a:ext uri="{FF2B5EF4-FFF2-40B4-BE49-F238E27FC236}">
+                <a16:creationId xmlns:a16="http://schemas.microsoft.com/office/drawing/2014/main" id="{EB3752F0-D3A3-C5C8-7FD8-67262E31CDA7}"/>
+              </a:ext>
+            </a:extLst>
+          </p:cNvPr>
           <p:cNvSpPr/>
           <p:nvPr/>
         </p:nvSpPr>
@@ -8912,6 +9084,34 @@
               </a:rPr>
               <a:t>The altruism and dry wit runs deep with me! This all is “fun”</a:t>
             </a:r>
+          </a:p>
+          <a:p>
+            <a:pPr marL="432000" indent="-323640">
+              <a:lnSpc>
+                <a:spcPct val="100000"/>
+              </a:lnSpc>
+              <a:spcAft>
+                <a:spcPts val="1057"/>
+              </a:spcAft>
+              <a:buClr>
+                <a:srgbClr val="2C3E50"/>
+              </a:buClr>
+              <a:buSzPct val="45000"/>
+              <a:buFont typeface="Wingdings" charset="2"/>
+              <a:buChar char=""/>
+            </a:pPr>
+            <a:r>
+              <a:rPr lang="en-US" sz="2400" b="0" strike="noStrike" spc="-1" dirty="0">
+                <a:latin typeface="Arial"/>
+              </a:rPr>
+              <a:t>My funding is all “soft money”, so </a:t>
+            </a:r>
+            <a:r>
+              <a:rPr lang="en-US" sz="2400" spc="-1" dirty="0">
+                <a:latin typeface="Arial"/>
+              </a:rPr>
+              <a:t>I am always looking for projects.  I have a good relationship with ISU CTRE, hint-hint.</a:t>
+            </a:r>
             <a:endParaRPr lang="en-US" sz="2400" b="0" strike="noStrike" spc="-1" dirty="0">
               <a:latin typeface="Arial"/>
             </a:endParaRPr>
@@ -8919,6 +9119,11 @@
         </p:txBody>
       </p:sp>
     </p:spTree>
+    <p:extLst>
+      <p:ext uri="{BB962C8B-B14F-4D97-AF65-F5344CB8AC3E}">
+        <p14:creationId xmlns:p14="http://schemas.microsoft.com/office/powerpoint/2010/main" val="2897741403"/>
+      </p:ext>
+    </p:extLst>
   </p:cSld>
   <p:clrMapOvr>
     <a:masterClrMapping/>
@@ -8926,7 +9131,7 @@
 </p:sld>
 </file>
 
-<file path=ppt/slides/slide3.xml><?xml version="1.0" encoding="utf-8"?>
+<file path=ppt/slides/slide4.xml><?xml version="1.0" encoding="utf-8"?>
 <p:sld xmlns:a="http://schemas.openxmlformats.org/drawingml/2006/main" xmlns:r="http://schemas.openxmlformats.org/officeDocument/2006/relationships" xmlns:p="http://schemas.openxmlformats.org/presentationml/2006/main">
   <p:cSld>
     <p:spTree>
@@ -9285,259 +9490,6 @@
         <p14:creationId xmlns:p14="http://schemas.microsoft.com/office/powerpoint/2010/main" val="1778654528"/>
       </p:ext>
     </p:extLst>
-  </p:cSld>
-  <p:clrMapOvr>
-    <a:masterClrMapping/>
-  </p:clrMapOvr>
-</p:sld>
-</file>
-
-<file path=ppt/slides/slide4.xml><?xml version="1.0" encoding="utf-8"?>
-<p:sld xmlns:a="http://schemas.openxmlformats.org/drawingml/2006/main" xmlns:r="http://schemas.openxmlformats.org/officeDocument/2006/relationships" xmlns:p="http://schemas.openxmlformats.org/presentationml/2006/main">
-  <p:cSld>
-    <p:spTree>
-      <p:nvGrpSpPr>
-        <p:cNvPr id="1" name=""/>
-        <p:cNvGrpSpPr/>
-        <p:nvPr/>
-      </p:nvGrpSpPr>
-      <p:grpSpPr>
-        <a:xfrm>
-          <a:off x="0" y="0"/>
-          <a:ext cx="0" cy="0"/>
-          <a:chOff x="0" y="0"/>
-          <a:chExt cx="0" cy="0"/>
-        </a:xfrm>
-      </p:grpSpPr>
-      <p:sp>
-        <p:nvSpPr>
-          <p:cNvPr id="169" name="Rectangle 168"/>
-          <p:cNvSpPr/>
-          <p:nvPr/>
-        </p:nvSpPr>
-        <p:spPr>
-          <a:xfrm>
-            <a:off x="360000" y="225720"/>
-            <a:ext cx="9359640" cy="718560"/>
-          </a:xfrm>
-          <a:prstGeom prst="rect">
-            <a:avLst/>
-          </a:prstGeom>
-          <a:noFill/>
-          <a:ln w="0">
-            <a:noFill/>
-          </a:ln>
-        </p:spPr>
-        <p:style>
-          <a:lnRef idx="0">
-            <a:scrgbClr r="0" g="0" b="0"/>
-          </a:lnRef>
-          <a:fillRef idx="0">
-            <a:scrgbClr r="0" g="0" b="0"/>
-          </a:fillRef>
-          <a:effectRef idx="0">
-            <a:scrgbClr r="0" g="0" b="0"/>
-          </a:effectRef>
-          <a:fontRef idx="minor"/>
-        </p:style>
-        <p:txBody>
-          <a:bodyPr lIns="0" tIns="0" rIns="0" bIns="0" anchor="ctr">
-            <a:noAutofit/>
-          </a:bodyPr>
-          <a:lstStyle/>
-          <a:p>
-            <a:pPr>
-              <a:lnSpc>
-                <a:spcPct val="100000"/>
-              </a:lnSpc>
-            </a:pPr>
-            <a:r>
-              <a:rPr lang="en-US" sz="2700" b="1" strike="noStrike" spc="-1" dirty="0">
-                <a:solidFill>
-                  <a:srgbClr val="FFFFFF"/>
-                </a:solidFill>
-                <a:latin typeface="Source Sans Pro Black"/>
-              </a:rPr>
-              <a:t>Subversive and Academic Altruistic Goals</a:t>
-            </a:r>
-            <a:br>
-              <a:rPr dirty="0"/>
-            </a:br>
-            <a:r>
-              <a:rPr lang="en-US" sz="2000" b="1" strike="noStrike" spc="-1" dirty="0">
-                <a:solidFill>
-                  <a:srgbClr val="FFFFFF"/>
-                </a:solidFill>
-                <a:latin typeface="Source Sans Pro Black"/>
-              </a:rPr>
-              <a:t>(</a:t>
-            </a:r>
-            <a:r>
-              <a:rPr lang="en-US" sz="2000" b="1" i="1" strike="noStrike" spc="-1" dirty="0">
-                <a:solidFill>
-                  <a:srgbClr val="FFFFFF"/>
-                </a:solidFill>
-                <a:latin typeface="Source Sans Pro Black"/>
-              </a:rPr>
-              <a:t>Summarizing past ~24 years of work)</a:t>
-            </a:r>
-            <a:endParaRPr lang="en-US" sz="2000" b="0" strike="noStrike" spc="-1" dirty="0">
-              <a:latin typeface="Arial"/>
-            </a:endParaRPr>
-          </a:p>
-        </p:txBody>
-      </p:sp>
-      <p:sp>
-        <p:nvSpPr>
-          <p:cNvPr id="170" name="Rectangle 169"/>
-          <p:cNvSpPr/>
-          <p:nvPr/>
-        </p:nvSpPr>
-        <p:spPr>
-          <a:xfrm>
-            <a:off x="360000" y="1485000"/>
-            <a:ext cx="9359640" cy="3779640"/>
-          </a:xfrm>
-          <a:prstGeom prst="rect">
-            <a:avLst/>
-          </a:prstGeom>
-          <a:noFill/>
-          <a:ln w="0">
-            <a:noFill/>
-          </a:ln>
-        </p:spPr>
-        <p:style>
-          <a:lnRef idx="0">
-            <a:scrgbClr r="0" g="0" b="0"/>
-          </a:lnRef>
-          <a:fillRef idx="0">
-            <a:scrgbClr r="0" g="0" b="0"/>
-          </a:fillRef>
-          <a:effectRef idx="0">
-            <a:scrgbClr r="0" g="0" b="0"/>
-          </a:effectRef>
-          <a:fontRef idx="minor"/>
-        </p:style>
-        <p:txBody>
-          <a:bodyPr lIns="0" tIns="0" rIns="0" bIns="0">
-            <a:normAutofit fontScale="99000"/>
-          </a:bodyPr>
-          <a:lstStyle/>
-          <a:p>
-            <a:pPr marL="432000" indent="-323640">
-              <a:lnSpc>
-                <a:spcPct val="100000"/>
-              </a:lnSpc>
-              <a:spcAft>
-                <a:spcPts val="1057"/>
-              </a:spcAft>
-              <a:buClr>
-                <a:srgbClr val="2C3E50"/>
-              </a:buClr>
-              <a:buSzPct val="45000"/>
-              <a:buFont typeface="Wingdings" charset="2"/>
-              <a:buChar char=""/>
-            </a:pPr>
-            <a:r>
-              <a:rPr lang="en-US" sz="2400" b="1" strike="noStrike" spc="-1" dirty="0">
-                <a:solidFill>
-                  <a:srgbClr val="2C3E50"/>
-                </a:solidFill>
-                <a:latin typeface="Source Sans Pro Semibold"/>
-              </a:rPr>
-              <a:t>Realized having just Iowa data was insufficient to support paying grant work on ISU research projects.</a:t>
-            </a:r>
-            <a:endParaRPr lang="en-US" sz="2400" b="0" strike="noStrike" spc="-1" dirty="0">
-              <a:latin typeface="Arial"/>
-            </a:endParaRPr>
-          </a:p>
-          <a:p>
-            <a:pPr marL="432000" indent="-323640">
-              <a:lnSpc>
-                <a:spcPct val="100000"/>
-              </a:lnSpc>
-              <a:spcAft>
-                <a:spcPts val="1057"/>
-              </a:spcAft>
-              <a:buClr>
-                <a:srgbClr val="2C3E50"/>
-              </a:buClr>
-              <a:buSzPct val="45000"/>
-              <a:buFont typeface="Wingdings" charset="2"/>
-              <a:buChar char=""/>
-            </a:pPr>
-            <a:r>
-              <a:rPr lang="en-US" sz="2400" b="1" strike="noStrike" spc="-1" dirty="0">
-                <a:solidFill>
-                  <a:srgbClr val="2C3E50"/>
-                </a:solidFill>
-                <a:latin typeface="Source Sans Pro Semibold"/>
-              </a:rPr>
-              <a:t>Realized NCDC/NCEI website/services was the worst on the Internets. (my website ranks #2 worst)</a:t>
-            </a:r>
-            <a:endParaRPr lang="en-US" sz="2400" b="0" strike="noStrike" spc="-1" dirty="0">
-              <a:latin typeface="Arial"/>
-            </a:endParaRPr>
-          </a:p>
-          <a:p>
-            <a:pPr marL="432000" indent="-323640">
-              <a:lnSpc>
-                <a:spcPct val="100000"/>
-              </a:lnSpc>
-              <a:spcAft>
-                <a:spcPts val="1057"/>
-              </a:spcAft>
-              <a:buClr>
-                <a:srgbClr val="2C3E50"/>
-              </a:buClr>
-              <a:buSzPct val="45000"/>
-              <a:buFont typeface="Wingdings" charset="2"/>
-              <a:buChar char=""/>
-            </a:pPr>
-            <a:r>
-              <a:rPr lang="en-US" sz="2400" b="1" strike="noStrike" spc="-1" dirty="0">
-                <a:solidFill>
-                  <a:srgbClr val="2C3E50"/>
-                </a:solidFill>
-                <a:latin typeface="Source Sans Pro Semibold"/>
-              </a:rPr>
-              <a:t>Realized the best way to stop the daily email deluge is to update my website with each email to prevent it from coming again from another person.</a:t>
-            </a:r>
-            <a:endParaRPr lang="en-US" sz="2400" b="0" strike="noStrike" spc="-1" dirty="0">
-              <a:latin typeface="Arial"/>
-            </a:endParaRPr>
-          </a:p>
-          <a:p>
-            <a:pPr marL="432000" indent="-323640">
-              <a:lnSpc>
-                <a:spcPct val="100000"/>
-              </a:lnSpc>
-              <a:spcAft>
-                <a:spcPts val="1057"/>
-              </a:spcAft>
-              <a:buClr>
-                <a:srgbClr val="2C3E50"/>
-              </a:buClr>
-              <a:buSzPct val="45000"/>
-              <a:buFont typeface="Wingdings" charset="2"/>
-              <a:buChar char=""/>
-            </a:pPr>
-            <a:r>
-              <a:rPr lang="en-US" sz="2400" b="1" strike="noStrike" spc="-1" dirty="0">
-                <a:solidFill>
-                  <a:srgbClr val="2C3E50"/>
-                </a:solidFill>
-                <a:latin typeface="Source Sans Pro Semibold"/>
-              </a:rPr>
-              <a:t>Realized most weather websites are great for real-time, but have no archive capabilities.</a:t>
-            </a:r>
-            <a:endParaRPr lang="en-US" sz="2400" b="0" strike="noStrike" spc="-1" dirty="0">
-              <a:latin typeface="Arial"/>
-            </a:endParaRPr>
-          </a:p>
-        </p:txBody>
-      </p:sp>
-    </p:spTree>
   </p:cSld>
   <p:clrMapOvr>
     <a:masterClrMapping/>
@@ -9564,7 +9516,7 @@
       </p:grpSpPr>
       <p:sp>
         <p:nvSpPr>
-          <p:cNvPr id="171" name="Rectangle 170"/>
+          <p:cNvPr id="169" name="Rectangle 168"/>
           <p:cNvSpPr/>
           <p:nvPr/>
         </p:nvSpPr>
@@ -9605,23 +9557,44 @@
               </a:lnSpc>
             </a:pPr>
             <a:r>
-              <a:rPr lang="en-US" sz="2700" b="1" strike="noStrike" spc="-1">
+              <a:rPr lang="en-US" sz="2700" b="1" strike="noStrike" spc="-1" dirty="0">
                 <a:solidFill>
                   <a:srgbClr val="FFFFFF"/>
                 </a:solidFill>
                 <a:latin typeface="Source Sans Pro Black"/>
               </a:rPr>
-              <a:t>So the result of my realizations</a:t>
-            </a:r>
-            <a:endParaRPr lang="en-US" sz="2700" b="0" strike="noStrike" spc="-1">
-              <a:latin typeface="Arial"/>
-            </a:endParaRPr>
-          </a:p>
-        </p:txBody>
-      </p:sp>
-      <p:sp>
-        <p:nvSpPr>
-          <p:cNvPr id="172" name="Rectangle 171"/>
+              <a:t>Subversive and Academic Altruistic Goals</a:t>
+            </a:r>
+            <a:br>
+              <a:rPr dirty="0"/>
+            </a:br>
+            <a:r>
+              <a:rPr lang="en-US" sz="2000" b="1" strike="noStrike" spc="-1" dirty="0">
+                <a:solidFill>
+                  <a:srgbClr val="FFFFFF"/>
+                </a:solidFill>
+                <a:latin typeface="Source Sans Pro Black"/>
+              </a:rPr>
+              <a:t>(</a:t>
+            </a:r>
+            <a:r>
+              <a:rPr lang="en-US" sz="2000" b="1" i="1" strike="noStrike" spc="-1" dirty="0">
+                <a:solidFill>
+                  <a:srgbClr val="FFFFFF"/>
+                </a:solidFill>
+                <a:latin typeface="Source Sans Pro Black"/>
+              </a:rPr>
+              <a:t>Summarizing past ~24 years of work)</a:t>
+            </a:r>
+            <a:endParaRPr lang="en-US" sz="2000" b="0" strike="noStrike" spc="-1" dirty="0">
+              <a:latin typeface="Arial"/>
+            </a:endParaRPr>
+          </a:p>
+        </p:txBody>
+      </p:sp>
+      <p:sp>
+        <p:nvSpPr>
+          <p:cNvPr id="170" name="Rectangle 169"/>
           <p:cNvSpPr/>
           <p:nvPr/>
         </p:nvSpPr>
@@ -9652,7 +9625,7 @@
         </p:style>
         <p:txBody>
           <a:bodyPr lIns="0" tIns="0" rIns="0" bIns="0">
-            <a:normAutofit fontScale="98500"/>
+            <a:normAutofit fontScale="99000"/>
           </a:bodyPr>
           <a:lstStyle/>
           <a:p>
@@ -9677,25 +9650,7 @@
                 </a:solidFill>
                 <a:latin typeface="Source Sans Pro Semibold"/>
               </a:rPr>
-              <a:t>A website with massive number of portals (~150), </a:t>
-            </a:r>
-            <a:r>
-              <a:rPr lang="en-US" sz="2400" b="1" strike="noStrike" spc="-1" dirty="0" err="1">
-                <a:solidFill>
-                  <a:srgbClr val="2C3E50"/>
-                </a:solidFill>
-                <a:latin typeface="Source Sans Pro Semibold"/>
-              </a:rPr>
-              <a:t>api</a:t>
-            </a:r>
-            <a:r>
-              <a:rPr lang="en-US" sz="2400" b="1" strike="noStrike" spc="-1" dirty="0">
-                <a:solidFill>
-                  <a:srgbClr val="2C3E50"/>
-                </a:solidFill>
-                <a:latin typeface="Source Sans Pro Semibold"/>
-              </a:rPr>
-              <a:t> services (~50), auto-plots (260), and spinning disk archives (~350 TB).</a:t>
+              <a:t>Realized having just Iowa data was insufficient to support paying grant work on ISU research projects.</a:t>
             </a:r>
             <a:endParaRPr lang="en-US" sz="2400" b="0" strike="noStrike" spc="-1" dirty="0">
               <a:latin typeface="Arial"/>
@@ -9723,7 +9678,25 @@
                 </a:solidFill>
                 <a:latin typeface="Source Sans Pro Semibold"/>
               </a:rPr>
-              <a:t>A website with intentionally stable URIs and predictable (maybe) interfaces to link against.</a:t>
+              <a:t>Realized NCDC/NCEI website/services was the worst on the Internets. (my website ranks </a:t>
+            </a:r>
+            <a:r>
+              <a:rPr lang="en-US" sz="2400" b="1" spc="-1" dirty="0">
+                <a:solidFill>
+                  <a:srgbClr val="2C3E50"/>
+                </a:solidFill>
+                <a:latin typeface="Source Sans Pro Semibold"/>
+              </a:rPr>
+              <a:t>second</a:t>
+            </a:r>
+            <a:r>
+              <a:rPr lang="en-US" sz="2400" b="1" strike="noStrike" spc="-1" dirty="0">
+                <a:solidFill>
+                  <a:srgbClr val="2C3E50"/>
+                </a:solidFill>
+                <a:latin typeface="Source Sans Pro Semibold"/>
+              </a:rPr>
+              <a:t> worst)</a:t>
             </a:r>
             <a:endParaRPr lang="en-US" sz="2400" b="0" strike="noStrike" spc="-1" dirty="0">
               <a:latin typeface="Arial"/>
@@ -9751,25 +9724,7 @@
                 </a:solidFill>
                 <a:latin typeface="Source Sans Pro Semibold"/>
               </a:rPr>
-              <a:t>A website with all code on github.com/</a:t>
-            </a:r>
-            <a:r>
-              <a:rPr lang="en-US" sz="2400" b="1" strike="noStrike" spc="-1" dirty="0" err="1">
-                <a:solidFill>
-                  <a:srgbClr val="2C3E50"/>
-                </a:solidFill>
-                <a:latin typeface="Source Sans Pro Semibold"/>
-              </a:rPr>
-              <a:t>akrherz</a:t>
-            </a:r>
-            <a:r>
-              <a:rPr lang="en-US" sz="2400" b="1" strike="noStrike" spc="-1" dirty="0">
-                <a:solidFill>
-                  <a:srgbClr val="2C3E50"/>
-                </a:solidFill>
-                <a:latin typeface="Source Sans Pro Semibold"/>
-              </a:rPr>
-              <a:t> with an open license.</a:t>
+              <a:t>Realized the best way to stop the daily email deluge is to update my website with each email to prevent it from coming again from another person.</a:t>
             </a:r>
             <a:endParaRPr lang="en-US" sz="2400" b="0" strike="noStrike" spc="-1" dirty="0">
               <a:latin typeface="Arial"/>
@@ -9797,7 +9752,7 @@
                 </a:solidFill>
                 <a:latin typeface="Source Sans Pro Semibold"/>
               </a:rPr>
-              <a:t>A website with about ~250k users per day, 99.9% of them have no idea they are using it (via third parties).</a:t>
+              <a:t>Realized most weather websites are great for real-time, but have no archive capabilities.</a:t>
             </a:r>
             <a:endParaRPr lang="en-US" sz="2400" b="0" strike="noStrike" spc="-1" dirty="0">
               <a:latin typeface="Arial"/>
@@ -9832,7 +9787,7 @@
       </p:grpSpPr>
       <p:sp>
         <p:nvSpPr>
-          <p:cNvPr id="173" name="Rectangle 172"/>
+          <p:cNvPr id="171" name="Rectangle 170"/>
           <p:cNvSpPr/>
           <p:nvPr/>
         </p:nvSpPr>
@@ -9873,25 +9828,22 @@
               </a:lnSpc>
             </a:pPr>
             <a:r>
+              <a:rPr lang="en-US" sz="2700" b="1" spc="-1" dirty="0">
+                <a:solidFill>
+                  <a:srgbClr val="FFFFFF"/>
+                </a:solidFill>
+                <a:latin typeface="Source Sans Pro Black"/>
+              </a:rPr>
+              <a:t>T</a:t>
+            </a:r>
+            <a:r>
               <a:rPr lang="en-US" sz="2700" b="1" strike="noStrike" spc="-1" dirty="0">
                 <a:solidFill>
                   <a:srgbClr val="FFFFFF"/>
                 </a:solidFill>
                 <a:latin typeface="Source Sans Pro Black"/>
               </a:rPr>
-              <a:t>Some of the Datasets Curated</a:t>
-            </a:r>
-            <a:br>
-              <a:rPr dirty="0"/>
-            </a:br>
-            <a:r>
-              <a:rPr lang="en-US" sz="2700" b="1" strike="noStrike" spc="-1" dirty="0">
-                <a:solidFill>
-                  <a:srgbClr val="FFFFFF"/>
-                </a:solidFill>
-                <a:latin typeface="Source Sans Pro Black"/>
-              </a:rPr>
-              <a:t>(or how many abbreviations fit on one slide)</a:t>
+              <a:t>he result of my realizations</a:t>
             </a:r>
             <a:endParaRPr lang="en-US" sz="2700" b="0" strike="noStrike" spc="-1" dirty="0">
               <a:latin typeface="Arial"/>
@@ -9901,14 +9853,14 @@
       </p:sp>
       <p:sp>
         <p:nvSpPr>
-          <p:cNvPr id="174" name="Rectangle 173"/>
+          <p:cNvPr id="172" name="Rectangle 171"/>
           <p:cNvSpPr/>
           <p:nvPr/>
         </p:nvSpPr>
         <p:spPr>
           <a:xfrm>
             <a:off x="360000" y="1485000"/>
-            <a:ext cx="2929300" cy="3779640"/>
+            <a:ext cx="9359640" cy="3779640"/>
           </a:xfrm>
           <a:prstGeom prst="rect">
             <a:avLst/>
@@ -9932,7 +9884,7 @@
         </p:style>
         <p:txBody>
           <a:bodyPr lIns="0" tIns="0" rIns="0" bIns="0">
-            <a:normAutofit fontScale="66000" lnSpcReduction="20000"/>
+            <a:normAutofit fontScale="98500"/>
           </a:bodyPr>
           <a:lstStyle/>
           <a:p>
@@ -9957,7 +9909,25 @@
                 </a:solidFill>
                 <a:latin typeface="Source Sans Pro Semibold"/>
               </a:rPr>
-              <a:t>ASOS 1 Minute Data</a:t>
+              <a:t>A website with massive number of portals (~150), </a:t>
+            </a:r>
+            <a:r>
+              <a:rPr lang="en-US" sz="2400" b="1" strike="noStrike" spc="-1" dirty="0" err="1">
+                <a:solidFill>
+                  <a:srgbClr val="2C3E50"/>
+                </a:solidFill>
+                <a:latin typeface="Source Sans Pro Semibold"/>
+              </a:rPr>
+              <a:t>api</a:t>
+            </a:r>
+            <a:r>
+              <a:rPr lang="en-US" sz="2400" b="1" strike="noStrike" spc="-1" dirty="0">
+                <a:solidFill>
+                  <a:srgbClr val="2C3E50"/>
+                </a:solidFill>
+                <a:latin typeface="Source Sans Pro Semibold"/>
+              </a:rPr>
+              <a:t> services (~50), auto-plots (260), and spinning disk archives (~350 TB).</a:t>
             </a:r>
             <a:endParaRPr lang="en-US" sz="2400" b="0" strike="noStrike" spc="-1" dirty="0">
               <a:latin typeface="Arial"/>
@@ -9985,7 +9955,7 @@
                 </a:solidFill>
                 <a:latin typeface="Source Sans Pro Semibold"/>
               </a:rPr>
-              <a:t>AWC / CWSU products and web products</a:t>
+              <a:t>A website with intentionally stable URIs and predictable (maybe) interfaces to link against.</a:t>
             </a:r>
             <a:endParaRPr lang="en-US" sz="2400" b="0" strike="noStrike" spc="-1" dirty="0">
               <a:latin typeface="Arial"/>
@@ -10007,13 +9977,22 @@
               <a:buChar char=""/>
             </a:pPr>
             <a:r>
+              <a:rPr lang="en-US" sz="2400" b="1" strike="noStrike" spc="-1" dirty="0">
+                <a:solidFill>
+                  <a:srgbClr val="2C3E50"/>
+                </a:solidFill>
+                <a:latin typeface="Source Sans Pro Semibold"/>
+              </a:rPr>
+              <a:t>A website with all code on github.com/</a:t>
+            </a:r>
+            <a:r>
               <a:rPr lang="en-US" sz="2400" b="1" strike="noStrike" spc="-1" dirty="0" err="1">
                 <a:solidFill>
                   <a:srgbClr val="2C3E50"/>
                 </a:solidFill>
                 <a:latin typeface="Source Sans Pro Semibold"/>
               </a:rPr>
-              <a:t>Bukfit</a:t>
+              <a:t>akrherz</a:t>
             </a:r>
             <a:r>
               <a:rPr lang="en-US" sz="2400" b="1" strike="noStrike" spc="-1" dirty="0">
@@ -10022,7 +10001,7 @@
                 </a:solidFill>
                 <a:latin typeface="Source Sans Pro Semibold"/>
               </a:rPr>
-              <a:t> Profiles</a:t>
+              <a:t> with an open license.</a:t>
             </a:r>
             <a:endParaRPr lang="en-US" sz="2400" b="0" strike="noStrike" spc="-1" dirty="0">
               <a:latin typeface="Arial"/>
@@ -10050,853 +10029,8 @@
                 </a:solidFill>
                 <a:latin typeface="Source Sans Pro Semibold"/>
               </a:rPr>
-              <a:t>CLI Data</a:t>
-            </a:r>
-            <a:endParaRPr lang="en-US" sz="2400" b="0" strike="noStrike" spc="-1" dirty="0">
-              <a:latin typeface="Arial"/>
-            </a:endParaRPr>
-          </a:p>
-          <a:p>
-            <a:pPr marL="432000" indent="-323640">
-              <a:lnSpc>
-                <a:spcPct val="100000"/>
-              </a:lnSpc>
-              <a:spcAft>
-                <a:spcPts val="1057"/>
-              </a:spcAft>
-              <a:buClr>
-                <a:srgbClr val="2C3E50"/>
-              </a:buClr>
-              <a:buSzPct val="45000"/>
-              <a:buFont typeface="Wingdings" charset="2"/>
-              <a:buChar char=""/>
-            </a:pPr>
-            <a:r>
-              <a:rPr lang="en-US" sz="2400" b="1" strike="noStrike" spc="-1" dirty="0">
-                <a:solidFill>
-                  <a:srgbClr val="2C3E50"/>
-                </a:solidFill>
-                <a:latin typeface="Source Sans Pro Semibold"/>
-              </a:rPr>
-              <a:t>Global METAR</a:t>
-            </a:r>
-            <a:endParaRPr lang="en-US" sz="2400" b="0" strike="noStrike" spc="-1" dirty="0">
-              <a:latin typeface="Arial"/>
-            </a:endParaRPr>
-          </a:p>
-          <a:p>
-            <a:pPr marL="432000" indent="-323640">
-              <a:lnSpc>
-                <a:spcPct val="100000"/>
-              </a:lnSpc>
-              <a:spcAft>
-                <a:spcPts val="1057"/>
-              </a:spcAft>
-              <a:buClr>
-                <a:srgbClr val="2C3E50"/>
-              </a:buClr>
-              <a:buSzPct val="45000"/>
-              <a:buFont typeface="Wingdings" charset="2"/>
-              <a:buChar char=""/>
-            </a:pPr>
-            <a:r>
-              <a:rPr lang="en-US" sz="2400" b="1" strike="noStrike" spc="-1" dirty="0">
-                <a:solidFill>
-                  <a:srgbClr val="2C3E50"/>
-                </a:solidFill>
-                <a:latin typeface="Source Sans Pro Semibold"/>
-              </a:rPr>
-              <a:t>HML (River Stage Forecasts)</a:t>
-            </a:r>
-            <a:endParaRPr lang="en-US" sz="2400" b="0" strike="noStrike" spc="-1" dirty="0">
-              <a:latin typeface="Arial"/>
-            </a:endParaRPr>
-          </a:p>
-          <a:p>
-            <a:pPr marL="432000" indent="-323640">
-              <a:lnSpc>
-                <a:spcPct val="100000"/>
-              </a:lnSpc>
-              <a:spcAft>
-                <a:spcPts val="1057"/>
-              </a:spcAft>
-              <a:buClr>
-                <a:srgbClr val="2C3E50"/>
-              </a:buClr>
-              <a:buSzPct val="45000"/>
-              <a:buFont typeface="Wingdings" charset="2"/>
-              <a:buChar char=""/>
-            </a:pPr>
-            <a:r>
-              <a:rPr lang="en-US" sz="2400" b="1" strike="noStrike" spc="-1" dirty="0">
-                <a:solidFill>
-                  <a:srgbClr val="2C3E50"/>
-                </a:solidFill>
-                <a:latin typeface="Source Sans Pro Semibold"/>
-              </a:rPr>
-              <a:t>Iowa+ Webcams</a:t>
-            </a:r>
-          </a:p>
-          <a:p>
-            <a:pPr marL="432000" indent="-323640">
-              <a:lnSpc>
-                <a:spcPct val="100000"/>
-              </a:lnSpc>
-              <a:spcAft>
-                <a:spcPts val="1057"/>
-              </a:spcAft>
-              <a:buClr>
-                <a:srgbClr val="2C3E50"/>
-              </a:buClr>
-              <a:buSzPct val="45000"/>
-              <a:buFont typeface="Wingdings" charset="2"/>
-              <a:buChar char=""/>
-            </a:pPr>
-            <a:r>
-              <a:rPr lang="en-US" sz="2400" b="0" strike="noStrike" spc="-1" dirty="0">
-                <a:latin typeface="Arial"/>
-              </a:rPr>
-              <a:t>Iowa Track-A-Plow</a:t>
-            </a:r>
-          </a:p>
-          <a:p>
-            <a:pPr marL="432000" indent="-323640">
-              <a:lnSpc>
-                <a:spcPct val="100000"/>
-              </a:lnSpc>
-              <a:spcAft>
-                <a:spcPts val="1057"/>
-              </a:spcAft>
-              <a:buClr>
-                <a:srgbClr val="2C3E50"/>
-              </a:buClr>
-              <a:buSzPct val="45000"/>
-              <a:buFont typeface="Wingdings" charset="2"/>
-              <a:buChar char=""/>
-            </a:pPr>
-            <a:r>
-              <a:rPr lang="en-US" sz="2400" b="1" strike="noStrike" spc="-1" dirty="0">
-                <a:solidFill>
-                  <a:srgbClr val="2C3E50"/>
-                </a:solidFill>
-                <a:latin typeface="Source Sans Pro Semibold"/>
-              </a:rPr>
-              <a:t>Local Storm Reports</a:t>
-            </a:r>
-            <a:endParaRPr lang="en-US" sz="2400" b="0" strike="noStrike" spc="-1" dirty="0">
-              <a:latin typeface="Arial"/>
-            </a:endParaRPr>
-          </a:p>
-          <a:p>
-            <a:pPr marL="432000" indent="-323640">
-              <a:lnSpc>
-                <a:spcPct val="100000"/>
-              </a:lnSpc>
-              <a:spcAft>
-                <a:spcPts val="1057"/>
-              </a:spcAft>
-              <a:buClr>
-                <a:srgbClr val="2C3E50"/>
-              </a:buClr>
-              <a:buSzPct val="45000"/>
-              <a:buFont typeface="Wingdings" charset="2"/>
-              <a:buChar char=""/>
-            </a:pPr>
-            <a:r>
-              <a:rPr lang="en-US" sz="2400" b="1" strike="noStrike" spc="-1" dirty="0">
-                <a:solidFill>
-                  <a:srgbClr val="2C3E50"/>
-                </a:solidFill>
-                <a:latin typeface="Source Sans Pro Semibold"/>
-              </a:rPr>
-              <a:t>MADIS / HFMETAR</a:t>
-            </a:r>
-            <a:endParaRPr lang="en-US" sz="2400" b="0" strike="noStrike" spc="-1" dirty="0">
-              <a:latin typeface="Arial"/>
-            </a:endParaRPr>
-          </a:p>
-        </p:txBody>
-      </p:sp>
-      <p:sp>
-        <p:nvSpPr>
-          <p:cNvPr id="175" name="Rectangle 174"/>
-          <p:cNvSpPr/>
-          <p:nvPr/>
-        </p:nvSpPr>
-        <p:spPr>
-          <a:xfrm>
-            <a:off x="3352800" y="1485000"/>
-            <a:ext cx="3314700" cy="3779640"/>
-          </a:xfrm>
-          <a:prstGeom prst="rect">
-            <a:avLst/>
-          </a:prstGeom>
-          <a:noFill/>
-          <a:ln w="0">
-            <a:noFill/>
-          </a:ln>
-        </p:spPr>
-        <p:style>
-          <a:lnRef idx="0">
-            <a:scrgbClr r="0" g="0" b="0"/>
-          </a:lnRef>
-          <a:fillRef idx="0">
-            <a:scrgbClr r="0" g="0" b="0"/>
-          </a:fillRef>
-          <a:effectRef idx="0">
-            <a:scrgbClr r="0" g="0" b="0"/>
-          </a:effectRef>
-          <a:fontRef idx="minor"/>
-        </p:style>
-        <p:txBody>
-          <a:bodyPr lIns="0" tIns="0" rIns="0" bIns="0">
-            <a:normAutofit fontScale="71500" lnSpcReduction="20000"/>
-          </a:bodyPr>
-          <a:lstStyle/>
-          <a:p>
-            <a:pPr marL="432000" indent="-323640">
-              <a:lnSpc>
-                <a:spcPct val="100000"/>
-              </a:lnSpc>
-              <a:spcAft>
-                <a:spcPts val="1057"/>
-              </a:spcAft>
-              <a:buClr>
-                <a:srgbClr val="2C3E50"/>
-              </a:buClr>
-              <a:buSzPct val="45000"/>
-              <a:buFont typeface="Wingdings" charset="2"/>
-              <a:buChar char=""/>
-            </a:pPr>
-            <a:r>
-              <a:rPr lang="en-US" sz="2400" b="1" strike="noStrike" spc="-1" dirty="0">
-                <a:solidFill>
-                  <a:srgbClr val="2C3E50"/>
-                </a:solidFill>
-                <a:latin typeface="Source Sans Pro Semibold"/>
-              </a:rPr>
-              <a:t>MRMS</a:t>
-            </a:r>
-            <a:endParaRPr lang="en-US" sz="2400" b="0" strike="noStrike" spc="-1" dirty="0">
-              <a:latin typeface="Arial"/>
-            </a:endParaRPr>
-          </a:p>
-          <a:p>
-            <a:pPr marL="432000" indent="-323640">
-              <a:lnSpc>
-                <a:spcPct val="100000"/>
-              </a:lnSpc>
-              <a:spcAft>
-                <a:spcPts val="1057"/>
-              </a:spcAft>
-              <a:buClr>
-                <a:srgbClr val="2C3E50"/>
-              </a:buClr>
-              <a:buSzPct val="45000"/>
-              <a:buFont typeface="Wingdings" charset="2"/>
-              <a:buChar char=""/>
-            </a:pPr>
-            <a:r>
-              <a:rPr lang="en-US" sz="2400" b="1" strike="noStrike" spc="-1" dirty="0">
-                <a:solidFill>
-                  <a:srgbClr val="2C3E50"/>
-                </a:solidFill>
-                <a:latin typeface="Source Sans Pro Semibold"/>
-              </a:rPr>
-              <a:t>NCEP F000 Models</a:t>
-            </a:r>
-            <a:endParaRPr lang="en-US" sz="2400" b="0" strike="noStrike" spc="-1" dirty="0">
-              <a:latin typeface="Arial"/>
-            </a:endParaRPr>
-          </a:p>
-          <a:p>
-            <a:pPr marL="432000" indent="-323640">
-              <a:lnSpc>
-                <a:spcPct val="100000"/>
-              </a:lnSpc>
-              <a:spcAft>
-                <a:spcPts val="1057"/>
-              </a:spcAft>
-              <a:buClr>
-                <a:srgbClr val="2C3E50"/>
-              </a:buClr>
-              <a:buSzPct val="45000"/>
-              <a:buFont typeface="Wingdings" charset="2"/>
-              <a:buChar char=""/>
-            </a:pPr>
-            <a:r>
-              <a:rPr lang="en-US" sz="2400" b="1" strike="noStrike" spc="-1" dirty="0">
-                <a:solidFill>
-                  <a:srgbClr val="2C3E50"/>
-                </a:solidFill>
-                <a:latin typeface="Source Sans Pro Semibold"/>
-              </a:rPr>
-              <a:t>NEXRAD Attributes</a:t>
-            </a:r>
-            <a:endParaRPr lang="en-US" sz="2400" b="0" strike="noStrike" spc="-1" dirty="0">
-              <a:latin typeface="Arial"/>
-            </a:endParaRPr>
-          </a:p>
-          <a:p>
-            <a:pPr marL="432000" indent="-323640">
-              <a:lnSpc>
-                <a:spcPct val="100000"/>
-              </a:lnSpc>
-              <a:spcAft>
-                <a:spcPts val="1057"/>
-              </a:spcAft>
-              <a:buClr>
-                <a:srgbClr val="2C3E50"/>
-              </a:buClr>
-              <a:buSzPct val="45000"/>
-              <a:buFont typeface="Wingdings" charset="2"/>
-              <a:buChar char=""/>
-            </a:pPr>
-            <a:r>
-              <a:rPr lang="en-US" sz="2400" b="1" strike="noStrike" spc="-1" dirty="0">
-                <a:solidFill>
-                  <a:srgbClr val="2C3E50"/>
-                </a:solidFill>
-                <a:latin typeface="Source Sans Pro Semibold"/>
-              </a:rPr>
-              <a:t>NEXRAD Level II Live Data</a:t>
-            </a:r>
-          </a:p>
-          <a:p>
-            <a:pPr marL="432000" indent="-323640">
-              <a:lnSpc>
-                <a:spcPct val="100000"/>
-              </a:lnSpc>
-              <a:spcAft>
-                <a:spcPts val="1057"/>
-              </a:spcAft>
-              <a:buClr>
-                <a:srgbClr val="2C3E50"/>
-              </a:buClr>
-              <a:buSzPct val="45000"/>
-              <a:buFont typeface="Wingdings" charset="2"/>
-              <a:buChar char=""/>
-            </a:pPr>
-            <a:r>
-              <a:rPr lang="en-US" sz="2400" b="1" strike="noStrike" spc="-1" dirty="0">
-                <a:solidFill>
-                  <a:srgbClr val="2C3E50"/>
-                </a:solidFill>
-                <a:latin typeface="Source Sans Pro Semibold"/>
-              </a:rPr>
-              <a:t>NRCS SCAN</a:t>
-            </a:r>
-            <a:endParaRPr lang="en-US" sz="2400" b="0" strike="noStrike" spc="-1" dirty="0">
-              <a:latin typeface="Arial"/>
-            </a:endParaRPr>
-          </a:p>
-          <a:p>
-            <a:pPr marL="432000" indent="-323640">
-              <a:lnSpc>
-                <a:spcPct val="100000"/>
-              </a:lnSpc>
-              <a:spcAft>
-                <a:spcPts val="1057"/>
-              </a:spcAft>
-              <a:buClr>
-                <a:srgbClr val="2C3E50"/>
-              </a:buClr>
-              <a:buSzPct val="45000"/>
-              <a:buFont typeface="Wingdings" charset="2"/>
-              <a:buChar char=""/>
-            </a:pPr>
-            <a:r>
-              <a:rPr lang="en-US" sz="2400" b="1" strike="noStrike" spc="-1" dirty="0">
-                <a:solidFill>
-                  <a:srgbClr val="2C3E50"/>
-                </a:solidFill>
-                <a:latin typeface="Source Sans Pro Semibold"/>
-              </a:rPr>
-              <a:t>NWS Text Archive</a:t>
-            </a:r>
-            <a:endParaRPr lang="en-US" sz="2400" b="0" strike="noStrike" spc="-1" dirty="0">
-              <a:latin typeface="Arial"/>
-            </a:endParaRPr>
-          </a:p>
-          <a:p>
-            <a:pPr marL="432000" indent="-323640">
-              <a:lnSpc>
-                <a:spcPct val="100000"/>
-              </a:lnSpc>
-              <a:spcAft>
-                <a:spcPts val="1057"/>
-              </a:spcAft>
-              <a:buClr>
-                <a:srgbClr val="2C3E50"/>
-              </a:buClr>
-              <a:buSzPct val="45000"/>
-              <a:buFont typeface="Wingdings" charset="2"/>
-              <a:buChar char=""/>
-            </a:pPr>
-            <a:r>
-              <a:rPr lang="en-US" sz="2400" b="1" strike="noStrike" spc="-1" dirty="0">
-                <a:solidFill>
-                  <a:srgbClr val="2C3E50"/>
-                </a:solidFill>
-                <a:latin typeface="Source Sans Pro Semibold"/>
-              </a:rPr>
-              <a:t>NWS </a:t>
-            </a:r>
-            <a:r>
-              <a:rPr lang="en-US" sz="2400" b="1" strike="noStrike" spc="-1" dirty="0" err="1">
-                <a:solidFill>
-                  <a:srgbClr val="2C3E50"/>
-                </a:solidFill>
-                <a:latin typeface="Source Sans Pro Semibold"/>
-              </a:rPr>
-              <a:t>WaWA</a:t>
-            </a:r>
-            <a:r>
-              <a:rPr lang="en-US" sz="2400" b="1" strike="noStrike" spc="-1" dirty="0">
-                <a:solidFill>
-                  <a:srgbClr val="2C3E50"/>
-                </a:solidFill>
-                <a:latin typeface="Source Sans Pro Semibold"/>
-              </a:rPr>
-              <a:t> Map</a:t>
-            </a:r>
-            <a:endParaRPr lang="en-US" sz="2400" b="0" strike="noStrike" spc="-1" dirty="0">
-              <a:latin typeface="Arial"/>
-            </a:endParaRPr>
-          </a:p>
-          <a:p>
-            <a:pPr marL="432000" indent="-323640">
-              <a:lnSpc>
-                <a:spcPct val="100000"/>
-              </a:lnSpc>
-              <a:spcAft>
-                <a:spcPts val="1057"/>
-              </a:spcAft>
-              <a:buClr>
-                <a:srgbClr val="2C3E50"/>
-              </a:buClr>
-              <a:buSzPct val="45000"/>
-              <a:buFont typeface="Wingdings" charset="2"/>
-              <a:buChar char=""/>
-            </a:pPr>
-            <a:r>
-              <a:rPr lang="en-US" sz="2400" b="1" strike="noStrike" spc="-1" dirty="0">
-                <a:solidFill>
-                  <a:srgbClr val="2C3E50"/>
-                </a:solidFill>
-                <a:latin typeface="Source Sans Pro Semibold"/>
-              </a:rPr>
-              <a:t>PIREPs</a:t>
-            </a:r>
-            <a:endParaRPr lang="en-US" sz="2400" b="0" strike="noStrike" spc="-1" dirty="0">
-              <a:latin typeface="Arial"/>
-            </a:endParaRPr>
-          </a:p>
-          <a:p>
-            <a:pPr marL="432000" indent="-323640">
-              <a:lnSpc>
-                <a:spcPct val="100000"/>
-              </a:lnSpc>
-              <a:spcAft>
-                <a:spcPts val="1057"/>
-              </a:spcAft>
-              <a:buClr>
-                <a:srgbClr val="2C3E50"/>
-              </a:buClr>
-              <a:buSzPct val="45000"/>
-              <a:buFont typeface="Wingdings" charset="2"/>
-              <a:buChar char=""/>
-            </a:pPr>
-            <a:r>
-              <a:rPr lang="en-US" sz="2400" b="1" strike="noStrike" spc="-1" dirty="0">
-                <a:solidFill>
-                  <a:srgbClr val="2C3E50"/>
-                </a:solidFill>
-                <a:latin typeface="Source Sans Pro Semibold"/>
-              </a:rPr>
-              <a:t>Public RWIS Networks</a:t>
-            </a:r>
-            <a:endParaRPr lang="en-US" sz="2400" b="0" strike="noStrike" spc="-1" dirty="0">
-              <a:latin typeface="Arial"/>
-            </a:endParaRPr>
-          </a:p>
-          <a:p>
-            <a:pPr marL="432000" indent="-323640">
-              <a:lnSpc>
-                <a:spcPct val="100000"/>
-              </a:lnSpc>
-              <a:spcAft>
-                <a:spcPts val="1057"/>
-              </a:spcAft>
-              <a:buClr>
-                <a:srgbClr val="2C3E50"/>
-              </a:buClr>
-              <a:buSzPct val="45000"/>
-              <a:buFont typeface="Wingdings" charset="2"/>
-              <a:buChar char=""/>
-            </a:pPr>
-            <a:r>
-              <a:rPr lang="en-US" sz="2400" b="1" strike="noStrike" spc="-1" dirty="0">
-                <a:solidFill>
-                  <a:srgbClr val="2C3E50"/>
-                </a:solidFill>
-                <a:latin typeface="Source Sans Pro Semibold"/>
-              </a:rPr>
-              <a:t>RADAR Products (Single/Mosaic)</a:t>
-            </a:r>
-            <a:endParaRPr lang="en-US" sz="2400" b="0" strike="noStrike" spc="-1" dirty="0">
-              <a:latin typeface="Arial"/>
-            </a:endParaRPr>
-          </a:p>
-          <a:p>
-            <a:pPr>
-              <a:lnSpc>
-                <a:spcPct val="100000"/>
-              </a:lnSpc>
-              <a:spcAft>
-                <a:spcPts val="1057"/>
-              </a:spcAft>
-            </a:pPr>
-            <a:endParaRPr lang="en-US" sz="2400" b="0" strike="noStrike" spc="-1" dirty="0">
-              <a:latin typeface="Arial"/>
-            </a:endParaRPr>
-          </a:p>
-        </p:txBody>
-      </p:sp>
-      <p:sp>
-        <p:nvSpPr>
-          <p:cNvPr id="2" name="Rectangle 1">
-            <a:extLst>
-              <a:ext uri="{FF2B5EF4-FFF2-40B4-BE49-F238E27FC236}">
-                <a16:creationId xmlns:a16="http://schemas.microsoft.com/office/drawing/2014/main" id="{0A5A1FC8-E032-47CE-9EF3-7150096F9BC4}"/>
-              </a:ext>
-            </a:extLst>
-          </p:cNvPr>
-          <p:cNvSpPr/>
-          <p:nvPr/>
-        </p:nvSpPr>
-        <p:spPr>
-          <a:xfrm>
-            <a:off x="6218600" y="1485000"/>
-            <a:ext cx="3314700" cy="3779640"/>
-          </a:xfrm>
-          <a:prstGeom prst="rect">
-            <a:avLst/>
-          </a:prstGeom>
-          <a:noFill/>
-          <a:ln w="0">
-            <a:noFill/>
-          </a:ln>
-        </p:spPr>
-        <p:style>
-          <a:lnRef idx="0">
-            <a:scrgbClr r="0" g="0" b="0"/>
-          </a:lnRef>
-          <a:fillRef idx="0">
-            <a:scrgbClr r="0" g="0" b="0"/>
-          </a:fillRef>
-          <a:effectRef idx="0">
-            <a:scrgbClr r="0" g="0" b="0"/>
-          </a:effectRef>
-          <a:fontRef idx="minor"/>
-        </p:style>
-        <p:txBody>
-          <a:bodyPr lIns="0" tIns="0" rIns="0" bIns="0">
-            <a:normAutofit fontScale="71500" lnSpcReduction="20000"/>
-          </a:bodyPr>
-          <a:lstStyle/>
-          <a:p>
-            <a:pPr marL="432000" indent="-323640">
-              <a:lnSpc>
-                <a:spcPct val="100000"/>
-              </a:lnSpc>
-              <a:spcAft>
-                <a:spcPts val="1057"/>
-              </a:spcAft>
-              <a:buClr>
-                <a:srgbClr val="2C3E50"/>
-              </a:buClr>
-              <a:buSzPct val="45000"/>
-              <a:buFont typeface="Wingdings" charset="2"/>
-              <a:buChar char=""/>
-            </a:pPr>
-            <a:r>
-              <a:rPr lang="en-US" sz="2400" b="1" strike="noStrike" spc="-1" dirty="0">
-                <a:solidFill>
-                  <a:srgbClr val="2C3E50"/>
-                </a:solidFill>
-                <a:latin typeface="Source Sans Pro Semibold"/>
-              </a:rPr>
-              <a:t>RTMA</a:t>
-            </a:r>
-          </a:p>
-          <a:p>
-            <a:pPr marL="432000" indent="-323640">
-              <a:lnSpc>
-                <a:spcPct val="100000"/>
-              </a:lnSpc>
-              <a:spcAft>
-                <a:spcPts val="1057"/>
-              </a:spcAft>
-              <a:buClr>
-                <a:srgbClr val="2C3E50"/>
-              </a:buClr>
-              <a:buSzPct val="45000"/>
-              <a:buFont typeface="Wingdings" charset="2"/>
-              <a:buChar char=""/>
-            </a:pPr>
-            <a:r>
-              <a:rPr lang="en-US" sz="2400" b="0" strike="noStrike" spc="-1" dirty="0">
-                <a:latin typeface="Arial"/>
-              </a:rPr>
-              <a:t>RWIS</a:t>
-            </a:r>
-          </a:p>
-          <a:p>
-            <a:pPr marL="432000" indent="-323640">
-              <a:lnSpc>
-                <a:spcPct val="100000"/>
-              </a:lnSpc>
-              <a:spcAft>
-                <a:spcPts val="1057"/>
-              </a:spcAft>
-              <a:buClr>
-                <a:srgbClr val="2C3E50"/>
-              </a:buClr>
-              <a:buSzPct val="45000"/>
-              <a:buFont typeface="Wingdings" charset="2"/>
-              <a:buChar char=""/>
-            </a:pPr>
-            <a:r>
-              <a:rPr lang="en-US" sz="2400" b="1" strike="noStrike" spc="-1" dirty="0">
-                <a:solidFill>
-                  <a:srgbClr val="2C3E50"/>
-                </a:solidFill>
-                <a:latin typeface="Source Sans Pro Semibold"/>
-              </a:rPr>
-              <a:t>SHEF HADS/DCP/COOP</a:t>
-            </a:r>
-            <a:endParaRPr lang="en-US" sz="2400" b="0" strike="noStrike" spc="-1" dirty="0">
-              <a:latin typeface="Arial"/>
-            </a:endParaRPr>
-          </a:p>
-          <a:p>
-            <a:pPr marL="432000" indent="-323640">
-              <a:lnSpc>
-                <a:spcPct val="100000"/>
-              </a:lnSpc>
-              <a:spcAft>
-                <a:spcPts val="1057"/>
-              </a:spcAft>
-              <a:buClr>
-                <a:srgbClr val="2C3E50"/>
-              </a:buClr>
-              <a:buSzPct val="45000"/>
-              <a:buFont typeface="Wingdings" charset="2"/>
-              <a:buChar char=""/>
-            </a:pPr>
-            <a:r>
-              <a:rPr lang="en-US" sz="2400" b="1" strike="noStrike" spc="-1" dirty="0">
-                <a:solidFill>
-                  <a:srgbClr val="2C3E50"/>
-                </a:solidFill>
-                <a:latin typeface="Source Sans Pro Semibold"/>
-              </a:rPr>
-              <a:t>SIGMETs</a:t>
-            </a:r>
-            <a:endParaRPr lang="en-US" sz="2400" b="0" strike="noStrike" spc="-1" dirty="0">
-              <a:latin typeface="Arial"/>
-            </a:endParaRPr>
-          </a:p>
-          <a:p>
-            <a:pPr marL="432000" indent="-323640">
-              <a:lnSpc>
-                <a:spcPct val="100000"/>
-              </a:lnSpc>
-              <a:spcAft>
-                <a:spcPts val="1057"/>
-              </a:spcAft>
-              <a:buClr>
-                <a:srgbClr val="2C3E50"/>
-              </a:buClr>
-              <a:buSzPct val="45000"/>
-              <a:buFont typeface="Wingdings" charset="2"/>
-              <a:buChar char=""/>
-            </a:pPr>
-            <a:r>
-              <a:rPr lang="en-US" sz="2400" b="1" strike="noStrike" spc="-1" dirty="0">
-                <a:solidFill>
-                  <a:srgbClr val="2C3E50"/>
-                </a:solidFill>
-                <a:latin typeface="Source Sans Pro Semibold"/>
-              </a:rPr>
-              <a:t>SPC MCD/Watches/Outlooks</a:t>
-            </a:r>
-            <a:endParaRPr lang="en-US" sz="2400" b="0" strike="noStrike" spc="-1" dirty="0">
-              <a:latin typeface="Arial"/>
-            </a:endParaRPr>
-          </a:p>
-          <a:p>
-            <a:pPr marL="432000" indent="-323640">
-              <a:lnSpc>
-                <a:spcPct val="100000"/>
-              </a:lnSpc>
-              <a:spcAft>
-                <a:spcPts val="1057"/>
-              </a:spcAft>
-              <a:buClr>
-                <a:srgbClr val="2C3E50"/>
-              </a:buClr>
-              <a:buSzPct val="45000"/>
-              <a:buFont typeface="Wingdings" charset="2"/>
-              <a:buChar char=""/>
-            </a:pPr>
-            <a:r>
-              <a:rPr lang="en-US" sz="2400" b="1" strike="noStrike" spc="-1" dirty="0">
-                <a:solidFill>
-                  <a:srgbClr val="2C3E50"/>
-                </a:solidFill>
-                <a:latin typeface="Source Sans Pro Semibold"/>
-              </a:rPr>
-              <a:t>SMOS Satellite</a:t>
-            </a:r>
-            <a:endParaRPr lang="en-US" sz="2400" b="0" strike="noStrike" spc="-1" dirty="0">
-              <a:latin typeface="Arial"/>
-            </a:endParaRPr>
-          </a:p>
-          <a:p>
-            <a:pPr marL="432000" indent="-323640">
-              <a:lnSpc>
-                <a:spcPct val="100000"/>
-              </a:lnSpc>
-              <a:spcAft>
-                <a:spcPts val="1057"/>
-              </a:spcAft>
-              <a:buClr>
-                <a:srgbClr val="2C3E50"/>
-              </a:buClr>
-              <a:buSzPct val="45000"/>
-              <a:buFont typeface="Wingdings" charset="2"/>
-              <a:buChar char=""/>
-            </a:pPr>
-            <a:r>
-              <a:rPr lang="en-US" sz="2400" b="1" strike="noStrike" spc="-1" dirty="0">
-                <a:solidFill>
-                  <a:srgbClr val="2C3E50"/>
-                </a:solidFill>
-                <a:latin typeface="Source Sans Pro Semibold"/>
-              </a:rPr>
-              <a:t>Soundings</a:t>
-            </a:r>
-            <a:endParaRPr lang="en-US" sz="2400" b="0" strike="noStrike" spc="-1" dirty="0">
-              <a:latin typeface="Arial"/>
-            </a:endParaRPr>
-          </a:p>
-          <a:p>
-            <a:pPr marL="432000" indent="-323640">
-              <a:lnSpc>
-                <a:spcPct val="100000"/>
-              </a:lnSpc>
-              <a:spcAft>
-                <a:spcPts val="1057"/>
-              </a:spcAft>
-              <a:buClr>
-                <a:srgbClr val="2C3E50"/>
-              </a:buClr>
-              <a:buSzPct val="45000"/>
-              <a:buFont typeface="Wingdings" charset="2"/>
-              <a:buChar char=""/>
-            </a:pPr>
-            <a:r>
-              <a:rPr lang="en-US" sz="2400" b="1" strike="noStrike" spc="-1" dirty="0">
-                <a:solidFill>
-                  <a:srgbClr val="2C3E50"/>
-                </a:solidFill>
-                <a:latin typeface="Source Sans Pro Semibold"/>
-              </a:rPr>
-              <a:t>Text MOS</a:t>
-            </a:r>
-            <a:endParaRPr lang="en-US" sz="2400" b="0" strike="noStrike" spc="-1" dirty="0">
-              <a:latin typeface="Arial"/>
-            </a:endParaRPr>
-          </a:p>
-          <a:p>
-            <a:pPr marL="432000" indent="-323640">
-              <a:lnSpc>
-                <a:spcPct val="100000"/>
-              </a:lnSpc>
-              <a:spcAft>
-                <a:spcPts val="1057"/>
-              </a:spcAft>
-              <a:buClr>
-                <a:srgbClr val="2C3E50"/>
-              </a:buClr>
-              <a:buSzPct val="45000"/>
-              <a:buFont typeface="Wingdings" charset="2"/>
-              <a:buChar char=""/>
-            </a:pPr>
-            <a:r>
-              <a:rPr lang="en-US" sz="2400" b="1" strike="noStrike" spc="-1" dirty="0">
-                <a:solidFill>
-                  <a:srgbClr val="2C3E50"/>
-                </a:solidFill>
-                <a:latin typeface="Source Sans Pro Semibold"/>
-              </a:rPr>
-              <a:t>VTEC </a:t>
-            </a:r>
-            <a:r>
-              <a:rPr lang="en-US" sz="2400" b="1" strike="noStrike" spc="-1" dirty="0" err="1">
-                <a:solidFill>
-                  <a:srgbClr val="2C3E50"/>
-                </a:solidFill>
-                <a:latin typeface="Source Sans Pro Semibold"/>
-              </a:rPr>
-              <a:t>WaWA</a:t>
-            </a:r>
-            <a:endParaRPr lang="en-US" sz="2400" b="1" strike="noStrike" spc="-1" dirty="0">
-              <a:solidFill>
-                <a:srgbClr val="2C3E50"/>
-              </a:solidFill>
-              <a:latin typeface="Source Sans Pro Semibold"/>
-            </a:endParaRPr>
-          </a:p>
-          <a:p>
-            <a:pPr marL="432000" indent="-323640">
-              <a:lnSpc>
-                <a:spcPct val="100000"/>
-              </a:lnSpc>
-              <a:spcAft>
-                <a:spcPts val="1057"/>
-              </a:spcAft>
-              <a:buClr>
-                <a:srgbClr val="2C3E50"/>
-              </a:buClr>
-              <a:buSzPct val="45000"/>
-              <a:buFont typeface="Wingdings" charset="2"/>
-              <a:buChar char=""/>
-            </a:pPr>
-            <a:r>
-              <a:rPr lang="en-US" sz="2400" b="1" spc="-1" dirty="0">
-                <a:solidFill>
-                  <a:srgbClr val="2C3E50"/>
-                </a:solidFill>
-                <a:latin typeface="Source Sans Pro Semibold"/>
-              </a:rPr>
-              <a:t>Winter Road Conditions (Iowa)</a:t>
-            </a:r>
-            <a:endParaRPr lang="en-US" sz="2400" b="0" strike="noStrike" spc="-1" dirty="0">
-              <a:latin typeface="Arial"/>
-            </a:endParaRPr>
-          </a:p>
-          <a:p>
-            <a:pPr>
-              <a:lnSpc>
-                <a:spcPct val="100000"/>
-              </a:lnSpc>
-              <a:spcAft>
-                <a:spcPts val="1057"/>
-              </a:spcAft>
-            </a:pPr>
+              <a:t>A website with about ~250k users per day, 99.9% of them have no idea they are using it (via third parties).</a:t>
+            </a:r>
             <a:endParaRPr lang="en-US" sz="2400" b="0" strike="noStrike" spc="-1" dirty="0">
               <a:latin typeface="Arial"/>
             </a:endParaRPr>
@@ -10930,7 +10064,7 @@
       </p:grpSpPr>
       <p:sp>
         <p:nvSpPr>
-          <p:cNvPr id="176" name="Rectangle 175"/>
+          <p:cNvPr id="173" name="Rectangle 172"/>
           <p:cNvSpPr/>
           <p:nvPr/>
         </p:nvSpPr>
@@ -10971,30 +10105,51 @@
               </a:lnSpc>
             </a:pPr>
             <a:r>
-              <a:rPr lang="en-US" sz="2700" b="1" strike="noStrike" spc="-1">
+              <a:rPr lang="en-US" sz="2700" b="1" strike="noStrike" spc="-1" dirty="0">
+                <a:solidFill>
+                  <a:srgbClr val="FFFF00"/>
+                </a:solidFill>
+                <a:latin typeface="Source Sans Pro Black"/>
+              </a:rPr>
+              <a:t>Some</a:t>
+            </a:r>
+            <a:r>
+              <a:rPr lang="en-US" sz="2700" b="1" strike="noStrike" spc="-1" dirty="0">
                 <a:solidFill>
                   <a:srgbClr val="FFFFFF"/>
                 </a:solidFill>
                 <a:latin typeface="Source Sans Pro Black"/>
               </a:rPr>
-              <a:t>The moral of today’s talk:</a:t>
-            </a:r>
-            <a:endParaRPr lang="en-US" sz="2700" b="0" strike="noStrike" spc="-1">
-              <a:latin typeface="Arial"/>
-            </a:endParaRPr>
-          </a:p>
-        </p:txBody>
-      </p:sp>
-      <p:sp>
-        <p:nvSpPr>
-          <p:cNvPr id="177" name="Rectangle 176"/>
+              <a:t> of the Datasets Curated</a:t>
+            </a:r>
+            <a:br>
+              <a:rPr dirty="0"/>
+            </a:br>
+            <a:r>
+              <a:rPr lang="en-US" sz="2700" b="1" strike="noStrike" spc="-1" dirty="0">
+                <a:solidFill>
+                  <a:srgbClr val="FFFFFF"/>
+                </a:solidFill>
+                <a:latin typeface="Source Sans Pro Black"/>
+              </a:rPr>
+              <a:t>(or how many abbreviations fit on one slide)</a:t>
+            </a:r>
+            <a:endParaRPr lang="en-US" sz="2700" b="0" strike="noStrike" spc="-1" dirty="0">
+              <a:latin typeface="Arial"/>
+            </a:endParaRPr>
+          </a:p>
+        </p:txBody>
+      </p:sp>
+      <p:sp>
+        <p:nvSpPr>
+          <p:cNvPr id="174" name="Rectangle 173"/>
           <p:cNvSpPr/>
           <p:nvPr/>
         </p:nvSpPr>
         <p:spPr>
           <a:xfrm>
             <a:off x="360000" y="1485000"/>
-            <a:ext cx="9359640" cy="3779640"/>
+            <a:ext cx="2929300" cy="3779640"/>
           </a:xfrm>
           <a:prstGeom prst="rect">
             <a:avLst/>
@@ -11018,7 +10173,7 @@
         </p:style>
         <p:txBody>
           <a:bodyPr lIns="0" tIns="0" rIns="0" bIns="0">
-            <a:normAutofit fontScale="99500"/>
+            <a:normAutofit fontScale="66000" lnSpcReduction="20000"/>
           </a:bodyPr>
           <a:lstStyle/>
           <a:p>
@@ -11043,8 +10198,11 @@
                 </a:solidFill>
                 <a:latin typeface="Source Sans Pro Semibold"/>
               </a:rPr>
-              <a:t>My website is neither official nor provides certified data, but is hopefully helpful as a screening tool with high fidelity archives. </a:t>
-            </a:r>
+              <a:t>ASOS 1 Minute Data</a:t>
+            </a:r>
+            <a:endParaRPr lang="en-US" sz="2400" b="0" strike="noStrike" spc="-1" dirty="0">
+              <a:latin typeface="Arial"/>
+            </a:endParaRPr>
           </a:p>
           <a:p>
             <a:pPr marL="432000" indent="-323640">
@@ -11068,8 +10226,896 @@
                 </a:solidFill>
                 <a:latin typeface="Source Sans Pro Semibold"/>
               </a:rPr>
-              <a:t>If you visit my website and fail to locate some archive within 5 minutes</a:t>
-            </a:r>
+              <a:t>AWC / CWSU products and web products</a:t>
+            </a:r>
+            <a:endParaRPr lang="en-US" sz="2400" b="0" strike="noStrike" spc="-1" dirty="0">
+              <a:latin typeface="Arial"/>
+            </a:endParaRPr>
+          </a:p>
+          <a:p>
+            <a:pPr marL="432000" indent="-323640">
+              <a:lnSpc>
+                <a:spcPct val="100000"/>
+              </a:lnSpc>
+              <a:spcAft>
+                <a:spcPts val="1057"/>
+              </a:spcAft>
+              <a:buClr>
+                <a:srgbClr val="2C3E50"/>
+              </a:buClr>
+              <a:buSzPct val="45000"/>
+              <a:buFont typeface="Wingdings" charset="2"/>
+              <a:buChar char=""/>
+            </a:pPr>
+            <a:r>
+              <a:rPr lang="en-US" sz="2400" b="1" strike="noStrike" spc="-1" dirty="0" err="1">
+                <a:solidFill>
+                  <a:srgbClr val="2C3E50"/>
+                </a:solidFill>
+                <a:latin typeface="Source Sans Pro Semibold"/>
+              </a:rPr>
+              <a:t>Bukfit</a:t>
+            </a:r>
+            <a:r>
+              <a:rPr lang="en-US" sz="2400" b="1" strike="noStrike" spc="-1" dirty="0">
+                <a:solidFill>
+                  <a:srgbClr val="2C3E50"/>
+                </a:solidFill>
+                <a:latin typeface="Source Sans Pro Semibold"/>
+              </a:rPr>
+              <a:t> Profiles</a:t>
+            </a:r>
+            <a:endParaRPr lang="en-US" sz="2400" b="0" strike="noStrike" spc="-1" dirty="0">
+              <a:latin typeface="Arial"/>
+            </a:endParaRPr>
+          </a:p>
+          <a:p>
+            <a:pPr marL="432000" indent="-323640">
+              <a:lnSpc>
+                <a:spcPct val="100000"/>
+              </a:lnSpc>
+              <a:spcAft>
+                <a:spcPts val="1057"/>
+              </a:spcAft>
+              <a:buClr>
+                <a:srgbClr val="2C3E50"/>
+              </a:buClr>
+              <a:buSzPct val="45000"/>
+              <a:buFont typeface="Wingdings" charset="2"/>
+              <a:buChar char=""/>
+            </a:pPr>
+            <a:r>
+              <a:rPr lang="en-US" sz="2400" b="1" strike="noStrike" spc="-1" dirty="0">
+                <a:solidFill>
+                  <a:srgbClr val="2C3E50"/>
+                </a:solidFill>
+                <a:latin typeface="Source Sans Pro Semibold"/>
+              </a:rPr>
+              <a:t>CLI Data</a:t>
+            </a:r>
+            <a:endParaRPr lang="en-US" sz="2400" b="0" strike="noStrike" spc="-1" dirty="0">
+              <a:latin typeface="Arial"/>
+            </a:endParaRPr>
+          </a:p>
+          <a:p>
+            <a:pPr marL="432000" indent="-323640">
+              <a:lnSpc>
+                <a:spcPct val="100000"/>
+              </a:lnSpc>
+              <a:spcAft>
+                <a:spcPts val="1057"/>
+              </a:spcAft>
+              <a:buClr>
+                <a:srgbClr val="2C3E50"/>
+              </a:buClr>
+              <a:buSzPct val="45000"/>
+              <a:buFont typeface="Wingdings" charset="2"/>
+              <a:buChar char=""/>
+            </a:pPr>
+            <a:r>
+              <a:rPr lang="en-US" sz="2400" b="1" strike="noStrike" spc="-1" dirty="0">
+                <a:solidFill>
+                  <a:srgbClr val="2C3E50"/>
+                </a:solidFill>
+                <a:latin typeface="Source Sans Pro Semibold"/>
+              </a:rPr>
+              <a:t>Global METAR</a:t>
+            </a:r>
+            <a:endParaRPr lang="en-US" sz="2400" b="0" strike="noStrike" spc="-1" dirty="0">
+              <a:latin typeface="Arial"/>
+            </a:endParaRPr>
+          </a:p>
+          <a:p>
+            <a:pPr marL="432000" indent="-323640">
+              <a:lnSpc>
+                <a:spcPct val="100000"/>
+              </a:lnSpc>
+              <a:spcAft>
+                <a:spcPts val="1057"/>
+              </a:spcAft>
+              <a:buClr>
+                <a:srgbClr val="2C3E50"/>
+              </a:buClr>
+              <a:buSzPct val="45000"/>
+              <a:buFont typeface="Wingdings" charset="2"/>
+              <a:buChar char=""/>
+            </a:pPr>
+            <a:r>
+              <a:rPr lang="en-US" sz="2400" b="1" strike="noStrike" spc="-1" dirty="0">
+                <a:solidFill>
+                  <a:srgbClr val="2C3E50"/>
+                </a:solidFill>
+                <a:latin typeface="Source Sans Pro Semibold"/>
+              </a:rPr>
+              <a:t>HML (River Stage Forecasts)</a:t>
+            </a:r>
+            <a:endParaRPr lang="en-US" sz="2400" b="0" strike="noStrike" spc="-1" dirty="0">
+              <a:latin typeface="Arial"/>
+            </a:endParaRPr>
+          </a:p>
+          <a:p>
+            <a:pPr marL="432000" indent="-323640">
+              <a:lnSpc>
+                <a:spcPct val="100000"/>
+              </a:lnSpc>
+              <a:spcAft>
+                <a:spcPts val="1057"/>
+              </a:spcAft>
+              <a:buClr>
+                <a:srgbClr val="2C3E50"/>
+              </a:buClr>
+              <a:buSzPct val="45000"/>
+              <a:buFont typeface="Wingdings" charset="2"/>
+              <a:buChar char=""/>
+            </a:pPr>
+            <a:r>
+              <a:rPr lang="en-US" sz="2400" b="1" strike="noStrike" spc="-1" dirty="0">
+                <a:solidFill>
+                  <a:srgbClr val="2C3E50"/>
+                </a:solidFill>
+                <a:latin typeface="Source Sans Pro Semibold"/>
+              </a:rPr>
+              <a:t>Iowa+ Webcams</a:t>
+            </a:r>
+          </a:p>
+          <a:p>
+            <a:pPr marL="432000" indent="-323640">
+              <a:lnSpc>
+                <a:spcPct val="100000"/>
+              </a:lnSpc>
+              <a:spcAft>
+                <a:spcPts val="1057"/>
+              </a:spcAft>
+              <a:buClr>
+                <a:srgbClr val="2C3E50"/>
+              </a:buClr>
+              <a:buSzPct val="45000"/>
+              <a:buFont typeface="Wingdings" charset="2"/>
+              <a:buChar char=""/>
+            </a:pPr>
+            <a:r>
+              <a:rPr lang="en-US" sz="2400" b="0" strike="noStrike" spc="-1" dirty="0">
+                <a:latin typeface="Arial"/>
+              </a:rPr>
+              <a:t>Iowa Track-A-Plow</a:t>
+            </a:r>
+          </a:p>
+          <a:p>
+            <a:pPr marL="432000" indent="-323640">
+              <a:lnSpc>
+                <a:spcPct val="100000"/>
+              </a:lnSpc>
+              <a:spcAft>
+                <a:spcPts val="1057"/>
+              </a:spcAft>
+              <a:buClr>
+                <a:srgbClr val="2C3E50"/>
+              </a:buClr>
+              <a:buSzPct val="45000"/>
+              <a:buFont typeface="Wingdings" charset="2"/>
+              <a:buChar char=""/>
+            </a:pPr>
+            <a:r>
+              <a:rPr lang="en-US" sz="2400" b="1" strike="noStrike" spc="-1" dirty="0">
+                <a:solidFill>
+                  <a:srgbClr val="2C3E50"/>
+                </a:solidFill>
+                <a:latin typeface="Source Sans Pro Semibold"/>
+              </a:rPr>
+              <a:t>Local Storm Reports</a:t>
+            </a:r>
+            <a:endParaRPr lang="en-US" sz="2400" b="0" strike="noStrike" spc="-1" dirty="0">
+              <a:latin typeface="Arial"/>
+            </a:endParaRPr>
+          </a:p>
+          <a:p>
+            <a:pPr marL="432000" indent="-323640">
+              <a:lnSpc>
+                <a:spcPct val="100000"/>
+              </a:lnSpc>
+              <a:spcAft>
+                <a:spcPts val="1057"/>
+              </a:spcAft>
+              <a:buClr>
+                <a:srgbClr val="2C3E50"/>
+              </a:buClr>
+              <a:buSzPct val="45000"/>
+              <a:buFont typeface="Wingdings" charset="2"/>
+              <a:buChar char=""/>
+            </a:pPr>
+            <a:r>
+              <a:rPr lang="en-US" sz="2400" b="1" strike="noStrike" spc="-1" dirty="0">
+                <a:solidFill>
+                  <a:srgbClr val="2C3E50"/>
+                </a:solidFill>
+                <a:latin typeface="Source Sans Pro Semibold"/>
+              </a:rPr>
+              <a:t>MADIS / HFMETAR</a:t>
+            </a:r>
+            <a:endParaRPr lang="en-US" sz="2400" b="0" strike="noStrike" spc="-1" dirty="0">
+              <a:latin typeface="Arial"/>
+            </a:endParaRPr>
+          </a:p>
+        </p:txBody>
+      </p:sp>
+      <p:sp>
+        <p:nvSpPr>
+          <p:cNvPr id="175" name="Rectangle 174"/>
+          <p:cNvSpPr/>
+          <p:nvPr/>
+        </p:nvSpPr>
+        <p:spPr>
+          <a:xfrm>
+            <a:off x="3352800" y="1485000"/>
+            <a:ext cx="3314700" cy="3779640"/>
+          </a:xfrm>
+          <a:prstGeom prst="rect">
+            <a:avLst/>
+          </a:prstGeom>
+          <a:noFill/>
+          <a:ln w="0">
+            <a:noFill/>
+          </a:ln>
+        </p:spPr>
+        <p:style>
+          <a:lnRef idx="0">
+            <a:scrgbClr r="0" g="0" b="0"/>
+          </a:lnRef>
+          <a:fillRef idx="0">
+            <a:scrgbClr r="0" g="0" b="0"/>
+          </a:fillRef>
+          <a:effectRef idx="0">
+            <a:scrgbClr r="0" g="0" b="0"/>
+          </a:effectRef>
+          <a:fontRef idx="minor"/>
+        </p:style>
+        <p:txBody>
+          <a:bodyPr lIns="0" tIns="0" rIns="0" bIns="0">
+            <a:normAutofit fontScale="71500" lnSpcReduction="20000"/>
+          </a:bodyPr>
+          <a:lstStyle/>
+          <a:p>
+            <a:pPr marL="432000" indent="-323640">
+              <a:lnSpc>
+                <a:spcPct val="100000"/>
+              </a:lnSpc>
+              <a:spcAft>
+                <a:spcPts val="1057"/>
+              </a:spcAft>
+              <a:buClr>
+                <a:srgbClr val="2C3E50"/>
+              </a:buClr>
+              <a:buSzPct val="45000"/>
+              <a:buFont typeface="Wingdings" charset="2"/>
+              <a:buChar char=""/>
+            </a:pPr>
+            <a:r>
+              <a:rPr lang="en-US" sz="2400" b="1" strike="noStrike" spc="-1" dirty="0">
+                <a:solidFill>
+                  <a:srgbClr val="2C3E50"/>
+                </a:solidFill>
+                <a:latin typeface="Source Sans Pro Semibold"/>
+              </a:rPr>
+              <a:t>MRMS</a:t>
+            </a:r>
+            <a:endParaRPr lang="en-US" sz="2400" b="0" strike="noStrike" spc="-1" dirty="0">
+              <a:latin typeface="Arial"/>
+            </a:endParaRPr>
+          </a:p>
+          <a:p>
+            <a:pPr marL="432000" indent="-323640">
+              <a:lnSpc>
+                <a:spcPct val="100000"/>
+              </a:lnSpc>
+              <a:spcAft>
+                <a:spcPts val="1057"/>
+              </a:spcAft>
+              <a:buClr>
+                <a:srgbClr val="2C3E50"/>
+              </a:buClr>
+              <a:buSzPct val="45000"/>
+              <a:buFont typeface="Wingdings" charset="2"/>
+              <a:buChar char=""/>
+            </a:pPr>
+            <a:r>
+              <a:rPr lang="en-US" sz="2400" b="1" strike="noStrike" spc="-1" dirty="0">
+                <a:solidFill>
+                  <a:srgbClr val="2C3E50"/>
+                </a:solidFill>
+                <a:latin typeface="Source Sans Pro Semibold"/>
+              </a:rPr>
+              <a:t>NCEP F000 Models</a:t>
+            </a:r>
+            <a:endParaRPr lang="en-US" sz="2400" b="0" strike="noStrike" spc="-1" dirty="0">
+              <a:latin typeface="Arial"/>
+            </a:endParaRPr>
+          </a:p>
+          <a:p>
+            <a:pPr marL="432000" indent="-323640">
+              <a:lnSpc>
+                <a:spcPct val="100000"/>
+              </a:lnSpc>
+              <a:spcAft>
+                <a:spcPts val="1057"/>
+              </a:spcAft>
+              <a:buClr>
+                <a:srgbClr val="2C3E50"/>
+              </a:buClr>
+              <a:buSzPct val="45000"/>
+              <a:buFont typeface="Wingdings" charset="2"/>
+              <a:buChar char=""/>
+            </a:pPr>
+            <a:r>
+              <a:rPr lang="en-US" sz="2400" b="1" strike="noStrike" spc="-1" dirty="0">
+                <a:solidFill>
+                  <a:srgbClr val="2C3E50"/>
+                </a:solidFill>
+                <a:latin typeface="Source Sans Pro Semibold"/>
+              </a:rPr>
+              <a:t>NEXRAD Attributes</a:t>
+            </a:r>
+            <a:endParaRPr lang="en-US" sz="2400" b="0" strike="noStrike" spc="-1" dirty="0">
+              <a:latin typeface="Arial"/>
+            </a:endParaRPr>
+          </a:p>
+          <a:p>
+            <a:pPr marL="432000" indent="-323640">
+              <a:lnSpc>
+                <a:spcPct val="100000"/>
+              </a:lnSpc>
+              <a:spcAft>
+                <a:spcPts val="1057"/>
+              </a:spcAft>
+              <a:buClr>
+                <a:srgbClr val="2C3E50"/>
+              </a:buClr>
+              <a:buSzPct val="45000"/>
+              <a:buFont typeface="Wingdings" charset="2"/>
+              <a:buChar char=""/>
+            </a:pPr>
+            <a:r>
+              <a:rPr lang="en-US" sz="2400" b="1" strike="noStrike" spc="-1" dirty="0">
+                <a:solidFill>
+                  <a:srgbClr val="2C3E50"/>
+                </a:solidFill>
+                <a:latin typeface="Source Sans Pro Semibold"/>
+              </a:rPr>
+              <a:t>NEXRAD Level II Live Data</a:t>
+            </a:r>
+          </a:p>
+          <a:p>
+            <a:pPr marL="432000" indent="-323640">
+              <a:lnSpc>
+                <a:spcPct val="100000"/>
+              </a:lnSpc>
+              <a:spcAft>
+                <a:spcPts val="1057"/>
+              </a:spcAft>
+              <a:buClr>
+                <a:srgbClr val="2C3E50"/>
+              </a:buClr>
+              <a:buSzPct val="45000"/>
+              <a:buFont typeface="Wingdings" charset="2"/>
+              <a:buChar char=""/>
+            </a:pPr>
+            <a:r>
+              <a:rPr lang="en-US" sz="2400" b="1" strike="noStrike" spc="-1" dirty="0">
+                <a:solidFill>
+                  <a:srgbClr val="2C3E50"/>
+                </a:solidFill>
+                <a:latin typeface="Source Sans Pro Semibold"/>
+              </a:rPr>
+              <a:t>NRCS SCAN</a:t>
+            </a:r>
+            <a:endParaRPr lang="en-US" sz="2400" b="0" strike="noStrike" spc="-1" dirty="0">
+              <a:latin typeface="Arial"/>
+            </a:endParaRPr>
+          </a:p>
+          <a:p>
+            <a:pPr marL="432000" indent="-323640">
+              <a:lnSpc>
+                <a:spcPct val="100000"/>
+              </a:lnSpc>
+              <a:spcAft>
+                <a:spcPts val="1057"/>
+              </a:spcAft>
+              <a:buClr>
+                <a:srgbClr val="2C3E50"/>
+              </a:buClr>
+              <a:buSzPct val="45000"/>
+              <a:buFont typeface="Wingdings" charset="2"/>
+              <a:buChar char=""/>
+            </a:pPr>
+            <a:r>
+              <a:rPr lang="en-US" sz="2400" b="1" strike="noStrike" spc="-1" dirty="0">
+                <a:solidFill>
+                  <a:srgbClr val="2C3E50"/>
+                </a:solidFill>
+                <a:latin typeface="Source Sans Pro Semibold"/>
+              </a:rPr>
+              <a:t>NWS Text Archive</a:t>
+            </a:r>
+            <a:endParaRPr lang="en-US" sz="2400" b="0" strike="noStrike" spc="-1" dirty="0">
+              <a:latin typeface="Arial"/>
+            </a:endParaRPr>
+          </a:p>
+          <a:p>
+            <a:pPr marL="432000" indent="-323640">
+              <a:lnSpc>
+                <a:spcPct val="100000"/>
+              </a:lnSpc>
+              <a:spcAft>
+                <a:spcPts val="1057"/>
+              </a:spcAft>
+              <a:buClr>
+                <a:srgbClr val="2C3E50"/>
+              </a:buClr>
+              <a:buSzPct val="45000"/>
+              <a:buFont typeface="Wingdings" charset="2"/>
+              <a:buChar char=""/>
+            </a:pPr>
+            <a:r>
+              <a:rPr lang="en-US" sz="2400" b="1" strike="noStrike" spc="-1" dirty="0">
+                <a:solidFill>
+                  <a:srgbClr val="2C3E50"/>
+                </a:solidFill>
+                <a:latin typeface="Source Sans Pro Semibold"/>
+              </a:rPr>
+              <a:t>NWS </a:t>
+            </a:r>
+            <a:r>
+              <a:rPr lang="en-US" sz="2400" b="1" strike="noStrike" spc="-1" dirty="0" err="1">
+                <a:solidFill>
+                  <a:srgbClr val="2C3E50"/>
+                </a:solidFill>
+                <a:latin typeface="Source Sans Pro Semibold"/>
+              </a:rPr>
+              <a:t>WaWA</a:t>
+            </a:r>
+            <a:r>
+              <a:rPr lang="en-US" sz="2400" b="1" strike="noStrike" spc="-1" dirty="0">
+                <a:solidFill>
+                  <a:srgbClr val="2C3E50"/>
+                </a:solidFill>
+                <a:latin typeface="Source Sans Pro Semibold"/>
+              </a:rPr>
+              <a:t> Map</a:t>
+            </a:r>
+            <a:endParaRPr lang="en-US" sz="2400" b="0" strike="noStrike" spc="-1" dirty="0">
+              <a:latin typeface="Arial"/>
+            </a:endParaRPr>
+          </a:p>
+          <a:p>
+            <a:pPr marL="432000" indent="-323640">
+              <a:lnSpc>
+                <a:spcPct val="100000"/>
+              </a:lnSpc>
+              <a:spcAft>
+                <a:spcPts val="1057"/>
+              </a:spcAft>
+              <a:buClr>
+                <a:srgbClr val="2C3E50"/>
+              </a:buClr>
+              <a:buSzPct val="45000"/>
+              <a:buFont typeface="Wingdings" charset="2"/>
+              <a:buChar char=""/>
+            </a:pPr>
+            <a:r>
+              <a:rPr lang="en-US" sz="2400" b="1" strike="noStrike" spc="-1" dirty="0">
+                <a:solidFill>
+                  <a:srgbClr val="2C3E50"/>
+                </a:solidFill>
+                <a:latin typeface="Source Sans Pro Semibold"/>
+              </a:rPr>
+              <a:t>PIREPs</a:t>
+            </a:r>
+            <a:endParaRPr lang="en-US" sz="2400" b="0" strike="noStrike" spc="-1" dirty="0">
+              <a:latin typeface="Arial"/>
+            </a:endParaRPr>
+          </a:p>
+          <a:p>
+            <a:pPr marL="432000" indent="-323640">
+              <a:lnSpc>
+                <a:spcPct val="100000"/>
+              </a:lnSpc>
+              <a:spcAft>
+                <a:spcPts val="1057"/>
+              </a:spcAft>
+              <a:buClr>
+                <a:srgbClr val="2C3E50"/>
+              </a:buClr>
+              <a:buSzPct val="45000"/>
+              <a:buFont typeface="Wingdings" charset="2"/>
+              <a:buChar char=""/>
+            </a:pPr>
+            <a:r>
+              <a:rPr lang="en-US" sz="2400" b="1" strike="noStrike" spc="-1" dirty="0">
+                <a:solidFill>
+                  <a:srgbClr val="2C3E50"/>
+                </a:solidFill>
+                <a:latin typeface="Source Sans Pro Semibold"/>
+              </a:rPr>
+              <a:t>Public RWIS Networks</a:t>
+            </a:r>
+            <a:endParaRPr lang="en-US" sz="2400" b="0" strike="noStrike" spc="-1" dirty="0">
+              <a:latin typeface="Arial"/>
+            </a:endParaRPr>
+          </a:p>
+          <a:p>
+            <a:pPr marL="432000" indent="-323640">
+              <a:lnSpc>
+                <a:spcPct val="100000"/>
+              </a:lnSpc>
+              <a:spcAft>
+                <a:spcPts val="1057"/>
+              </a:spcAft>
+              <a:buClr>
+                <a:srgbClr val="2C3E50"/>
+              </a:buClr>
+              <a:buSzPct val="45000"/>
+              <a:buFont typeface="Wingdings" charset="2"/>
+              <a:buChar char=""/>
+            </a:pPr>
+            <a:r>
+              <a:rPr lang="en-US" sz="2400" b="1" strike="noStrike" spc="-1" dirty="0">
+                <a:solidFill>
+                  <a:srgbClr val="2C3E50"/>
+                </a:solidFill>
+                <a:latin typeface="Source Sans Pro Semibold"/>
+              </a:rPr>
+              <a:t>RADAR Products (Single/Mosaic)</a:t>
+            </a:r>
+            <a:endParaRPr lang="en-US" sz="2400" b="0" strike="noStrike" spc="-1" dirty="0">
+              <a:latin typeface="Arial"/>
+            </a:endParaRPr>
+          </a:p>
+          <a:p>
+            <a:pPr>
+              <a:lnSpc>
+                <a:spcPct val="100000"/>
+              </a:lnSpc>
+              <a:spcAft>
+                <a:spcPts val="1057"/>
+              </a:spcAft>
+            </a:pPr>
+            <a:endParaRPr lang="en-US" sz="2400" b="0" strike="noStrike" spc="-1" dirty="0">
+              <a:latin typeface="Arial"/>
+            </a:endParaRPr>
+          </a:p>
+        </p:txBody>
+      </p:sp>
+      <p:sp>
+        <p:nvSpPr>
+          <p:cNvPr id="2" name="Rectangle 1">
+            <a:extLst>
+              <a:ext uri="{FF2B5EF4-FFF2-40B4-BE49-F238E27FC236}">
+                <a16:creationId xmlns:a16="http://schemas.microsoft.com/office/drawing/2014/main" id="{0A5A1FC8-E032-47CE-9EF3-7150096F9BC4}"/>
+              </a:ext>
+            </a:extLst>
+          </p:cNvPr>
+          <p:cNvSpPr/>
+          <p:nvPr/>
+        </p:nvSpPr>
+        <p:spPr>
+          <a:xfrm>
+            <a:off x="6218600" y="1485000"/>
+            <a:ext cx="3314700" cy="3779640"/>
+          </a:xfrm>
+          <a:prstGeom prst="rect">
+            <a:avLst/>
+          </a:prstGeom>
+          <a:noFill/>
+          <a:ln w="0">
+            <a:noFill/>
+          </a:ln>
+        </p:spPr>
+        <p:style>
+          <a:lnRef idx="0">
+            <a:scrgbClr r="0" g="0" b="0"/>
+          </a:lnRef>
+          <a:fillRef idx="0">
+            <a:scrgbClr r="0" g="0" b="0"/>
+          </a:fillRef>
+          <a:effectRef idx="0">
+            <a:scrgbClr r="0" g="0" b="0"/>
+          </a:effectRef>
+          <a:fontRef idx="minor"/>
+        </p:style>
+        <p:txBody>
+          <a:bodyPr lIns="0" tIns="0" rIns="0" bIns="0">
+            <a:normAutofit fontScale="71500" lnSpcReduction="20000"/>
+          </a:bodyPr>
+          <a:lstStyle/>
+          <a:p>
+            <a:pPr marL="432000" indent="-323640">
+              <a:lnSpc>
+                <a:spcPct val="100000"/>
+              </a:lnSpc>
+              <a:spcAft>
+                <a:spcPts val="1057"/>
+              </a:spcAft>
+              <a:buClr>
+                <a:srgbClr val="2C3E50"/>
+              </a:buClr>
+              <a:buSzPct val="45000"/>
+              <a:buFont typeface="Wingdings" charset="2"/>
+              <a:buChar char=""/>
+            </a:pPr>
+            <a:r>
+              <a:rPr lang="en-US" sz="2400" b="1" strike="noStrike" spc="-1" dirty="0">
+                <a:solidFill>
+                  <a:srgbClr val="2C3E50"/>
+                </a:solidFill>
+                <a:latin typeface="Source Sans Pro Semibold"/>
+              </a:rPr>
+              <a:t>RTMA</a:t>
+            </a:r>
+          </a:p>
+          <a:p>
+            <a:pPr marL="432000" indent="-323640">
+              <a:lnSpc>
+                <a:spcPct val="100000"/>
+              </a:lnSpc>
+              <a:spcAft>
+                <a:spcPts val="1057"/>
+              </a:spcAft>
+              <a:buClr>
+                <a:srgbClr val="2C3E50"/>
+              </a:buClr>
+              <a:buSzPct val="45000"/>
+              <a:buFont typeface="Wingdings" charset="2"/>
+              <a:buChar char=""/>
+            </a:pPr>
+            <a:r>
+              <a:rPr lang="en-US" sz="2400" b="0" strike="noStrike" spc="-1" dirty="0">
+                <a:latin typeface="Arial"/>
+              </a:rPr>
+              <a:t>RWIS</a:t>
+            </a:r>
+          </a:p>
+          <a:p>
+            <a:pPr marL="432000" indent="-323640">
+              <a:lnSpc>
+                <a:spcPct val="100000"/>
+              </a:lnSpc>
+              <a:spcAft>
+                <a:spcPts val="1057"/>
+              </a:spcAft>
+              <a:buClr>
+                <a:srgbClr val="2C3E50"/>
+              </a:buClr>
+              <a:buSzPct val="45000"/>
+              <a:buFont typeface="Wingdings" charset="2"/>
+              <a:buChar char=""/>
+            </a:pPr>
+            <a:r>
+              <a:rPr lang="en-US" sz="2400" b="1" strike="noStrike" spc="-1" dirty="0">
+                <a:solidFill>
+                  <a:srgbClr val="2C3E50"/>
+                </a:solidFill>
+                <a:latin typeface="Source Sans Pro Semibold"/>
+              </a:rPr>
+              <a:t>SHEF HADS/DCP/COOP</a:t>
+            </a:r>
+            <a:endParaRPr lang="en-US" sz="2400" b="0" strike="noStrike" spc="-1" dirty="0">
+              <a:latin typeface="Arial"/>
+            </a:endParaRPr>
+          </a:p>
+          <a:p>
+            <a:pPr marL="432000" indent="-323640">
+              <a:lnSpc>
+                <a:spcPct val="100000"/>
+              </a:lnSpc>
+              <a:spcAft>
+                <a:spcPts val="1057"/>
+              </a:spcAft>
+              <a:buClr>
+                <a:srgbClr val="2C3E50"/>
+              </a:buClr>
+              <a:buSzPct val="45000"/>
+              <a:buFont typeface="Wingdings" charset="2"/>
+              <a:buChar char=""/>
+            </a:pPr>
+            <a:r>
+              <a:rPr lang="en-US" sz="2400" b="1" strike="noStrike" spc="-1" dirty="0">
+                <a:solidFill>
+                  <a:srgbClr val="2C3E50"/>
+                </a:solidFill>
+                <a:latin typeface="Source Sans Pro Semibold"/>
+              </a:rPr>
+              <a:t>SIGMETs</a:t>
+            </a:r>
+            <a:endParaRPr lang="en-US" sz="2400" b="0" strike="noStrike" spc="-1" dirty="0">
+              <a:latin typeface="Arial"/>
+            </a:endParaRPr>
+          </a:p>
+          <a:p>
+            <a:pPr marL="432000" indent="-323640">
+              <a:lnSpc>
+                <a:spcPct val="100000"/>
+              </a:lnSpc>
+              <a:spcAft>
+                <a:spcPts val="1057"/>
+              </a:spcAft>
+              <a:buClr>
+                <a:srgbClr val="2C3E50"/>
+              </a:buClr>
+              <a:buSzPct val="45000"/>
+              <a:buFont typeface="Wingdings" charset="2"/>
+              <a:buChar char=""/>
+            </a:pPr>
+            <a:r>
+              <a:rPr lang="en-US" sz="2400" b="1" strike="noStrike" spc="-1" dirty="0">
+                <a:solidFill>
+                  <a:srgbClr val="2C3E50"/>
+                </a:solidFill>
+                <a:latin typeface="Source Sans Pro Semibold"/>
+              </a:rPr>
+              <a:t>SPC MCD/Watches/Outlooks</a:t>
+            </a:r>
+            <a:endParaRPr lang="en-US" sz="2400" b="0" strike="noStrike" spc="-1" dirty="0">
+              <a:latin typeface="Arial"/>
+            </a:endParaRPr>
+          </a:p>
+          <a:p>
+            <a:pPr marL="432000" indent="-323640">
+              <a:lnSpc>
+                <a:spcPct val="100000"/>
+              </a:lnSpc>
+              <a:spcAft>
+                <a:spcPts val="1057"/>
+              </a:spcAft>
+              <a:buClr>
+                <a:srgbClr val="2C3E50"/>
+              </a:buClr>
+              <a:buSzPct val="45000"/>
+              <a:buFont typeface="Wingdings" charset="2"/>
+              <a:buChar char=""/>
+            </a:pPr>
+            <a:r>
+              <a:rPr lang="en-US" sz="2400" b="1" strike="noStrike" spc="-1" dirty="0">
+                <a:solidFill>
+                  <a:srgbClr val="2C3E50"/>
+                </a:solidFill>
+                <a:latin typeface="Source Sans Pro Semibold"/>
+              </a:rPr>
+              <a:t>SMOS Satellite</a:t>
+            </a:r>
+            <a:endParaRPr lang="en-US" sz="2400" b="0" strike="noStrike" spc="-1" dirty="0">
+              <a:latin typeface="Arial"/>
+            </a:endParaRPr>
+          </a:p>
+          <a:p>
+            <a:pPr marL="432000" indent="-323640">
+              <a:lnSpc>
+                <a:spcPct val="100000"/>
+              </a:lnSpc>
+              <a:spcAft>
+                <a:spcPts val="1057"/>
+              </a:spcAft>
+              <a:buClr>
+                <a:srgbClr val="2C3E50"/>
+              </a:buClr>
+              <a:buSzPct val="45000"/>
+              <a:buFont typeface="Wingdings" charset="2"/>
+              <a:buChar char=""/>
+            </a:pPr>
+            <a:r>
+              <a:rPr lang="en-US" sz="2400" b="1" strike="noStrike" spc="-1" dirty="0">
+                <a:solidFill>
+                  <a:srgbClr val="2C3E50"/>
+                </a:solidFill>
+                <a:latin typeface="Source Sans Pro Semibold"/>
+              </a:rPr>
+              <a:t>Soundings</a:t>
+            </a:r>
+            <a:endParaRPr lang="en-US" sz="2400" b="0" strike="noStrike" spc="-1" dirty="0">
+              <a:latin typeface="Arial"/>
+            </a:endParaRPr>
+          </a:p>
+          <a:p>
+            <a:pPr marL="432000" indent="-323640">
+              <a:lnSpc>
+                <a:spcPct val="100000"/>
+              </a:lnSpc>
+              <a:spcAft>
+                <a:spcPts val="1057"/>
+              </a:spcAft>
+              <a:buClr>
+                <a:srgbClr val="2C3E50"/>
+              </a:buClr>
+              <a:buSzPct val="45000"/>
+              <a:buFont typeface="Wingdings" charset="2"/>
+              <a:buChar char=""/>
+            </a:pPr>
+            <a:r>
+              <a:rPr lang="en-US" sz="2400" b="1" strike="noStrike" spc="-1" dirty="0">
+                <a:solidFill>
+                  <a:srgbClr val="2C3E50"/>
+                </a:solidFill>
+                <a:latin typeface="Source Sans Pro Semibold"/>
+              </a:rPr>
+              <a:t>Text MOS</a:t>
+            </a:r>
+            <a:endParaRPr lang="en-US" sz="2400" b="0" strike="noStrike" spc="-1" dirty="0">
+              <a:latin typeface="Arial"/>
+            </a:endParaRPr>
+          </a:p>
+          <a:p>
+            <a:pPr marL="432000" indent="-323640">
+              <a:lnSpc>
+                <a:spcPct val="100000"/>
+              </a:lnSpc>
+              <a:spcAft>
+                <a:spcPts val="1057"/>
+              </a:spcAft>
+              <a:buClr>
+                <a:srgbClr val="2C3E50"/>
+              </a:buClr>
+              <a:buSzPct val="45000"/>
+              <a:buFont typeface="Wingdings" charset="2"/>
+              <a:buChar char=""/>
+            </a:pPr>
+            <a:r>
+              <a:rPr lang="en-US" sz="2400" b="1" strike="noStrike" spc="-1" dirty="0">
+                <a:solidFill>
+                  <a:srgbClr val="2C3E50"/>
+                </a:solidFill>
+                <a:latin typeface="Source Sans Pro Semibold"/>
+              </a:rPr>
+              <a:t>VTEC </a:t>
+            </a:r>
+            <a:r>
+              <a:rPr lang="en-US" sz="2400" b="1" strike="noStrike" spc="-1" dirty="0" err="1">
+                <a:solidFill>
+                  <a:srgbClr val="2C3E50"/>
+                </a:solidFill>
+                <a:latin typeface="Source Sans Pro Semibold"/>
+              </a:rPr>
+              <a:t>WaWA</a:t>
+            </a:r>
+            <a:endParaRPr lang="en-US" sz="2400" b="1" strike="noStrike" spc="-1" dirty="0">
+              <a:solidFill>
+                <a:srgbClr val="2C3E50"/>
+              </a:solidFill>
+              <a:latin typeface="Source Sans Pro Semibold"/>
+            </a:endParaRPr>
+          </a:p>
+          <a:p>
+            <a:pPr marL="432000" indent="-323640">
+              <a:lnSpc>
+                <a:spcPct val="100000"/>
+              </a:lnSpc>
+              <a:spcAft>
+                <a:spcPts val="1057"/>
+              </a:spcAft>
+              <a:buClr>
+                <a:srgbClr val="2C3E50"/>
+              </a:buClr>
+              <a:buSzPct val="45000"/>
+              <a:buFont typeface="Wingdings" charset="2"/>
+              <a:buChar char=""/>
+            </a:pPr>
             <a:r>
               <a:rPr lang="en-US" sz="2400" b="1" spc="-1" dirty="0">
                 <a:solidFill>
@@ -11077,28 +11123,21 @@
                 </a:solidFill>
                 <a:latin typeface="Source Sans Pro Semibold"/>
               </a:rPr>
-              <a:t>, please email me </a:t>
-            </a:r>
-            <a:r>
-              <a:rPr lang="en-US" sz="2400" b="1" u="sng" strike="noStrike" spc="-1" dirty="0">
-                <a:solidFill>
-                  <a:srgbClr val="0000FF"/>
-                </a:solidFill>
-                <a:uFillTx/>
-                <a:latin typeface="Source Sans Pro Semibold"/>
-                <a:hlinkClick r:id="rId2"/>
-              </a:rPr>
-              <a:t>akrherz@iastate.edu</a:t>
-            </a:r>
-            <a:r>
-              <a:rPr lang="en-US" sz="2400" b="1" strike="noStrike" spc="-1" dirty="0">
-                <a:solidFill>
-                  <a:srgbClr val="2C3E50"/>
-                </a:solidFill>
-                <a:latin typeface="Source Sans Pro Semibold"/>
-              </a:rPr>
-              <a:t> and see how fast I can turn around your email.</a:t>
-            </a:r>
+              <a:t>Winter Road Conditions (Iowa)</a:t>
+            </a:r>
+            <a:endParaRPr lang="en-US" sz="2400" b="0" strike="noStrike" spc="-1" dirty="0">
+              <a:latin typeface="Arial"/>
+            </a:endParaRPr>
+          </a:p>
+          <a:p>
+            <a:pPr>
+              <a:lnSpc>
+                <a:spcPct val="100000"/>
+              </a:lnSpc>
+              <a:spcAft>
+                <a:spcPts val="1057"/>
+              </a:spcAft>
+            </a:pPr>
             <a:endParaRPr lang="en-US" sz="2400" b="0" strike="noStrike" spc="-1" dirty="0">
               <a:latin typeface="Arial"/>
             </a:endParaRPr>
@@ -11114,6 +11153,208 @@
 </file>
 
 <file path=ppt/slides/slide8.xml><?xml version="1.0" encoding="utf-8"?>
+<p:sld xmlns:a="http://schemas.openxmlformats.org/drawingml/2006/main" xmlns:r="http://schemas.openxmlformats.org/officeDocument/2006/relationships" xmlns:p="http://schemas.openxmlformats.org/presentationml/2006/main">
+  <p:cSld>
+    <p:spTree>
+      <p:nvGrpSpPr>
+        <p:cNvPr id="1" name=""/>
+        <p:cNvGrpSpPr/>
+        <p:nvPr/>
+      </p:nvGrpSpPr>
+      <p:grpSpPr>
+        <a:xfrm>
+          <a:off x="0" y="0"/>
+          <a:ext cx="0" cy="0"/>
+          <a:chOff x="0" y="0"/>
+          <a:chExt cx="0" cy="0"/>
+        </a:xfrm>
+      </p:grpSpPr>
+      <p:sp>
+        <p:nvSpPr>
+          <p:cNvPr id="176" name="Rectangle 175"/>
+          <p:cNvSpPr/>
+          <p:nvPr/>
+        </p:nvSpPr>
+        <p:spPr>
+          <a:xfrm>
+            <a:off x="360000" y="225720"/>
+            <a:ext cx="9359640" cy="718560"/>
+          </a:xfrm>
+          <a:prstGeom prst="rect">
+            <a:avLst/>
+          </a:prstGeom>
+          <a:noFill/>
+          <a:ln w="0">
+            <a:noFill/>
+          </a:ln>
+        </p:spPr>
+        <p:style>
+          <a:lnRef idx="0">
+            <a:scrgbClr r="0" g="0" b="0"/>
+          </a:lnRef>
+          <a:fillRef idx="0">
+            <a:scrgbClr r="0" g="0" b="0"/>
+          </a:fillRef>
+          <a:effectRef idx="0">
+            <a:scrgbClr r="0" g="0" b="0"/>
+          </a:effectRef>
+          <a:fontRef idx="minor"/>
+        </p:style>
+        <p:txBody>
+          <a:bodyPr lIns="0" tIns="0" rIns="0" bIns="0" anchor="ctr">
+            <a:noAutofit/>
+          </a:bodyPr>
+          <a:lstStyle/>
+          <a:p>
+            <a:pPr>
+              <a:lnSpc>
+                <a:spcPct val="100000"/>
+              </a:lnSpc>
+            </a:pPr>
+            <a:r>
+              <a:rPr lang="en-US" sz="2700" b="1" strike="noStrike" spc="-1">
+                <a:solidFill>
+                  <a:srgbClr val="FFFFFF"/>
+                </a:solidFill>
+                <a:latin typeface="Source Sans Pro Black"/>
+              </a:rPr>
+              <a:t>The moral of today’s talk:</a:t>
+            </a:r>
+            <a:endParaRPr lang="en-US" sz="2700" b="0" strike="noStrike" spc="-1">
+              <a:latin typeface="Arial"/>
+            </a:endParaRPr>
+          </a:p>
+        </p:txBody>
+      </p:sp>
+      <p:sp>
+        <p:nvSpPr>
+          <p:cNvPr id="177" name="Rectangle 176"/>
+          <p:cNvSpPr/>
+          <p:nvPr/>
+        </p:nvSpPr>
+        <p:spPr>
+          <a:xfrm>
+            <a:off x="360000" y="1485000"/>
+            <a:ext cx="9359640" cy="3779640"/>
+          </a:xfrm>
+          <a:prstGeom prst="rect">
+            <a:avLst/>
+          </a:prstGeom>
+          <a:noFill/>
+          <a:ln w="0">
+            <a:noFill/>
+          </a:ln>
+        </p:spPr>
+        <p:style>
+          <a:lnRef idx="0">
+            <a:scrgbClr r="0" g="0" b="0"/>
+          </a:lnRef>
+          <a:fillRef idx="0">
+            <a:scrgbClr r="0" g="0" b="0"/>
+          </a:fillRef>
+          <a:effectRef idx="0">
+            <a:scrgbClr r="0" g="0" b="0"/>
+          </a:effectRef>
+          <a:fontRef idx="minor"/>
+        </p:style>
+        <p:txBody>
+          <a:bodyPr lIns="0" tIns="0" rIns="0" bIns="0">
+            <a:normAutofit fontScale="99500"/>
+          </a:bodyPr>
+          <a:lstStyle/>
+          <a:p>
+            <a:pPr marL="432000" indent="-323640">
+              <a:lnSpc>
+                <a:spcPct val="100000"/>
+              </a:lnSpc>
+              <a:spcAft>
+                <a:spcPts val="1057"/>
+              </a:spcAft>
+              <a:buClr>
+                <a:srgbClr val="2C3E50"/>
+              </a:buClr>
+              <a:buSzPct val="45000"/>
+              <a:buFont typeface="Wingdings" charset="2"/>
+              <a:buChar char=""/>
+            </a:pPr>
+            <a:r>
+              <a:rPr lang="en-US" sz="2400" b="1" strike="noStrike" spc="-1" dirty="0">
+                <a:solidFill>
+                  <a:srgbClr val="2C3E50"/>
+                </a:solidFill>
+                <a:latin typeface="Source Sans Pro Semibold"/>
+              </a:rPr>
+              <a:t>My website is neither official nor provides certified data, but is hopefully helpful as a screening tool with high fidelity archives. </a:t>
+            </a:r>
+          </a:p>
+          <a:p>
+            <a:pPr marL="432000" indent="-323640">
+              <a:lnSpc>
+                <a:spcPct val="100000"/>
+              </a:lnSpc>
+              <a:spcAft>
+                <a:spcPts val="1057"/>
+              </a:spcAft>
+              <a:buClr>
+                <a:srgbClr val="2C3E50"/>
+              </a:buClr>
+              <a:buSzPct val="45000"/>
+              <a:buFont typeface="Wingdings" charset="2"/>
+              <a:buChar char=""/>
+            </a:pPr>
+            <a:r>
+              <a:rPr lang="en-US" sz="2400" b="1" strike="noStrike" spc="-1" dirty="0">
+                <a:solidFill>
+                  <a:srgbClr val="2C3E50"/>
+                </a:solidFill>
+                <a:latin typeface="Source Sans Pro Semibold"/>
+              </a:rPr>
+              <a:t>If you visit my website and fail to locate some archive within 5 minutes</a:t>
+            </a:r>
+            <a:r>
+              <a:rPr lang="en-US" sz="2400" b="1" spc="-1" dirty="0">
+                <a:solidFill>
+                  <a:srgbClr val="2C3E50"/>
+                </a:solidFill>
+                <a:latin typeface="Source Sans Pro Semibold"/>
+              </a:rPr>
+              <a:t>, please email me </a:t>
+            </a:r>
+            <a:r>
+              <a:rPr lang="en-US" sz="2400" b="1" u="sng" strike="noStrike" spc="-1" dirty="0">
+                <a:solidFill>
+                  <a:srgbClr val="0000FF"/>
+                </a:solidFill>
+                <a:uFillTx/>
+                <a:latin typeface="Source Sans Pro Semibold"/>
+                <a:hlinkClick r:id="rId2"/>
+              </a:rPr>
+              <a:t>akrherz@iastate.edu</a:t>
+            </a:r>
+            <a:r>
+              <a:rPr lang="en-US" sz="2400" b="1" strike="noStrike" spc="-1" dirty="0">
+                <a:solidFill>
+                  <a:srgbClr val="2C3E50"/>
+                </a:solidFill>
+                <a:latin typeface="Source Sans Pro Semibold"/>
+              </a:rPr>
+              <a:t> and see how fast I can turn around your email.</a:t>
+            </a:r>
+            <a:endParaRPr lang="en-US" sz="2400" b="0" strike="noStrike" spc="-1" dirty="0">
+              <a:latin typeface="Arial"/>
+            </a:endParaRPr>
+          </a:p>
+        </p:txBody>
+      </p:sp>
+    </p:spTree>
+  </p:cSld>
+  <p:clrMapOvr>
+    <a:masterClrMapping/>
+  </p:clrMapOvr>
+</p:sld>
+</file>
+
+<file path=ppt/slides/slide9.xml><?xml version="1.0" encoding="utf-8"?>
 <p:sld xmlns:a="http://schemas.openxmlformats.org/drawingml/2006/main" xmlns:r="http://schemas.openxmlformats.org/officeDocument/2006/relationships" xmlns:p="http://schemas.openxmlformats.org/presentationml/2006/main">
   <p:cSld>
     <p:spTree>
